--- a/Document/presentation/bus/2 search bus.pptx
+++ b/Document/presentation/bus/2 search bus.pptx
@@ -12,7 +12,7 @@
     <p:sldId id="355" r:id="rId3"/>
     <p:sldId id="356" r:id="rId4"/>
     <p:sldId id="357" r:id="rId5"/>
-    <p:sldId id="358" r:id="rId6"/>
+    <p:sldId id="360" r:id="rId6"/>
     <p:sldId id="359" r:id="rId7"/>
     <p:sldId id="345" r:id="rId8"/>
     <p:sldId id="346" r:id="rId9"/>
@@ -219,7 +219,7 @@
           <a:p>
             <a:fld id="{DB638E9B-52C4-DC4B-9E8A-4837C38FE505}" type="datetimeFigureOut">
               <a:rPr lang="en-US" smtClean="0"/>
-              <a:t>12/12/15</a:t>
+              <a:t>12/13/15</a:t>
             </a:fld>
             <a:endParaRPr lang="en-US"/>
           </a:p>
@@ -1917,7 +1917,7 @@
     </p:spTree>
     <p:extLst>
       <p:ext uri="{BB962C8B-B14F-4D97-AF65-F5344CB8AC3E}">
-        <p14:creationId xmlns:p14="http://schemas.microsoft.com/office/powerpoint/2010/main" val="767859853"/>
+        <p14:creationId xmlns:p14="http://schemas.microsoft.com/office/powerpoint/2010/main" val="353409522"/>
       </p:ext>
     </p:extLst>
   </p:cSld>
@@ -6028,7 +6028,7 @@
           <a:lstStyle/>
           <a:p>
             <a:r>
-              <a:rPr lang="en-US" dirty="0" smtClean="0">
+              <a:rPr lang="en-US" sz="5400" dirty="0" smtClean="0">
                 <a:latin typeface="Cambria"/>
                 <a:ea typeface="Cambria"/>
                 <a:cs typeface="Cambria"/>
@@ -6036,7 +6036,7 @@
               </a:rPr>
               <a:t>Scenario</a:t>
             </a:r>
-            <a:endParaRPr lang="en-US" dirty="0">
+            <a:endParaRPr lang="en-US" sz="5400" dirty="0">
               <a:latin typeface="Cambria"/>
               <a:ea typeface="Cambria"/>
               <a:cs typeface="Cambria"/>
@@ -6085,10 +6085,10 @@
         </p:nvGrpSpPr>
         <p:grpSpPr>
           <a:xfrm>
-            <a:off x="497974" y="2295465"/>
-            <a:ext cx="2172806" cy="2233416"/>
-            <a:chOff x="-42886" y="3161112"/>
-            <a:chExt cx="2172806" cy="2233416"/>
+            <a:off x="457200" y="2306692"/>
+            <a:ext cx="2574410" cy="2403109"/>
+            <a:chOff x="-42886" y="3172339"/>
+            <a:chExt cx="2172806" cy="2403109"/>
           </a:xfrm>
         </p:grpSpPr>
         <p:grpSp>
@@ -6099,10 +6099,10 @@
           </p:nvGrpSpPr>
           <p:grpSpPr>
             <a:xfrm>
-              <a:off x="433917" y="3161112"/>
-              <a:ext cx="1219200" cy="1638701"/>
-              <a:chOff x="1209565" y="3078635"/>
-              <a:chExt cx="1219200" cy="1722166"/>
+              <a:off x="202390" y="3172339"/>
+              <a:ext cx="1417118" cy="1627475"/>
+              <a:chOff x="978038" y="3090433"/>
+              <a:chExt cx="1417118" cy="1710368"/>
             </a:xfrm>
           </p:grpSpPr>
           <p:sp>
@@ -6170,7 +6170,7 @@
             </p:blipFill>
             <p:spPr bwMode="auto">
               <a:xfrm flipH="1">
-                <a:off x="1209565" y="3078635"/>
+                <a:off x="978038" y="3090433"/>
                 <a:ext cx="1219200" cy="1219200"/>
               </a:xfrm>
               <a:prstGeom prst="rect">
@@ -6197,8 +6197,8 @@
           </p:nvSpPr>
           <p:spPr>
             <a:xfrm>
-              <a:off x="-42886" y="5025196"/>
-              <a:ext cx="2172806" cy="369332"/>
+              <a:off x="-42886" y="4867562"/>
+              <a:ext cx="2172806" cy="707886"/>
             </a:xfrm>
             <a:prstGeom prst="rect">
               <a:avLst/>
@@ -6212,7 +6212,7 @@
             <a:lstStyle/>
             <a:p>
               <a:r>
-                <a:rPr lang="en-US" dirty="0" err="1">
+                <a:rPr lang="en-US" sz="2000" dirty="0" err="1">
                   <a:solidFill>
                     <a:srgbClr val="FF0000"/>
                   </a:solidFill>
@@ -6221,7 +6221,7 @@
                 <a:t>Công</a:t>
               </a:r>
               <a:r>
-                <a:rPr lang="en-US" dirty="0">
+                <a:rPr lang="en-US" sz="2000" dirty="0">
                   <a:solidFill>
                     <a:srgbClr val="FF0000"/>
                   </a:solidFill>
@@ -6230,7 +6230,7 @@
                 <a:t> </a:t>
               </a:r>
               <a:r>
-                <a:rPr lang="en-US" dirty="0" err="1">
+                <a:rPr lang="en-US" sz="2000" dirty="0" err="1">
                   <a:solidFill>
                     <a:srgbClr val="FF0000"/>
                   </a:solidFill>
@@ -6239,7 +6239,7 @@
                 <a:t>Viên</a:t>
               </a:r>
               <a:r>
-                <a:rPr lang="en-US" dirty="0">
+                <a:rPr lang="en-US" sz="2000" dirty="0">
                   <a:solidFill>
                     <a:srgbClr val="FF0000"/>
                   </a:solidFill>
@@ -6248,7 +6248,7 @@
                 <a:t> Tao </a:t>
               </a:r>
               <a:r>
-                <a:rPr lang="en-US" dirty="0" err="1">
+                <a:rPr lang="en-US" sz="2000" dirty="0" err="1">
                   <a:solidFill>
                     <a:srgbClr val="FF0000"/>
                   </a:solidFill>
@@ -6256,7 +6256,7 @@
                 </a:rPr>
                 <a:t>Đàn</a:t>
               </a:r>
-              <a:endParaRPr lang="en-US" dirty="0">
+              <a:endParaRPr lang="en-US" sz="2000" dirty="0">
                 <a:solidFill>
                   <a:srgbClr val="FF0000"/>
                 </a:solidFill>
@@ -6290,7 +6290,7 @@
         </p:blipFill>
         <p:spPr bwMode="auto">
           <a:xfrm>
-            <a:off x="3625175" y="2090481"/>
+            <a:off x="4283543" y="2042988"/>
             <a:ext cx="2438400" cy="2438400"/>
           </a:xfrm>
           <a:prstGeom prst="rect">
@@ -6381,8 +6381,8 @@
         </p:nvSpPr>
         <p:spPr>
           <a:xfrm>
-            <a:off x="332118" y="353375"/>
-            <a:ext cx="8499023" cy="621945"/>
+            <a:off x="201167" y="517967"/>
+            <a:ext cx="4663441" cy="871921"/>
           </a:xfrm>
           <a:prstGeom prst="rect">
             <a:avLst/>
@@ -6403,10 +6403,10 @@
           <a:p>
             <a:pPr algn="ctr"/>
             <a:r>
-              <a:rPr lang="en-US" dirty="0"/>
+              <a:rPr lang="en-US" sz="5400" dirty="0"/>
               <a:t>Architecture</a:t>
             </a:r>
-            <a:endParaRPr lang="en-US" dirty="0">
+            <a:endParaRPr lang="en-US" sz="5400" dirty="0">
               <a:latin typeface="Times New Roman" pitchFamily="18" charset="0"/>
               <a:cs typeface="Times New Roman" pitchFamily="18" charset="0"/>
             </a:endParaRPr>
@@ -6434,8 +6434,8 @@
         </p:blipFill>
         <p:spPr bwMode="auto">
           <a:xfrm>
-            <a:off x="1800225" y="2611556"/>
-            <a:ext cx="5543550" cy="2861196"/>
+            <a:off x="332118" y="1825172"/>
+            <a:ext cx="8121161" cy="4191580"/>
           </a:xfrm>
           <a:prstGeom prst="rect">
             <a:avLst/>
@@ -6914,7 +6914,7 @@
           <a:lstStyle/>
           <a:p>
             <a:r>
-              <a:rPr lang="en-US" dirty="0" smtClean="0">
+              <a:rPr lang="en-US" sz="5400" dirty="0" smtClean="0">
                 <a:latin typeface="Cambria"/>
                 <a:ea typeface="Cambria"/>
                 <a:cs typeface="Cambria"/>
@@ -6922,7 +6922,7 @@
               </a:rPr>
               <a:t>Scenario</a:t>
             </a:r>
-            <a:endParaRPr lang="en-US" dirty="0">
+            <a:endParaRPr lang="en-US" sz="5400" dirty="0">
               <a:latin typeface="Cambria"/>
               <a:ea typeface="Cambria"/>
               <a:cs typeface="Cambria"/>
@@ -6963,37 +6963,216 @@
           </a:p>
         </p:txBody>
       </p:sp>
+      <p:sp>
+        <p:nvSpPr>
+          <p:cNvPr id="13" name="TextBox 12"/>
+          <p:cNvSpPr txBox="1"/>
+          <p:nvPr/>
+        </p:nvSpPr>
+        <p:spPr>
+          <a:xfrm>
+            <a:off x="2702122" y="5933619"/>
+            <a:ext cx="1187858" cy="400110"/>
+          </a:xfrm>
+          <a:prstGeom prst="rect">
+            <a:avLst/>
+          </a:prstGeom>
+          <a:noFill/>
+        </p:spPr>
+        <p:txBody>
+          <a:bodyPr wrap="square" rtlCol="0">
+            <a:spAutoFit/>
+          </a:bodyPr>
+          <a:lstStyle/>
+          <a:p>
+            <a:r>
+              <a:rPr lang="vi-VN" sz="2000" b="1" dirty="0" smtClean="0">
+                <a:solidFill>
+                  <a:srgbClr val="000000"/>
+                </a:solidFill>
+                <a:latin typeface="Cambria" pitchFamily="18" charset="0"/>
+                <a:cs typeface="Times New Roman" pitchFamily="18" charset="0"/>
+              </a:rPr>
+              <a:t>Bạn gái</a:t>
+            </a:r>
+            <a:endParaRPr lang="en-US" sz="2000" b="1" dirty="0">
+              <a:solidFill>
+                <a:srgbClr val="000000"/>
+              </a:solidFill>
+              <a:latin typeface="Cambria" pitchFamily="18" charset="0"/>
+              <a:cs typeface="Times New Roman" pitchFamily="18" charset="0"/>
+            </a:endParaRPr>
+          </a:p>
+        </p:txBody>
+      </p:sp>
+      <p:sp>
+        <p:nvSpPr>
+          <p:cNvPr id="12" name="TextBox 11"/>
+          <p:cNvSpPr txBox="1"/>
+          <p:nvPr/>
+        </p:nvSpPr>
+        <p:spPr>
+          <a:xfrm>
+            <a:off x="2397322" y="6333729"/>
+            <a:ext cx="1766116" cy="400110"/>
+          </a:xfrm>
+          <a:prstGeom prst="rect">
+            <a:avLst/>
+          </a:prstGeom>
+          <a:noFill/>
+        </p:spPr>
+        <p:txBody>
+          <a:bodyPr wrap="square" rtlCol="0">
+            <a:spAutoFit/>
+          </a:bodyPr>
+          <a:lstStyle/>
+          <a:p>
+            <a:pPr algn="ctr"/>
+            <a:r>
+              <a:rPr lang="en-US" sz="2000" dirty="0" err="1">
+                <a:solidFill>
+                  <a:srgbClr val="FF0000"/>
+                </a:solidFill>
+                <a:latin typeface="Cambria" pitchFamily="18" charset="0"/>
+              </a:rPr>
+              <a:t>Bến</a:t>
+            </a:r>
+            <a:r>
+              <a:rPr lang="en-US" sz="2000" dirty="0">
+                <a:solidFill>
+                  <a:srgbClr val="FF0000"/>
+                </a:solidFill>
+                <a:latin typeface="Cambria" pitchFamily="18" charset="0"/>
+              </a:rPr>
+              <a:t> </a:t>
+            </a:r>
+            <a:r>
+              <a:rPr lang="en-US" sz="2000" dirty="0" err="1">
+                <a:solidFill>
+                  <a:srgbClr val="FF0000"/>
+                </a:solidFill>
+                <a:latin typeface="Cambria" pitchFamily="18" charset="0"/>
+              </a:rPr>
+              <a:t>xe</a:t>
+            </a:r>
+            <a:r>
+              <a:rPr lang="en-US" sz="2000" dirty="0">
+                <a:solidFill>
+                  <a:srgbClr val="FF0000"/>
+                </a:solidFill>
+                <a:latin typeface="Cambria" pitchFamily="18" charset="0"/>
+              </a:rPr>
+              <a:t> </a:t>
+            </a:r>
+            <a:r>
+              <a:rPr lang="en-US" sz="2000" dirty="0" err="1">
+                <a:solidFill>
+                  <a:srgbClr val="FF0000"/>
+                </a:solidFill>
+                <a:latin typeface="Cambria" pitchFamily="18" charset="0"/>
+              </a:rPr>
+              <a:t>quận</a:t>
+            </a:r>
+            <a:r>
+              <a:rPr lang="en-US" sz="2000" dirty="0">
+                <a:solidFill>
+                  <a:srgbClr val="FF0000"/>
+                </a:solidFill>
+                <a:latin typeface="Cambria" pitchFamily="18" charset="0"/>
+              </a:rPr>
+              <a:t> </a:t>
+            </a:r>
+            <a:r>
+              <a:rPr lang="en-US" sz="2000" dirty="0" smtClean="0">
+                <a:solidFill>
+                  <a:srgbClr val="FF0000"/>
+                </a:solidFill>
+                <a:latin typeface="Cambria" pitchFamily="18" charset="0"/>
+              </a:rPr>
+              <a:t>8</a:t>
+            </a:r>
+            <a:endParaRPr lang="en-US" sz="2000" dirty="0">
+              <a:solidFill>
+                <a:srgbClr val="FF0000"/>
+              </a:solidFill>
+              <a:latin typeface="Cambria" pitchFamily="18" charset="0"/>
+              <a:cs typeface="Times New Roman" pitchFamily="18" charset="0"/>
+            </a:endParaRPr>
+          </a:p>
+        </p:txBody>
+      </p:sp>
+      <p:pic>
+        <p:nvPicPr>
+          <p:cNvPr id="1026" name="Picture 2" descr="C:\Users\ngoan\Desktop\image\ngoan.png"/>
+          <p:cNvPicPr>
+            <a:picLocks noChangeAspect="1" noChangeArrowheads="1"/>
+          </p:cNvPicPr>
+          <p:nvPr/>
+        </p:nvPicPr>
+        <p:blipFill>
+          <a:blip r:embed="rId3">
+            <a:extLst>
+              <a:ext uri="{28A0092B-C50C-407E-A947-70E740481C1C}">
+                <a14:useLocalDpi xmlns:a14="http://schemas.microsoft.com/office/drawing/2010/main" val="0"/>
+              </a:ext>
+            </a:extLst>
+          </a:blip>
+          <a:srcRect/>
+          <a:stretch>
+            <a:fillRect/>
+          </a:stretch>
+        </p:blipFill>
+        <p:spPr bwMode="auto">
+          <a:xfrm>
+            <a:off x="2670780" y="4623254"/>
+            <a:ext cx="1219200" cy="1219200"/>
+          </a:xfrm>
+          <a:prstGeom prst="rect">
+            <a:avLst/>
+          </a:prstGeom>
+          <a:noFill/>
+          <a:extLst>
+            <a:ext uri="{909E8E84-426E-40DD-AFC4-6F175D3DCCD1}">
+              <a14:hiddenFill xmlns:a14="http://schemas.microsoft.com/office/drawing/2010/main">
+                <a:solidFill>
+                  <a:srgbClr val="FFFFFF"/>
+                </a:solidFill>
+              </a14:hiddenFill>
+            </a:ext>
+          </a:extLst>
+        </p:spPr>
+      </p:pic>
       <p:grpSp>
         <p:nvGrpSpPr>
-          <p:cNvPr id="8" name="Group 7"/>
+          <p:cNvPr id="14" name="Group 13"/>
           <p:cNvGrpSpPr/>
           <p:nvPr/>
         </p:nvGrpSpPr>
         <p:grpSpPr>
           <a:xfrm>
-            <a:off x="497974" y="2295465"/>
-            <a:ext cx="2172806" cy="2233416"/>
-            <a:chOff x="-42886" y="3161112"/>
-            <a:chExt cx="2172806" cy="2233416"/>
+            <a:off x="457200" y="2306692"/>
+            <a:ext cx="2574410" cy="2403109"/>
+            <a:chOff x="-42886" y="3172339"/>
+            <a:chExt cx="2172806" cy="2403109"/>
           </a:xfrm>
         </p:grpSpPr>
         <p:grpSp>
           <p:nvGrpSpPr>
-            <p:cNvPr id="2" name="Group 1"/>
+            <p:cNvPr id="16" name="Group 15"/>
             <p:cNvGrpSpPr/>
             <p:nvPr/>
           </p:nvGrpSpPr>
           <p:grpSpPr>
             <a:xfrm>
-              <a:off x="433917" y="3161112"/>
-              <a:ext cx="1219200" cy="1638701"/>
-              <a:chOff x="1209565" y="3078635"/>
-              <a:chExt cx="1219200" cy="1722166"/>
+              <a:off x="202390" y="3172339"/>
+              <a:ext cx="1417118" cy="1627475"/>
+              <a:chOff x="978038" y="3090433"/>
+              <a:chExt cx="1417118" cy="1710368"/>
             </a:xfrm>
           </p:grpSpPr>
           <p:sp>
             <p:nvSpPr>
-              <p:cNvPr id="10" name="TextBox 9"/>
+              <p:cNvPr id="18" name="TextBox 17"/>
               <p:cNvSpPr txBox="1"/>
               <p:nvPr/>
             </p:nvSpPr>
@@ -7035,14 +7214,14 @@
           </p:sp>
           <p:pic>
             <p:nvPicPr>
-              <p:cNvPr id="15" name="Picture 3" descr="C:\Users\ngoan\Desktop\image\thao.png"/>
+              <p:cNvPr id="19" name="Picture 3" descr="C:\Users\ngoan\Desktop\image\thao.png"/>
               <p:cNvPicPr>
                 <a:picLocks noChangeAspect="1" noChangeArrowheads="1"/>
               </p:cNvPicPr>
               <p:nvPr/>
             </p:nvPicPr>
             <p:blipFill>
-              <a:blip r:embed="rId3">
+              <a:blip r:embed="rId4">
                 <a:extLst>
                   <a:ext uri="{28A0092B-C50C-407E-A947-70E740481C1C}">
                     <a14:useLocalDpi xmlns:a14="http://schemas.microsoft.com/office/drawing/2010/main" val="0"/>
@@ -7056,7 +7235,7 @@
             </p:blipFill>
             <p:spPr bwMode="auto">
               <a:xfrm flipH="1">
-                <a:off x="1209565" y="3078635"/>
+                <a:off x="978038" y="3090433"/>
                 <a:ext cx="1219200" cy="1219200"/>
               </a:xfrm>
               <a:prstGeom prst="rect">
@@ -7077,14 +7256,14 @@
         </p:grpSp>
         <p:sp>
           <p:nvSpPr>
-            <p:cNvPr id="20" name="TextBox 19"/>
+            <p:cNvPr id="17" name="TextBox 16"/>
             <p:cNvSpPr txBox="1"/>
             <p:nvPr/>
           </p:nvSpPr>
           <p:spPr>
             <a:xfrm>
-              <a:off x="-42886" y="5025196"/>
-              <a:ext cx="2172806" cy="369332"/>
+              <a:off x="-42886" y="4867562"/>
+              <a:ext cx="2172806" cy="707886"/>
             </a:xfrm>
             <a:prstGeom prst="rect">
               <a:avLst/>
@@ -7098,7 +7277,7 @@
             <a:lstStyle/>
             <a:p>
               <a:r>
-                <a:rPr lang="en-US" dirty="0" err="1">
+                <a:rPr lang="en-US" sz="2000" dirty="0" err="1">
                   <a:solidFill>
                     <a:srgbClr val="FF0000"/>
                   </a:solidFill>
@@ -7107,7 +7286,7 @@
                 <a:t>Công</a:t>
               </a:r>
               <a:r>
-                <a:rPr lang="en-US" dirty="0">
+                <a:rPr lang="en-US" sz="2000" dirty="0">
                   <a:solidFill>
                     <a:srgbClr val="FF0000"/>
                   </a:solidFill>
@@ -7116,7 +7295,7 @@
                 <a:t> </a:t>
               </a:r>
               <a:r>
-                <a:rPr lang="en-US" dirty="0" err="1">
+                <a:rPr lang="en-US" sz="2000" dirty="0" err="1">
                   <a:solidFill>
                     <a:srgbClr val="FF0000"/>
                   </a:solidFill>
@@ -7125,7 +7304,7 @@
                 <a:t>Viên</a:t>
               </a:r>
               <a:r>
-                <a:rPr lang="en-US" dirty="0">
+                <a:rPr lang="en-US" sz="2000" dirty="0">
                   <a:solidFill>
                     <a:srgbClr val="FF0000"/>
                   </a:solidFill>
@@ -7134,7 +7313,7 @@
                 <a:t> Tao </a:t>
               </a:r>
               <a:r>
-                <a:rPr lang="en-US" dirty="0" err="1">
+                <a:rPr lang="en-US" sz="2000" dirty="0" err="1">
                   <a:solidFill>
                     <a:srgbClr val="FF0000"/>
                   </a:solidFill>
@@ -7142,7 +7321,7 @@
                 </a:rPr>
                 <a:t>Đàn</a:t>
               </a:r>
-              <a:endParaRPr lang="en-US" dirty="0">
+              <a:endParaRPr lang="en-US" sz="2000" dirty="0">
                 <a:solidFill>
                   <a:srgbClr val="FF0000"/>
                 </a:solidFill>
@@ -7153,185 +7332,6 @@
           </p:txBody>
         </p:sp>
       </p:grpSp>
-      <p:sp>
-        <p:nvSpPr>
-          <p:cNvPr id="13" name="TextBox 12"/>
-          <p:cNvSpPr txBox="1"/>
-          <p:nvPr/>
-        </p:nvSpPr>
-        <p:spPr>
-          <a:xfrm>
-            <a:off x="2702122" y="5933619"/>
-            <a:ext cx="1187858" cy="400110"/>
-          </a:xfrm>
-          <a:prstGeom prst="rect">
-            <a:avLst/>
-          </a:prstGeom>
-          <a:noFill/>
-        </p:spPr>
-        <p:txBody>
-          <a:bodyPr wrap="square" rtlCol="0">
-            <a:spAutoFit/>
-          </a:bodyPr>
-          <a:lstStyle/>
-          <a:p>
-            <a:r>
-              <a:rPr lang="vi-VN" sz="2000" b="1" dirty="0" smtClean="0">
-                <a:solidFill>
-                  <a:srgbClr val="000000"/>
-                </a:solidFill>
-                <a:latin typeface="Cambria" pitchFamily="18" charset="0"/>
-                <a:cs typeface="Times New Roman" pitchFamily="18" charset="0"/>
-              </a:rPr>
-              <a:t>Bạn gái</a:t>
-            </a:r>
-            <a:endParaRPr lang="en-US" sz="2000" b="1" dirty="0">
-              <a:solidFill>
-                <a:srgbClr val="000000"/>
-              </a:solidFill>
-              <a:latin typeface="Cambria" pitchFamily="18" charset="0"/>
-              <a:cs typeface="Times New Roman" pitchFamily="18" charset="0"/>
-            </a:endParaRPr>
-          </a:p>
-        </p:txBody>
-      </p:sp>
-      <p:sp>
-        <p:nvSpPr>
-          <p:cNvPr id="12" name="TextBox 11"/>
-          <p:cNvSpPr txBox="1"/>
-          <p:nvPr/>
-        </p:nvSpPr>
-        <p:spPr>
-          <a:xfrm>
-            <a:off x="2397322" y="6333729"/>
-            <a:ext cx="1766116" cy="369332"/>
-          </a:xfrm>
-          <a:prstGeom prst="rect">
-            <a:avLst/>
-          </a:prstGeom>
-          <a:noFill/>
-        </p:spPr>
-        <p:txBody>
-          <a:bodyPr wrap="square" rtlCol="0">
-            <a:spAutoFit/>
-          </a:bodyPr>
-          <a:lstStyle/>
-          <a:p>
-            <a:pPr algn="ctr"/>
-            <a:r>
-              <a:rPr lang="en-US" dirty="0" err="1">
-                <a:solidFill>
-                  <a:srgbClr val="FF0000"/>
-                </a:solidFill>
-                <a:latin typeface="Cambria" pitchFamily="18" charset="0"/>
-              </a:rPr>
-              <a:t>Bến</a:t>
-            </a:r>
-            <a:r>
-              <a:rPr lang="en-US" dirty="0">
-                <a:solidFill>
-                  <a:srgbClr val="FF0000"/>
-                </a:solidFill>
-                <a:latin typeface="Cambria" pitchFamily="18" charset="0"/>
-              </a:rPr>
-              <a:t> </a:t>
-            </a:r>
-            <a:r>
-              <a:rPr lang="en-US" dirty="0" err="1">
-                <a:solidFill>
-                  <a:srgbClr val="FF0000"/>
-                </a:solidFill>
-                <a:latin typeface="Cambria" pitchFamily="18" charset="0"/>
-              </a:rPr>
-              <a:t>xe</a:t>
-            </a:r>
-            <a:r>
-              <a:rPr lang="en-US" dirty="0">
-                <a:solidFill>
-                  <a:srgbClr val="FF0000"/>
-                </a:solidFill>
-                <a:latin typeface="Cambria" pitchFamily="18" charset="0"/>
-              </a:rPr>
-              <a:t> </a:t>
-            </a:r>
-            <a:r>
-              <a:rPr lang="en-US" dirty="0" err="1">
-                <a:solidFill>
-                  <a:srgbClr val="FF0000"/>
-                </a:solidFill>
-                <a:latin typeface="Cambria" pitchFamily="18" charset="0"/>
-              </a:rPr>
-              <a:t>quận</a:t>
-            </a:r>
-            <a:r>
-              <a:rPr lang="en-US" dirty="0">
-                <a:solidFill>
-                  <a:srgbClr val="FF0000"/>
-                </a:solidFill>
-                <a:latin typeface="Cambria" pitchFamily="18" charset="0"/>
-              </a:rPr>
-              <a:t> </a:t>
-            </a:r>
-            <a:r>
-              <a:rPr lang="en-US" dirty="0" smtClean="0">
-                <a:solidFill>
-                  <a:srgbClr val="FF0000"/>
-                </a:solidFill>
-                <a:latin typeface="Cambria" pitchFamily="18" charset="0"/>
-              </a:rPr>
-              <a:t>8</a:t>
-            </a:r>
-            <a:endParaRPr lang="en-US" dirty="0">
-              <a:solidFill>
-                <a:srgbClr val="FF0000"/>
-              </a:solidFill>
-              <a:latin typeface="Cambria" pitchFamily="18" charset="0"/>
-              <a:cs typeface="Times New Roman" pitchFamily="18" charset="0"/>
-            </a:endParaRPr>
-          </a:p>
-        </p:txBody>
-      </p:sp>
-      <p:pic>
-        <p:nvPicPr>
-          <p:cNvPr id="1026" name="Picture 2" descr="C:\Users\ngoan\Desktop\image\ngoan.png"/>
-          <p:cNvPicPr>
-            <a:picLocks noChangeAspect="1" noChangeArrowheads="1"/>
-          </p:cNvPicPr>
-          <p:nvPr/>
-        </p:nvPicPr>
-        <p:blipFill>
-          <a:blip r:embed="rId4">
-            <a:extLst>
-              <a:ext uri="{28A0092B-C50C-407E-A947-70E740481C1C}">
-                <a14:useLocalDpi xmlns:a14="http://schemas.microsoft.com/office/drawing/2010/main" val="0"/>
-              </a:ext>
-            </a:extLst>
-          </a:blip>
-          <a:srcRect/>
-          <a:stretch>
-            <a:fillRect/>
-          </a:stretch>
-        </p:blipFill>
-        <p:spPr bwMode="auto">
-          <a:xfrm>
-            <a:off x="2670780" y="4623254"/>
-            <a:ext cx="1219200" cy="1219200"/>
-          </a:xfrm>
-          <a:prstGeom prst="rect">
-            <a:avLst/>
-          </a:prstGeom>
-          <a:noFill/>
-          <a:extLst>
-            <a:ext uri="{909E8E84-426E-40DD-AFC4-6F175D3DCCD1}">
-              <a14:hiddenFill xmlns:a14="http://schemas.microsoft.com/office/drawing/2010/main">
-                <a:solidFill>
-                  <a:srgbClr val="FFFFFF"/>
-                </a:solidFill>
-              </a14:hiddenFill>
-            </a:ext>
-          </a:extLst>
-        </p:spPr>
-      </p:pic>
     </p:spTree>
     <p:extLst>
       <p:ext uri="{BB962C8B-B14F-4D97-AF65-F5344CB8AC3E}">
@@ -7385,7 +7385,7 @@
           <a:lstStyle/>
           <a:p>
             <a:r>
-              <a:rPr lang="en-US" dirty="0" smtClean="0">
+              <a:rPr lang="en-US" sz="5400" dirty="0" smtClean="0">
                 <a:latin typeface="Cambria"/>
                 <a:ea typeface="Cambria"/>
                 <a:cs typeface="Cambria"/>
@@ -7393,7 +7393,7 @@
               </a:rPr>
               <a:t>Scenario</a:t>
             </a:r>
-            <a:endParaRPr lang="en-US" dirty="0">
+            <a:endParaRPr lang="en-US" sz="5400" dirty="0">
               <a:latin typeface="Cambria"/>
               <a:ea typeface="Cambria"/>
               <a:cs typeface="Cambria"/>
@@ -7874,7 +7874,7 @@
         <p:spPr>
           <a:xfrm>
             <a:off x="3466562" y="3998530"/>
-            <a:ext cx="2640842" cy="369332"/>
+            <a:ext cx="2640842" cy="400110"/>
           </a:xfrm>
           <a:prstGeom prst="rect">
             <a:avLst/>
@@ -7888,7 +7888,7 @@
           <a:lstStyle/>
           <a:p>
             <a:r>
-              <a:rPr lang="en-US" dirty="0" err="1">
+              <a:rPr lang="en-US" sz="2000" dirty="0" err="1">
                 <a:solidFill>
                   <a:srgbClr val="FF0000"/>
                 </a:solidFill>
@@ -7897,7 +7897,7 @@
               <a:t>VinCom</a:t>
             </a:r>
             <a:r>
-              <a:rPr lang="en-US" dirty="0">
+              <a:rPr lang="en-US" sz="2000" dirty="0">
                 <a:solidFill>
                   <a:srgbClr val="FF0000"/>
                 </a:solidFill>
@@ -7906,7 +7906,7 @@
               <a:t> </a:t>
             </a:r>
             <a:r>
-              <a:rPr lang="en-US" dirty="0" err="1">
+              <a:rPr lang="en-US" sz="2000" dirty="0" err="1">
                 <a:solidFill>
                   <a:srgbClr val="FF0000"/>
                 </a:solidFill>
@@ -7915,7 +7915,7 @@
               <a:t>Lê</a:t>
             </a:r>
             <a:r>
-              <a:rPr lang="en-US" dirty="0">
+              <a:rPr lang="en-US" sz="2000" dirty="0">
                 <a:solidFill>
                   <a:srgbClr val="FF0000"/>
                 </a:solidFill>
@@ -7924,7 +7924,7 @@
               <a:t> </a:t>
             </a:r>
             <a:r>
-              <a:rPr lang="en-US" dirty="0" err="1">
+              <a:rPr lang="en-US" sz="2000" dirty="0" err="1">
                 <a:solidFill>
                   <a:srgbClr val="FF0000"/>
                 </a:solidFill>
@@ -7933,7 +7933,7 @@
               <a:t>Thánh</a:t>
             </a:r>
             <a:r>
-              <a:rPr lang="en-US" dirty="0">
+              <a:rPr lang="en-US" sz="2000" dirty="0">
                 <a:solidFill>
                   <a:srgbClr val="FF0000"/>
                 </a:solidFill>
@@ -7942,7 +7942,7 @@
               <a:t> </a:t>
             </a:r>
             <a:r>
-              <a:rPr lang="en-US" dirty="0" err="1">
+              <a:rPr lang="en-US" sz="2000" dirty="0" err="1">
                 <a:solidFill>
                   <a:srgbClr val="FF0000"/>
                 </a:solidFill>
@@ -7950,7 +7950,7 @@
               </a:rPr>
               <a:t>Tôn</a:t>
             </a:r>
-            <a:endParaRPr lang="en-US" dirty="0">
+            <a:endParaRPr lang="en-US" sz="2000" dirty="0">
               <a:solidFill>
                 <a:srgbClr val="FF0000"/>
               </a:solidFill>
@@ -8154,7 +8154,7 @@
               <a:lstStyle/>
               <a:p>
                 <a:r>
-                  <a:rPr lang="en-US" sz="2000" b="1" dirty="0" err="1" smtClean="0">
+                  <a:rPr lang="en-US" sz="2000" b="1" dirty="0" err="1">
                     <a:solidFill>
                       <a:srgbClr val="000000"/>
                     </a:solidFill>
@@ -8316,7 +8316,7 @@
           <a:lstStyle/>
           <a:p>
             <a:r>
-              <a:rPr lang="vi-VN" sz="2000" b="1" dirty="0" smtClean="0">
+              <a:rPr lang="vi-VN" sz="2000" b="1" dirty="0">
                 <a:solidFill>
                   <a:srgbClr val="000000"/>
                 </a:solidFill>
@@ -8410,16 +8410,7 @@
                 </a:solidFill>
                 <a:latin typeface="Cambria" pitchFamily="18" charset="0"/>
               </a:rPr>
-              <a:t> </a:t>
-            </a:r>
-            <a:r>
-              <a:rPr lang="en-US" dirty="0" smtClean="0">
-                <a:solidFill>
-                  <a:srgbClr val="FF0000"/>
-                </a:solidFill>
-                <a:latin typeface="Cambria" pitchFamily="18" charset="0"/>
-              </a:rPr>
-              <a:t>8</a:t>
+              <a:t> 8</a:t>
             </a:r>
             <a:endParaRPr lang="en-US" dirty="0">
               <a:solidFill>
@@ -8480,7 +8471,7 @@
         </p:nvSpPr>
         <p:spPr>
           <a:xfrm>
-            <a:off x="7317483" y="5553138"/>
+            <a:off x="7030812" y="5436965"/>
             <a:ext cx="914400" cy="400110"/>
           </a:xfrm>
           <a:prstGeom prst="rect">
@@ -8495,7 +8486,7 @@
           <a:lstStyle/>
           <a:p>
             <a:r>
-              <a:rPr lang="en-US" sz="2000" b="1" dirty="0" err="1" smtClean="0">
+              <a:rPr lang="en-US" sz="2000" b="1" dirty="0" err="1">
                 <a:solidFill>
                   <a:srgbClr val="000000"/>
                 </a:solidFill>
@@ -8522,8 +8513,8 @@
         </p:nvSpPr>
         <p:spPr>
           <a:xfrm>
-            <a:off x="6323994" y="6126042"/>
-            <a:ext cx="2654490" cy="369332"/>
+            <a:off x="5760720" y="5925181"/>
+            <a:ext cx="3217764" cy="400110"/>
           </a:xfrm>
           <a:prstGeom prst="rect">
             <a:avLst/>
@@ -8537,7 +8528,7 @@
           <a:lstStyle/>
           <a:p>
             <a:r>
-              <a:rPr lang="en-US" dirty="0">
+              <a:rPr lang="en-US" sz="2000" dirty="0">
                 <a:solidFill>
                   <a:srgbClr val="FF0000"/>
                 </a:solidFill>
@@ -8546,7 +8537,7 @@
               <a:t>280 </a:t>
             </a:r>
             <a:r>
-              <a:rPr lang="en-US" dirty="0" err="1">
+              <a:rPr lang="en-US" sz="2000" dirty="0" err="1">
                 <a:solidFill>
                   <a:srgbClr val="FF0000"/>
                 </a:solidFill>
@@ -8555,7 +8546,7 @@
               <a:t>Nguyễn</a:t>
             </a:r>
             <a:r>
-              <a:rPr lang="en-US" dirty="0">
+              <a:rPr lang="en-US" sz="2000" dirty="0">
                 <a:solidFill>
                   <a:srgbClr val="FF0000"/>
                 </a:solidFill>
@@ -8564,7 +8555,7 @@
               <a:t> </a:t>
             </a:r>
             <a:r>
-              <a:rPr lang="en-US" dirty="0" err="1">
+              <a:rPr lang="en-US" sz="2000" dirty="0" err="1">
                 <a:solidFill>
                   <a:srgbClr val="FF0000"/>
                 </a:solidFill>
@@ -8573,7 +8564,7 @@
               <a:t>Đình</a:t>
             </a:r>
             <a:r>
-              <a:rPr lang="en-US" dirty="0">
+              <a:rPr lang="en-US" sz="2000" dirty="0">
                 <a:solidFill>
                   <a:srgbClr val="FF0000"/>
                 </a:solidFill>
@@ -8582,7 +8573,7 @@
               <a:t> </a:t>
             </a:r>
             <a:r>
-              <a:rPr lang="en-US" dirty="0" err="1">
+              <a:rPr lang="en-US" sz="2000" dirty="0" err="1">
                 <a:solidFill>
                   <a:srgbClr val="FF0000"/>
                 </a:solidFill>
@@ -8590,7 +8581,7 @@
               </a:rPr>
               <a:t>Chiểu</a:t>
             </a:r>
-            <a:endParaRPr lang="en-US" dirty="0">
+            <a:endParaRPr lang="en-US" sz="2000" dirty="0">
               <a:solidFill>
                 <a:srgbClr val="FF0000"/>
               </a:solidFill>
@@ -8623,7 +8614,7 @@
         </p:blipFill>
         <p:spPr bwMode="auto">
           <a:xfrm>
-            <a:off x="7070595" y="4116266"/>
+            <a:off x="6788958" y="4175937"/>
             <a:ext cx="1161288" cy="1161288"/>
           </a:xfrm>
           <a:prstGeom prst="rect">
@@ -8664,7 +8655,7 @@
           <a:lstStyle/>
           <a:p>
             <a:r>
-              <a:rPr lang="en-US" sz="2000" b="1" dirty="0" err="1" smtClean="0">
+              <a:rPr lang="en-US" sz="2000" b="1" dirty="0" err="1">
                 <a:solidFill>
                   <a:srgbClr val="000000"/>
                 </a:solidFill>
@@ -8674,7 +8665,7 @@
               <a:t>Bà</a:t>
             </a:r>
             <a:r>
-              <a:rPr lang="en-US" sz="2000" b="1" dirty="0" smtClean="0">
+              <a:rPr lang="en-US" sz="2000" b="1" dirty="0">
                 <a:solidFill>
                   <a:srgbClr val="000000"/>
                 </a:solidFill>
@@ -8684,7 +8675,7 @@
               <a:t> </a:t>
             </a:r>
             <a:r>
-              <a:rPr lang="en-US" sz="2000" b="1" dirty="0" err="1" smtClean="0">
+              <a:rPr lang="en-US" sz="2000" b="1" dirty="0" err="1">
                 <a:solidFill>
                   <a:srgbClr val="000000"/>
                 </a:solidFill>
@@ -8842,7 +8833,7 @@
     </p:spTree>
     <p:extLst>
       <p:ext uri="{BB962C8B-B14F-4D97-AF65-F5344CB8AC3E}">
-        <p14:creationId xmlns:p14="http://schemas.microsoft.com/office/powerpoint/2010/main" val="87953627"/>
+        <p14:creationId xmlns:p14="http://schemas.microsoft.com/office/powerpoint/2010/main" val="1046866599"/>
       </p:ext>
     </p:extLst>
   </p:cSld>
@@ -9623,10 +9614,18 @@
           <a:lstStyle/>
           <a:p>
             <a:r>
-              <a:rPr lang="en-US" dirty="0" smtClean="0"/>
+              <a:rPr lang="en-US" sz="5400" dirty="0" smtClean="0">
+                <a:latin typeface="Cambria" charset="0"/>
+                <a:ea typeface="Cambria" charset="0"/>
+                <a:cs typeface="Cambria" charset="0"/>
+              </a:rPr>
               <a:t>Solution</a:t>
             </a:r>
-            <a:endParaRPr lang="en-US" dirty="0"/>
+            <a:endParaRPr lang="en-US" sz="5400" dirty="0">
+              <a:latin typeface="Cambria" charset="0"/>
+              <a:ea typeface="Cambria" charset="0"/>
+              <a:cs typeface="Cambria" charset="0"/>
+            </a:endParaRPr>
           </a:p>
         </p:txBody>
       </p:sp>
@@ -9763,7 +9762,7 @@
         <p:spPr>
           <a:xfrm>
             <a:off x="3746340" y="6133081"/>
-            <a:ext cx="1636282" cy="400110"/>
+            <a:ext cx="1755289" cy="400110"/>
           </a:xfrm>
           <a:prstGeom prst="rect">
             <a:avLst/>
@@ -9783,7 +9782,25 @@
                 </a:solidFill>
                 <a:latin typeface="Cambria" pitchFamily="18" charset="0"/>
               </a:rPr>
-              <a:t>Street Route</a:t>
+              <a:t>Street </a:t>
+            </a:r>
+            <a:r>
+              <a:rPr lang="en-US" sz="2000" b="1" dirty="0" smtClean="0">
+                <a:solidFill>
+                  <a:srgbClr val="FF0000"/>
+                </a:solidFill>
+                <a:latin typeface="Cambria" pitchFamily="18" charset="0"/>
+              </a:rPr>
+              <a:t>Route</a:t>
+            </a:r>
+            <a:r>
+              <a:rPr lang="vi-VN" sz="2000" b="1" dirty="0" smtClean="0">
+                <a:solidFill>
+                  <a:srgbClr val="FF0000"/>
+                </a:solidFill>
+                <a:latin typeface="Cambria" pitchFamily="18" charset="0"/>
+              </a:rPr>
+              <a:t>r</a:t>
             </a:r>
             <a:endParaRPr lang="en-US" sz="2000" b="1" dirty="0">
               <a:solidFill>
@@ -9888,10 +9905,18 @@
           <a:lstStyle/>
           <a:p>
             <a:r>
-              <a:rPr lang="en-US" dirty="0" smtClean="0"/>
+              <a:rPr lang="en-US" sz="5400" dirty="0" smtClean="0">
+                <a:latin typeface="Cambria" charset="0"/>
+                <a:ea typeface="Cambria" charset="0"/>
+                <a:cs typeface="Cambria" charset="0"/>
+              </a:rPr>
               <a:t>Solution</a:t>
             </a:r>
-            <a:endParaRPr lang="en-US" dirty="0"/>
+            <a:endParaRPr lang="en-US" sz="5400" dirty="0">
+              <a:latin typeface="Cambria" charset="0"/>
+              <a:ea typeface="Cambria" charset="0"/>
+              <a:cs typeface="Cambria" charset="0"/>
+            </a:endParaRPr>
           </a:p>
         </p:txBody>
       </p:sp>
@@ -10028,7 +10053,7 @@
         <p:spPr>
           <a:xfrm>
             <a:off x="3746340" y="6133081"/>
-            <a:ext cx="1636282" cy="400110"/>
+            <a:ext cx="1755289" cy="400110"/>
           </a:xfrm>
           <a:prstGeom prst="rect">
             <a:avLst/>
@@ -10048,7 +10073,25 @@
                 </a:solidFill>
                 <a:latin typeface="Cambria" pitchFamily="18" charset="0"/>
               </a:rPr>
-              <a:t>Street Route</a:t>
+              <a:t>Street </a:t>
+            </a:r>
+            <a:r>
+              <a:rPr lang="en-US" sz="2000" b="1" dirty="0" smtClean="0">
+                <a:solidFill>
+                  <a:srgbClr val="FF0000"/>
+                </a:solidFill>
+                <a:latin typeface="Cambria" pitchFamily="18" charset="0"/>
+              </a:rPr>
+              <a:t>Route</a:t>
+            </a:r>
+            <a:r>
+              <a:rPr lang="vi-VN" sz="2000" b="1" dirty="0" smtClean="0">
+                <a:solidFill>
+                  <a:srgbClr val="FF0000"/>
+                </a:solidFill>
+                <a:latin typeface="Cambria" pitchFamily="18" charset="0"/>
+              </a:rPr>
+              <a:t>r</a:t>
             </a:r>
             <a:endParaRPr lang="en-US" sz="2000" b="1" dirty="0">
               <a:solidFill>
@@ -10270,10 +10313,10 @@
           <a:lstStyle/>
           <a:p>
             <a:r>
-              <a:rPr lang="en-US" dirty="0" smtClean="0"/>
+              <a:rPr lang="en-US" sz="5400" dirty="0" smtClean="0"/>
               <a:t>Solution</a:t>
             </a:r>
-            <a:endParaRPr lang="en-US" dirty="0"/>
+            <a:endParaRPr lang="en-US" sz="5400" dirty="0"/>
           </a:p>
         </p:txBody>
       </p:sp>
@@ -10410,7 +10453,7 @@
         <p:spPr>
           <a:xfrm>
             <a:off x="3746340" y="6133081"/>
-            <a:ext cx="1636282" cy="400110"/>
+            <a:ext cx="1755289" cy="400110"/>
           </a:xfrm>
           <a:prstGeom prst="rect">
             <a:avLst/>
@@ -10430,7 +10473,25 @@
                 </a:solidFill>
                 <a:latin typeface="Cambria" pitchFamily="18" charset="0"/>
               </a:rPr>
-              <a:t>Street Route</a:t>
+              <a:t>Street </a:t>
+            </a:r>
+            <a:r>
+              <a:rPr lang="en-US" sz="2000" b="1" dirty="0" smtClean="0">
+                <a:solidFill>
+                  <a:srgbClr val="FF0000"/>
+                </a:solidFill>
+                <a:latin typeface="Cambria" pitchFamily="18" charset="0"/>
+              </a:rPr>
+              <a:t>Route</a:t>
+            </a:r>
+            <a:r>
+              <a:rPr lang="vi-VN" sz="2000" b="1" dirty="0" smtClean="0">
+                <a:solidFill>
+                  <a:srgbClr val="FF0000"/>
+                </a:solidFill>
+                <a:latin typeface="Cambria" pitchFamily="18" charset="0"/>
+              </a:rPr>
+              <a:t>r</a:t>
             </a:r>
             <a:endParaRPr lang="en-US" sz="2000" b="1" dirty="0">
               <a:solidFill>

--- a/Document/presentation/bus/2 search bus.pptx
+++ b/Document/presentation/bus/2 search bus.pptx
@@ -4,22 +4,29 @@
   <p:sldMasterIdLst>
     <p:sldMasterId id="2147483660" r:id="rId1"/>
     <p:sldMasterId id="2147483663" r:id="rId2"/>
+    <p:sldMasterId id="2147483670" r:id="rId3"/>
   </p:sldMasterIdLst>
   <p:notesMasterIdLst>
-    <p:notesMasterId r:id="rId14"/>
+    <p:notesMasterId r:id="rId21"/>
   </p:notesMasterIdLst>
   <p:sldIdLst>
-    <p:sldId id="355" r:id="rId3"/>
-    <p:sldId id="356" r:id="rId4"/>
-    <p:sldId id="357" r:id="rId5"/>
-    <p:sldId id="360" r:id="rId6"/>
-    <p:sldId id="359" r:id="rId7"/>
-    <p:sldId id="345" r:id="rId8"/>
-    <p:sldId id="346" r:id="rId9"/>
-    <p:sldId id="347" r:id="rId10"/>
-    <p:sldId id="348" r:id="rId11"/>
-    <p:sldId id="349" r:id="rId12"/>
-    <p:sldId id="353" r:id="rId13"/>
+    <p:sldId id="355" r:id="rId4"/>
+    <p:sldId id="356" r:id="rId5"/>
+    <p:sldId id="357" r:id="rId6"/>
+    <p:sldId id="360" r:id="rId7"/>
+    <p:sldId id="359" r:id="rId8"/>
+    <p:sldId id="345" r:id="rId9"/>
+    <p:sldId id="346" r:id="rId10"/>
+    <p:sldId id="347" r:id="rId11"/>
+    <p:sldId id="348" r:id="rId12"/>
+    <p:sldId id="361" r:id="rId13"/>
+    <p:sldId id="362" r:id="rId14"/>
+    <p:sldId id="363" r:id="rId15"/>
+    <p:sldId id="364" r:id="rId16"/>
+    <p:sldId id="365" r:id="rId17"/>
+    <p:sldId id="366" r:id="rId18"/>
+    <p:sldId id="367" r:id="rId19"/>
+    <p:sldId id="353" r:id="rId20"/>
   </p:sldIdLst>
   <p:sldSz cx="9144000" cy="6858000" type="screen4x3"/>
   <p:notesSz cx="6858000" cy="9144000"/>
@@ -219,7 +226,7 @@
           <a:p>
             <a:fld id="{DB638E9B-52C4-DC4B-9E8A-4837C38FE505}" type="datetimeFigureOut">
               <a:rPr lang="en-US" smtClean="0"/>
-              <a:t>12/13/15</a:t>
+              <a:t>12/14/15</a:t>
             </a:fld>
             <a:endParaRPr lang="en-US"/>
           </a:p>
@@ -1024,8 +1031,8 @@
           <a:lstStyle/>
           <a:p>
             <a:r>
-              <a:rPr lang="en-US" baseline="0" dirty="0" err="1" smtClean="0"/>
-              <a:t>Tôi</a:t>
+              <a:rPr lang="en-US" dirty="0" err="1" smtClean="0"/>
+              <a:t>Chúng</a:t>
             </a:r>
             <a:r>
               <a:rPr lang="en-US" baseline="0" dirty="0" smtClean="0"/>
@@ -1033,7 +1040,7 @@
             </a:r>
             <a:r>
               <a:rPr lang="en-US" baseline="0" dirty="0" err="1" smtClean="0"/>
-              <a:t>xin</a:t>
+              <a:t>tôi</a:t>
             </a:r>
             <a:r>
               <a:rPr lang="en-US" baseline="0" dirty="0" smtClean="0"/>
@@ -1041,7 +1048,7 @@
             </a:r>
             <a:r>
               <a:rPr lang="en-US" baseline="0" dirty="0" err="1" smtClean="0"/>
-              <a:t>trình</a:t>
+              <a:t>sẽ</a:t>
             </a:r>
             <a:r>
               <a:rPr lang="en-US" baseline="0" dirty="0" smtClean="0"/>
@@ -1049,7 +1056,7 @@
             </a:r>
             <a:r>
               <a:rPr lang="en-US" baseline="0" dirty="0" err="1" smtClean="0"/>
-              <a:t>bày</a:t>
+              <a:t>bắt</a:t>
             </a:r>
             <a:r>
               <a:rPr lang="en-US" baseline="0" dirty="0" smtClean="0"/>
@@ -1057,7 +1064,15 @@
             </a:r>
             <a:r>
               <a:rPr lang="en-US" baseline="0" dirty="0" err="1" smtClean="0"/>
-              <a:t>về</a:t>
+              <a:t>đầu</a:t>
+            </a:r>
+            <a:r>
+              <a:rPr lang="en-US" baseline="0" dirty="0" smtClean="0"/>
+              <a:t> demo 4 </a:t>
+            </a:r>
+            <a:r>
+              <a:rPr lang="en-US" baseline="0" dirty="0" err="1" smtClean="0"/>
+              <a:t>điểm</a:t>
             </a:r>
             <a:r>
               <a:rPr lang="en-US" baseline="0" dirty="0" smtClean="0"/>
@@ -1065,7 +1080,7 @@
             </a:r>
             <a:r>
               <a:rPr lang="en-US" baseline="0" dirty="0" err="1" smtClean="0"/>
-              <a:t>kiến</a:t>
+              <a:t>xe</a:t>
             </a:r>
             <a:r>
               <a:rPr lang="en-US" baseline="0" dirty="0" smtClean="0"/>
@@ -1073,15 +1088,11 @@
             </a:r>
             <a:r>
               <a:rPr lang="en-US" baseline="0" dirty="0" err="1" smtClean="0"/>
-              <a:t>trúc</a:t>
-            </a:r>
-            <a:r>
-              <a:rPr lang="en-US" baseline="0" dirty="0" smtClean="0"/>
-              <a:t>….</a:t>
-            </a:r>
-            <a:r>
-              <a:rPr lang="en-US" baseline="0" dirty="0" err="1" smtClean="0"/>
-              <a:t>và</a:t>
+              <a:t>buyt</a:t>
+            </a:r>
+            <a:r>
+              <a:rPr lang="en-US" baseline="0" smtClean="0"/>
+              <a:t> tối</a:t>
             </a:r>
             <a:r>
               <a:rPr lang="en-US" baseline="0" dirty="0" smtClean="0"/>
@@ -1089,7 +1100,7 @@
             </a:r>
             <a:r>
               <a:rPr lang="en-US" baseline="0" dirty="0" err="1" smtClean="0"/>
-              <a:t>thứ</a:t>
+              <a:t>ưu</a:t>
             </a:r>
             <a:r>
               <a:rPr lang="en-US" baseline="0" dirty="0" smtClean="0"/>
@@ -1097,7 +1108,7 @@
             </a:r>
             <a:r>
               <a:rPr lang="en-US" baseline="0" dirty="0" err="1" smtClean="0"/>
-              <a:t>tự</a:t>
+              <a:t>với</a:t>
             </a:r>
             <a:r>
               <a:rPr lang="en-US" baseline="0" dirty="0" smtClean="0"/>
@@ -1105,7 +1116,7 @@
             </a:r>
             <a:r>
               <a:rPr lang="en-US" baseline="0" dirty="0" err="1" smtClean="0"/>
-              <a:t>hệ</a:t>
+              <a:t>thứ</a:t>
             </a:r>
             <a:r>
               <a:rPr lang="en-US" baseline="0" dirty="0" smtClean="0"/>
@@ -1113,7 +1124,7 @@
             </a:r>
             <a:r>
               <a:rPr lang="en-US" baseline="0" dirty="0" err="1" smtClean="0"/>
-              <a:t>thống</a:t>
+              <a:t>tự</a:t>
             </a:r>
             <a:r>
               <a:rPr lang="en-US" baseline="0" dirty="0" smtClean="0"/>
@@ -1121,7 +1132,7 @@
             </a:r>
             <a:r>
               <a:rPr lang="en-US" baseline="0" dirty="0" err="1" smtClean="0"/>
-              <a:t>hoạt</a:t>
+              <a:t>các</a:t>
             </a:r>
             <a:r>
               <a:rPr lang="en-US" baseline="0" dirty="0" smtClean="0"/>
@@ -1129,11 +1140,65 @@
             </a:r>
             <a:r>
               <a:rPr lang="en-US" baseline="0" dirty="0" err="1" smtClean="0"/>
-              <a:t>động</a:t>
+              <a:t>điểm</a:t>
             </a:r>
             <a:r>
               <a:rPr lang="en-US" baseline="0" dirty="0" smtClean="0"/>
-              <a:t>.</a:t>
+              <a:t> </a:t>
+            </a:r>
+            <a:r>
+              <a:rPr lang="en-US" baseline="0" dirty="0" err="1" smtClean="0"/>
+              <a:t>như</a:t>
+            </a:r>
+            <a:r>
+              <a:rPr lang="en-US" baseline="0" dirty="0" smtClean="0"/>
+              <a:t> </a:t>
+            </a:r>
+            <a:r>
+              <a:rPr lang="en-US" baseline="0" dirty="0" err="1" smtClean="0"/>
+              <a:t>trình</a:t>
+            </a:r>
+            <a:r>
+              <a:rPr lang="en-US" baseline="0" dirty="0" smtClean="0"/>
+              <a:t> </a:t>
+            </a:r>
+            <a:r>
+              <a:rPr lang="en-US" baseline="0" dirty="0" err="1" smtClean="0"/>
+              <a:t>bày</a:t>
+            </a:r>
+            <a:r>
+              <a:rPr lang="en-US" baseline="0" dirty="0" smtClean="0"/>
+              <a:t>:</a:t>
+            </a:r>
+          </a:p>
+          <a:p>
+            <a:r>
+              <a:rPr lang="en-US" baseline="0" dirty="0" smtClean="0"/>
+              <a:t>(</a:t>
+            </a:r>
+            <a:r>
+              <a:rPr lang="en-US" baseline="0" dirty="0" err="1" smtClean="0"/>
+              <a:t>bật</a:t>
+            </a:r>
+            <a:r>
+              <a:rPr lang="en-US" baseline="0" dirty="0" smtClean="0"/>
+              <a:t> </a:t>
+            </a:r>
+            <a:r>
+              <a:rPr lang="en-US" baseline="0" dirty="0" err="1" smtClean="0"/>
+              <a:t>thiệt</a:t>
+            </a:r>
+            <a:r>
+              <a:rPr lang="en-US" baseline="0" dirty="0" smtClean="0"/>
+              <a:t> </a:t>
+            </a:r>
+            <a:r>
+              <a:rPr lang="en-US" baseline="0" dirty="0" err="1" smtClean="0"/>
+              <a:t>bị</a:t>
+            </a:r>
+            <a:r>
+              <a:rPr lang="en-US" baseline="0" dirty="0" smtClean="0"/>
+              <a:t> demo) </a:t>
             </a:r>
             <a:endParaRPr lang="en-US" dirty="0"/>
           </a:p>
@@ -1156,261 +1221,7 @@
           <a:p>
             <a:fld id="{2599C3E7-3278-1243-886F-92FF82204DB1}" type="slidenum">
               <a:rPr lang="en-US" smtClean="0"/>
-              <a:t>10</a:t>
-            </a:fld>
-            <a:endParaRPr lang="en-US"/>
-          </a:p>
-        </p:txBody>
-      </p:sp>
-    </p:spTree>
-    <p:extLst>
-      <p:ext uri="{BB962C8B-B14F-4D97-AF65-F5344CB8AC3E}">
-        <p14:creationId xmlns:p14="http://schemas.microsoft.com/office/powerpoint/2010/main" val="1292004034"/>
-      </p:ext>
-    </p:extLst>
-  </p:cSld>
-  <p:clrMapOvr>
-    <a:masterClrMapping/>
-  </p:clrMapOvr>
-</p:notes>
-</file>
-
-<file path=ppt/notesSlides/notesSlide11.xml><?xml version="1.0" encoding="utf-8"?>
-<p:notes xmlns:a="http://schemas.openxmlformats.org/drawingml/2006/main" xmlns:r="http://schemas.openxmlformats.org/officeDocument/2006/relationships" xmlns:p="http://schemas.openxmlformats.org/presentationml/2006/main">
-  <p:cSld>
-    <p:spTree>
-      <p:nvGrpSpPr>
-        <p:cNvPr id="1" name=""/>
-        <p:cNvGrpSpPr/>
-        <p:nvPr/>
-      </p:nvGrpSpPr>
-      <p:grpSpPr>
-        <a:xfrm>
-          <a:off x="0" y="0"/>
-          <a:ext cx="0" cy="0"/>
-          <a:chOff x="0" y="0"/>
-          <a:chExt cx="0" cy="0"/>
-        </a:xfrm>
-      </p:grpSpPr>
-      <p:sp>
-        <p:nvSpPr>
-          <p:cNvPr id="2" name="Slide Image Placeholder 1"/>
-          <p:cNvSpPr>
-            <a:spLocks noGrp="1" noRot="1" noChangeAspect="1"/>
-          </p:cNvSpPr>
-          <p:nvPr>
-            <p:ph type="sldImg"/>
-          </p:nvPr>
-        </p:nvSpPr>
-        <p:spPr/>
-      </p:sp>
-      <p:sp>
-        <p:nvSpPr>
-          <p:cNvPr id="3" name="Notes Placeholder 2"/>
-          <p:cNvSpPr>
-            <a:spLocks noGrp="1"/>
-          </p:cNvSpPr>
-          <p:nvPr>
-            <p:ph type="body" idx="1"/>
-          </p:nvPr>
-        </p:nvSpPr>
-        <p:spPr/>
-        <p:txBody>
-          <a:bodyPr/>
-          <a:lstStyle/>
-          <a:p>
-            <a:r>
-              <a:rPr lang="en-US" dirty="0" err="1" smtClean="0"/>
-              <a:t>Chúng</a:t>
-            </a:r>
-            <a:r>
-              <a:rPr lang="en-US" baseline="0" dirty="0" smtClean="0"/>
-              <a:t> </a:t>
-            </a:r>
-            <a:r>
-              <a:rPr lang="en-US" baseline="0" dirty="0" err="1" smtClean="0"/>
-              <a:t>tôi</a:t>
-            </a:r>
-            <a:r>
-              <a:rPr lang="en-US" baseline="0" dirty="0" smtClean="0"/>
-              <a:t> </a:t>
-            </a:r>
-            <a:r>
-              <a:rPr lang="en-US" baseline="0" dirty="0" err="1" smtClean="0"/>
-              <a:t>sẽ</a:t>
-            </a:r>
-            <a:r>
-              <a:rPr lang="en-US" baseline="0" dirty="0" smtClean="0"/>
-              <a:t> </a:t>
-            </a:r>
-            <a:r>
-              <a:rPr lang="en-US" baseline="0" dirty="0" err="1" smtClean="0"/>
-              <a:t>bắt</a:t>
-            </a:r>
-            <a:r>
-              <a:rPr lang="en-US" baseline="0" dirty="0" smtClean="0"/>
-              <a:t> </a:t>
-            </a:r>
-            <a:r>
-              <a:rPr lang="en-US" baseline="0" dirty="0" err="1" smtClean="0"/>
-              <a:t>đầu</a:t>
-            </a:r>
-            <a:r>
-              <a:rPr lang="en-US" baseline="0" dirty="0" smtClean="0"/>
-              <a:t> demo 4 </a:t>
-            </a:r>
-            <a:r>
-              <a:rPr lang="en-US" baseline="0" dirty="0" err="1" smtClean="0"/>
-              <a:t>điểm</a:t>
-            </a:r>
-            <a:r>
-              <a:rPr lang="en-US" baseline="0" dirty="0" smtClean="0"/>
-              <a:t> </a:t>
-            </a:r>
-            <a:r>
-              <a:rPr lang="en-US" baseline="0" dirty="0" err="1" smtClean="0"/>
-              <a:t>xe</a:t>
-            </a:r>
-            <a:r>
-              <a:rPr lang="en-US" baseline="0" dirty="0" smtClean="0"/>
-              <a:t> </a:t>
-            </a:r>
-            <a:r>
-              <a:rPr lang="en-US" baseline="0" dirty="0" err="1" smtClean="0"/>
-              <a:t>buyt</a:t>
-            </a:r>
-            <a:r>
-              <a:rPr lang="en-US" baseline="0" smtClean="0"/>
-              <a:t> tối</a:t>
-            </a:r>
-            <a:r>
-              <a:rPr lang="en-US" baseline="0" dirty="0" smtClean="0"/>
-              <a:t> </a:t>
-            </a:r>
-            <a:r>
-              <a:rPr lang="en-US" baseline="0" dirty="0" err="1" smtClean="0"/>
-              <a:t>ưu</a:t>
-            </a:r>
-            <a:r>
-              <a:rPr lang="en-US" baseline="0" dirty="0" smtClean="0"/>
-              <a:t> </a:t>
-            </a:r>
-            <a:r>
-              <a:rPr lang="en-US" baseline="0" dirty="0" err="1" smtClean="0"/>
-              <a:t>với</a:t>
-            </a:r>
-            <a:r>
-              <a:rPr lang="en-US" baseline="0" dirty="0" smtClean="0"/>
-              <a:t> </a:t>
-            </a:r>
-            <a:r>
-              <a:rPr lang="en-US" baseline="0" dirty="0" err="1" smtClean="0"/>
-              <a:t>thứ</a:t>
-            </a:r>
-            <a:r>
-              <a:rPr lang="en-US" baseline="0" dirty="0" smtClean="0"/>
-              <a:t> </a:t>
-            </a:r>
-            <a:r>
-              <a:rPr lang="en-US" baseline="0" dirty="0" err="1" smtClean="0"/>
-              <a:t>tự</a:t>
-            </a:r>
-            <a:r>
-              <a:rPr lang="en-US" baseline="0" dirty="0" smtClean="0"/>
-              <a:t> </a:t>
-            </a:r>
-            <a:r>
-              <a:rPr lang="en-US" baseline="0" dirty="0" err="1" smtClean="0"/>
-              <a:t>các</a:t>
-            </a:r>
-            <a:r>
-              <a:rPr lang="en-US" baseline="0" dirty="0" smtClean="0"/>
-              <a:t> </a:t>
-            </a:r>
-            <a:r>
-              <a:rPr lang="en-US" baseline="0" dirty="0" err="1" smtClean="0"/>
-              <a:t>điểm</a:t>
-            </a:r>
-            <a:r>
-              <a:rPr lang="en-US" baseline="0" dirty="0" smtClean="0"/>
-              <a:t> </a:t>
-            </a:r>
-            <a:r>
-              <a:rPr lang="en-US" baseline="0" dirty="0" err="1" smtClean="0"/>
-              <a:t>như</a:t>
-            </a:r>
-            <a:r>
-              <a:rPr lang="en-US" baseline="0" dirty="0" smtClean="0"/>
-              <a:t> </a:t>
-            </a:r>
-            <a:r>
-              <a:rPr lang="en-US" baseline="0" dirty="0" err="1" smtClean="0"/>
-              <a:t>trình</a:t>
-            </a:r>
-            <a:r>
-              <a:rPr lang="en-US" baseline="0" dirty="0" smtClean="0"/>
-              <a:t> </a:t>
-            </a:r>
-            <a:r>
-              <a:rPr lang="en-US" baseline="0" dirty="0" err="1" smtClean="0"/>
-              <a:t>bày</a:t>
-            </a:r>
-            <a:r>
-              <a:rPr lang="en-US" baseline="0" dirty="0" smtClean="0"/>
-              <a:t>:</a:t>
-            </a:r>
-          </a:p>
-          <a:p>
-            <a:r>
-              <a:rPr lang="en-US" baseline="0" dirty="0" smtClean="0"/>
-              <a:t>(</a:t>
-            </a:r>
-            <a:r>
-              <a:rPr lang="en-US" baseline="0" dirty="0" err="1" smtClean="0"/>
-              <a:t>bật</a:t>
-            </a:r>
-            <a:r>
-              <a:rPr lang="en-US" baseline="0" dirty="0" smtClean="0"/>
-              <a:t> </a:t>
-            </a:r>
-            <a:r>
-              <a:rPr lang="en-US" baseline="0" dirty="0" err="1" smtClean="0"/>
-              <a:t>thiệt</a:t>
-            </a:r>
-            <a:r>
-              <a:rPr lang="en-US" baseline="0" dirty="0" smtClean="0"/>
-              <a:t> </a:t>
-            </a:r>
-            <a:r>
-              <a:rPr lang="en-US" baseline="0" dirty="0" err="1" smtClean="0"/>
-              <a:t>bị</a:t>
-            </a:r>
-            <a:r>
-              <a:rPr lang="en-US" baseline="0" dirty="0" smtClean="0"/>
-              <a:t> demo) </a:t>
-            </a:r>
-            <a:endParaRPr lang="en-US" dirty="0"/>
-          </a:p>
-        </p:txBody>
-      </p:sp>
-      <p:sp>
-        <p:nvSpPr>
-          <p:cNvPr id="4" name="Slide Number Placeholder 3"/>
-          <p:cNvSpPr>
-            <a:spLocks noGrp="1"/>
-          </p:cNvSpPr>
-          <p:nvPr>
-            <p:ph type="sldNum" sz="quarter" idx="10"/>
-          </p:nvPr>
-        </p:nvSpPr>
-        <p:spPr/>
-        <p:txBody>
-          <a:bodyPr/>
-          <a:lstStyle/>
-          <a:p>
-            <a:fld id="{2599C3E7-3278-1243-886F-92FF82204DB1}" type="slidenum">
-              <a:rPr lang="en-US" smtClean="0"/>
-              <a:t>11</a:t>
+              <a:t>17</a:t>
             </a:fld>
             <a:endParaRPr lang="en-US"/>
           </a:p>
@@ -2660,6 +2471,2232 @@
     <p:extLst>
       <p:ext uri="{BB962C8B-B14F-4D97-AF65-F5344CB8AC3E}">
         <p14:creationId xmlns:p14="http://schemas.microsoft.com/office/powerpoint/2010/main" val="913166733"/>
+      </p:ext>
+    </p:extLst>
+  </p:cSld>
+  <p:clrMapOvr>
+    <a:masterClrMapping/>
+  </p:clrMapOvr>
+</p:sldLayout>
+</file>
+
+<file path=ppt/slideLayouts/slideLayout10.xml><?xml version="1.0" encoding="utf-8"?>
+<p:sldLayout xmlns:a="http://schemas.openxmlformats.org/drawingml/2006/main" xmlns:r="http://schemas.openxmlformats.org/officeDocument/2006/relationships" xmlns:p="http://schemas.openxmlformats.org/presentationml/2006/main" type="secHead" preserve="1">
+  <p:cSld name="Section Header">
+    <p:spTree>
+      <p:nvGrpSpPr>
+        <p:cNvPr id="1" name=""/>
+        <p:cNvGrpSpPr/>
+        <p:nvPr/>
+      </p:nvGrpSpPr>
+      <p:grpSpPr>
+        <a:xfrm>
+          <a:off x="0" y="0"/>
+          <a:ext cx="0" cy="0"/>
+          <a:chOff x="0" y="0"/>
+          <a:chExt cx="0" cy="0"/>
+        </a:xfrm>
+      </p:grpSpPr>
+      <p:sp>
+        <p:nvSpPr>
+          <p:cNvPr id="2" name="Title 1"/>
+          <p:cNvSpPr>
+            <a:spLocks noGrp="1"/>
+          </p:cNvSpPr>
+          <p:nvPr>
+            <p:ph type="title"/>
+          </p:nvPr>
+        </p:nvSpPr>
+        <p:spPr>
+          <a:xfrm>
+            <a:off x="623888" y="1709739"/>
+            <a:ext cx="7886700" cy="2852737"/>
+          </a:xfrm>
+        </p:spPr>
+        <p:txBody>
+          <a:bodyPr anchor="b"/>
+          <a:lstStyle>
+            <a:lvl1pPr>
+              <a:defRPr sz="4500"/>
+            </a:lvl1pPr>
+          </a:lstStyle>
+          <a:p>
+            <a:r>
+              <a:rPr lang="en-US" smtClean="0"/>
+              <a:t>Click to edit Master title style</a:t>
+            </a:r>
+            <a:endParaRPr lang="en-US"/>
+          </a:p>
+        </p:txBody>
+      </p:sp>
+      <p:sp>
+        <p:nvSpPr>
+          <p:cNvPr id="3" name="Text Placeholder 2"/>
+          <p:cNvSpPr>
+            <a:spLocks noGrp="1"/>
+          </p:cNvSpPr>
+          <p:nvPr>
+            <p:ph type="body" idx="1"/>
+          </p:nvPr>
+        </p:nvSpPr>
+        <p:spPr>
+          <a:xfrm>
+            <a:off x="623888" y="4589464"/>
+            <a:ext cx="7886700" cy="1500187"/>
+          </a:xfrm>
+        </p:spPr>
+        <p:txBody>
+          <a:bodyPr/>
+          <a:lstStyle>
+            <a:lvl1pPr marL="0" indent="0">
+              <a:buNone/>
+              <a:defRPr sz="1800">
+                <a:solidFill>
+                  <a:schemeClr val="tx1">
+                    <a:tint val="75000"/>
+                  </a:schemeClr>
+                </a:solidFill>
+              </a:defRPr>
+            </a:lvl1pPr>
+            <a:lvl2pPr marL="342900" indent="0">
+              <a:buNone/>
+              <a:defRPr sz="1500">
+                <a:solidFill>
+                  <a:schemeClr val="tx1">
+                    <a:tint val="75000"/>
+                  </a:schemeClr>
+                </a:solidFill>
+              </a:defRPr>
+            </a:lvl2pPr>
+            <a:lvl3pPr marL="685800" indent="0">
+              <a:buNone/>
+              <a:defRPr sz="1350">
+                <a:solidFill>
+                  <a:schemeClr val="tx1">
+                    <a:tint val="75000"/>
+                  </a:schemeClr>
+                </a:solidFill>
+              </a:defRPr>
+            </a:lvl3pPr>
+            <a:lvl4pPr marL="1028700" indent="0">
+              <a:buNone/>
+              <a:defRPr sz="1200">
+                <a:solidFill>
+                  <a:schemeClr val="tx1">
+                    <a:tint val="75000"/>
+                  </a:schemeClr>
+                </a:solidFill>
+              </a:defRPr>
+            </a:lvl4pPr>
+            <a:lvl5pPr marL="1371600" indent="0">
+              <a:buNone/>
+              <a:defRPr sz="1200">
+                <a:solidFill>
+                  <a:schemeClr val="tx1">
+                    <a:tint val="75000"/>
+                  </a:schemeClr>
+                </a:solidFill>
+              </a:defRPr>
+            </a:lvl5pPr>
+            <a:lvl6pPr marL="1714500" indent="0">
+              <a:buNone/>
+              <a:defRPr sz="1200">
+                <a:solidFill>
+                  <a:schemeClr val="tx1">
+                    <a:tint val="75000"/>
+                  </a:schemeClr>
+                </a:solidFill>
+              </a:defRPr>
+            </a:lvl6pPr>
+            <a:lvl7pPr marL="2057400" indent="0">
+              <a:buNone/>
+              <a:defRPr sz="1200">
+                <a:solidFill>
+                  <a:schemeClr val="tx1">
+                    <a:tint val="75000"/>
+                  </a:schemeClr>
+                </a:solidFill>
+              </a:defRPr>
+            </a:lvl7pPr>
+            <a:lvl8pPr marL="2400300" indent="0">
+              <a:buNone/>
+              <a:defRPr sz="1200">
+                <a:solidFill>
+                  <a:schemeClr val="tx1">
+                    <a:tint val="75000"/>
+                  </a:schemeClr>
+                </a:solidFill>
+              </a:defRPr>
+            </a:lvl8pPr>
+            <a:lvl9pPr marL="2743200" indent="0">
+              <a:buNone/>
+              <a:defRPr sz="1200">
+                <a:solidFill>
+                  <a:schemeClr val="tx1">
+                    <a:tint val="75000"/>
+                  </a:schemeClr>
+                </a:solidFill>
+              </a:defRPr>
+            </a:lvl9pPr>
+          </a:lstStyle>
+          <a:p>
+            <a:pPr lvl="0"/>
+            <a:r>
+              <a:rPr lang="en-US" smtClean="0"/>
+              <a:t>Click to edit Master text styles</a:t>
+            </a:r>
+          </a:p>
+        </p:txBody>
+      </p:sp>
+      <p:sp>
+        <p:nvSpPr>
+          <p:cNvPr id="4" name="Date Placeholder 3"/>
+          <p:cNvSpPr>
+            <a:spLocks noGrp="1"/>
+          </p:cNvSpPr>
+          <p:nvPr>
+            <p:ph type="dt" sz="half" idx="10"/>
+          </p:nvPr>
+        </p:nvSpPr>
+        <p:spPr/>
+        <p:txBody>
+          <a:bodyPr/>
+          <a:lstStyle/>
+          <a:p>
+            <a:fld id="{06052D99-9D0E-D346-BA7D-E615F2BFBD8A}" type="datetimeFigureOut">
+              <a:rPr lang="en-US" smtClean="0">
+                <a:solidFill>
+                  <a:prstClr val="black">
+                    <a:tint val="75000"/>
+                  </a:prstClr>
+                </a:solidFill>
+              </a:rPr>
+              <a:pPr/>
+              <a:t>12/14/15</a:t>
+            </a:fld>
+            <a:endParaRPr lang="en-US">
+              <a:solidFill>
+                <a:prstClr val="black">
+                  <a:tint val="75000"/>
+                </a:prstClr>
+              </a:solidFill>
+            </a:endParaRPr>
+          </a:p>
+        </p:txBody>
+      </p:sp>
+      <p:sp>
+        <p:nvSpPr>
+          <p:cNvPr id="5" name="Footer Placeholder 4"/>
+          <p:cNvSpPr>
+            <a:spLocks noGrp="1"/>
+          </p:cNvSpPr>
+          <p:nvPr>
+            <p:ph type="ftr" sz="quarter" idx="11"/>
+          </p:nvPr>
+        </p:nvSpPr>
+        <p:spPr/>
+        <p:txBody>
+          <a:bodyPr/>
+          <a:lstStyle/>
+          <a:p>
+            <a:endParaRPr lang="en-US">
+              <a:solidFill>
+                <a:prstClr val="black">
+                  <a:tint val="75000"/>
+                </a:prstClr>
+              </a:solidFill>
+            </a:endParaRPr>
+          </a:p>
+        </p:txBody>
+      </p:sp>
+      <p:sp>
+        <p:nvSpPr>
+          <p:cNvPr id="6" name="Slide Number Placeholder 5"/>
+          <p:cNvSpPr>
+            <a:spLocks noGrp="1"/>
+          </p:cNvSpPr>
+          <p:nvPr>
+            <p:ph type="sldNum" sz="quarter" idx="12"/>
+          </p:nvPr>
+        </p:nvSpPr>
+        <p:spPr/>
+        <p:txBody>
+          <a:bodyPr/>
+          <a:lstStyle/>
+          <a:p>
+            <a:fld id="{A5E2EACC-D4B0-3045-B4AB-6B247433880E}" type="slidenum">
+              <a:rPr lang="en-US" smtClean="0">
+                <a:solidFill>
+                  <a:prstClr val="black">
+                    <a:tint val="75000"/>
+                  </a:prstClr>
+                </a:solidFill>
+              </a:rPr>
+              <a:pPr/>
+              <a:t>‹#›</a:t>
+            </a:fld>
+            <a:endParaRPr lang="en-US">
+              <a:solidFill>
+                <a:prstClr val="black">
+                  <a:tint val="75000"/>
+                </a:prstClr>
+              </a:solidFill>
+            </a:endParaRPr>
+          </a:p>
+        </p:txBody>
+      </p:sp>
+    </p:spTree>
+    <p:extLst>
+      <p:ext uri="{BB962C8B-B14F-4D97-AF65-F5344CB8AC3E}">
+        <p14:creationId xmlns:p14="http://schemas.microsoft.com/office/powerpoint/2010/main" val="774073522"/>
+      </p:ext>
+    </p:extLst>
+  </p:cSld>
+  <p:clrMapOvr>
+    <a:masterClrMapping/>
+  </p:clrMapOvr>
+</p:sldLayout>
+</file>
+
+<file path=ppt/slideLayouts/slideLayout11.xml><?xml version="1.0" encoding="utf-8"?>
+<p:sldLayout xmlns:a="http://schemas.openxmlformats.org/drawingml/2006/main" xmlns:r="http://schemas.openxmlformats.org/officeDocument/2006/relationships" xmlns:p="http://schemas.openxmlformats.org/presentationml/2006/main" type="twoObj" preserve="1">
+  <p:cSld name="Two Content">
+    <p:spTree>
+      <p:nvGrpSpPr>
+        <p:cNvPr id="1" name=""/>
+        <p:cNvGrpSpPr/>
+        <p:nvPr/>
+      </p:nvGrpSpPr>
+      <p:grpSpPr>
+        <a:xfrm>
+          <a:off x="0" y="0"/>
+          <a:ext cx="0" cy="0"/>
+          <a:chOff x="0" y="0"/>
+          <a:chExt cx="0" cy="0"/>
+        </a:xfrm>
+      </p:grpSpPr>
+      <p:sp>
+        <p:nvSpPr>
+          <p:cNvPr id="2" name="Title 1"/>
+          <p:cNvSpPr>
+            <a:spLocks noGrp="1"/>
+          </p:cNvSpPr>
+          <p:nvPr>
+            <p:ph type="title"/>
+          </p:nvPr>
+        </p:nvSpPr>
+        <p:spPr/>
+        <p:txBody>
+          <a:bodyPr/>
+          <a:lstStyle/>
+          <a:p>
+            <a:r>
+              <a:rPr lang="en-US" smtClean="0"/>
+              <a:t>Click to edit Master title style</a:t>
+            </a:r>
+            <a:endParaRPr lang="en-US"/>
+          </a:p>
+        </p:txBody>
+      </p:sp>
+      <p:sp>
+        <p:nvSpPr>
+          <p:cNvPr id="3" name="Content Placeholder 2"/>
+          <p:cNvSpPr>
+            <a:spLocks noGrp="1"/>
+          </p:cNvSpPr>
+          <p:nvPr>
+            <p:ph sz="half" idx="1"/>
+          </p:nvPr>
+        </p:nvSpPr>
+        <p:spPr>
+          <a:xfrm>
+            <a:off x="471487" y="1825625"/>
+            <a:ext cx="2900363" cy="4351338"/>
+          </a:xfrm>
+        </p:spPr>
+        <p:txBody>
+          <a:bodyPr/>
+          <a:lstStyle/>
+          <a:p>
+            <a:pPr lvl="0"/>
+            <a:r>
+              <a:rPr lang="en-US" smtClean="0"/>
+              <a:t>Click to edit Master text styles</a:t>
+            </a:r>
+          </a:p>
+          <a:p>
+            <a:pPr lvl="1"/>
+            <a:r>
+              <a:rPr lang="en-US" smtClean="0"/>
+              <a:t>Second level</a:t>
+            </a:r>
+          </a:p>
+          <a:p>
+            <a:pPr lvl="2"/>
+            <a:r>
+              <a:rPr lang="en-US" smtClean="0"/>
+              <a:t>Third level</a:t>
+            </a:r>
+          </a:p>
+          <a:p>
+            <a:pPr lvl="3"/>
+            <a:r>
+              <a:rPr lang="en-US" smtClean="0"/>
+              <a:t>Fourth level</a:t>
+            </a:r>
+          </a:p>
+          <a:p>
+            <a:pPr lvl="4"/>
+            <a:r>
+              <a:rPr lang="en-US" smtClean="0"/>
+              <a:t>Fifth level</a:t>
+            </a:r>
+            <a:endParaRPr lang="en-US"/>
+          </a:p>
+        </p:txBody>
+      </p:sp>
+      <p:sp>
+        <p:nvSpPr>
+          <p:cNvPr id="4" name="Content Placeholder 3"/>
+          <p:cNvSpPr>
+            <a:spLocks noGrp="1"/>
+          </p:cNvSpPr>
+          <p:nvPr>
+            <p:ph sz="half" idx="2"/>
+          </p:nvPr>
+        </p:nvSpPr>
+        <p:spPr>
+          <a:xfrm>
+            <a:off x="3486150" y="1825625"/>
+            <a:ext cx="2900363" cy="4351338"/>
+          </a:xfrm>
+        </p:spPr>
+        <p:txBody>
+          <a:bodyPr/>
+          <a:lstStyle/>
+          <a:p>
+            <a:pPr lvl="0"/>
+            <a:r>
+              <a:rPr lang="en-US" smtClean="0"/>
+              <a:t>Click to edit Master text styles</a:t>
+            </a:r>
+          </a:p>
+          <a:p>
+            <a:pPr lvl="1"/>
+            <a:r>
+              <a:rPr lang="en-US" smtClean="0"/>
+              <a:t>Second level</a:t>
+            </a:r>
+          </a:p>
+          <a:p>
+            <a:pPr lvl="2"/>
+            <a:r>
+              <a:rPr lang="en-US" smtClean="0"/>
+              <a:t>Third level</a:t>
+            </a:r>
+          </a:p>
+          <a:p>
+            <a:pPr lvl="3"/>
+            <a:r>
+              <a:rPr lang="en-US" smtClean="0"/>
+              <a:t>Fourth level</a:t>
+            </a:r>
+          </a:p>
+          <a:p>
+            <a:pPr lvl="4"/>
+            <a:r>
+              <a:rPr lang="en-US" smtClean="0"/>
+              <a:t>Fifth level</a:t>
+            </a:r>
+            <a:endParaRPr lang="en-US"/>
+          </a:p>
+        </p:txBody>
+      </p:sp>
+      <p:sp>
+        <p:nvSpPr>
+          <p:cNvPr id="5" name="Date Placeholder 4"/>
+          <p:cNvSpPr>
+            <a:spLocks noGrp="1"/>
+          </p:cNvSpPr>
+          <p:nvPr>
+            <p:ph type="dt" sz="half" idx="10"/>
+          </p:nvPr>
+        </p:nvSpPr>
+        <p:spPr/>
+        <p:txBody>
+          <a:bodyPr/>
+          <a:lstStyle/>
+          <a:p>
+            <a:fld id="{06052D99-9D0E-D346-BA7D-E615F2BFBD8A}" type="datetimeFigureOut">
+              <a:rPr lang="en-US" smtClean="0">
+                <a:solidFill>
+                  <a:prstClr val="black">
+                    <a:tint val="75000"/>
+                  </a:prstClr>
+                </a:solidFill>
+              </a:rPr>
+              <a:pPr/>
+              <a:t>12/14/15</a:t>
+            </a:fld>
+            <a:endParaRPr lang="en-US">
+              <a:solidFill>
+                <a:prstClr val="black">
+                  <a:tint val="75000"/>
+                </a:prstClr>
+              </a:solidFill>
+            </a:endParaRPr>
+          </a:p>
+        </p:txBody>
+      </p:sp>
+      <p:sp>
+        <p:nvSpPr>
+          <p:cNvPr id="6" name="Footer Placeholder 5"/>
+          <p:cNvSpPr>
+            <a:spLocks noGrp="1"/>
+          </p:cNvSpPr>
+          <p:nvPr>
+            <p:ph type="ftr" sz="quarter" idx="11"/>
+          </p:nvPr>
+        </p:nvSpPr>
+        <p:spPr/>
+        <p:txBody>
+          <a:bodyPr/>
+          <a:lstStyle/>
+          <a:p>
+            <a:endParaRPr lang="en-US">
+              <a:solidFill>
+                <a:prstClr val="black">
+                  <a:tint val="75000"/>
+                </a:prstClr>
+              </a:solidFill>
+            </a:endParaRPr>
+          </a:p>
+        </p:txBody>
+      </p:sp>
+      <p:sp>
+        <p:nvSpPr>
+          <p:cNvPr id="7" name="Slide Number Placeholder 6"/>
+          <p:cNvSpPr>
+            <a:spLocks noGrp="1"/>
+          </p:cNvSpPr>
+          <p:nvPr>
+            <p:ph type="sldNum" sz="quarter" idx="12"/>
+          </p:nvPr>
+        </p:nvSpPr>
+        <p:spPr/>
+        <p:txBody>
+          <a:bodyPr/>
+          <a:lstStyle/>
+          <a:p>
+            <a:fld id="{A5E2EACC-D4B0-3045-B4AB-6B247433880E}" type="slidenum">
+              <a:rPr lang="en-US" smtClean="0">
+                <a:solidFill>
+                  <a:prstClr val="black">
+                    <a:tint val="75000"/>
+                  </a:prstClr>
+                </a:solidFill>
+              </a:rPr>
+              <a:pPr/>
+              <a:t>‹#›</a:t>
+            </a:fld>
+            <a:endParaRPr lang="en-US">
+              <a:solidFill>
+                <a:prstClr val="black">
+                  <a:tint val="75000"/>
+                </a:prstClr>
+              </a:solidFill>
+            </a:endParaRPr>
+          </a:p>
+        </p:txBody>
+      </p:sp>
+    </p:spTree>
+    <p:extLst>
+      <p:ext uri="{BB962C8B-B14F-4D97-AF65-F5344CB8AC3E}">
+        <p14:creationId xmlns:p14="http://schemas.microsoft.com/office/powerpoint/2010/main" val="2027376032"/>
+      </p:ext>
+    </p:extLst>
+  </p:cSld>
+  <p:clrMapOvr>
+    <a:masterClrMapping/>
+  </p:clrMapOvr>
+</p:sldLayout>
+</file>
+
+<file path=ppt/slideLayouts/slideLayout12.xml><?xml version="1.0" encoding="utf-8"?>
+<p:sldLayout xmlns:a="http://schemas.openxmlformats.org/drawingml/2006/main" xmlns:r="http://schemas.openxmlformats.org/officeDocument/2006/relationships" xmlns:p="http://schemas.openxmlformats.org/presentationml/2006/main" type="twoTxTwoObj" preserve="1">
+  <p:cSld name="Comparison">
+    <p:spTree>
+      <p:nvGrpSpPr>
+        <p:cNvPr id="1" name=""/>
+        <p:cNvGrpSpPr/>
+        <p:nvPr/>
+      </p:nvGrpSpPr>
+      <p:grpSpPr>
+        <a:xfrm>
+          <a:off x="0" y="0"/>
+          <a:ext cx="0" cy="0"/>
+          <a:chOff x="0" y="0"/>
+          <a:chExt cx="0" cy="0"/>
+        </a:xfrm>
+      </p:grpSpPr>
+      <p:sp>
+        <p:nvSpPr>
+          <p:cNvPr id="2" name="Title 1"/>
+          <p:cNvSpPr>
+            <a:spLocks noGrp="1"/>
+          </p:cNvSpPr>
+          <p:nvPr>
+            <p:ph type="title"/>
+          </p:nvPr>
+        </p:nvSpPr>
+        <p:spPr>
+          <a:xfrm>
+            <a:off x="629841" y="365126"/>
+            <a:ext cx="7886700" cy="1325563"/>
+          </a:xfrm>
+        </p:spPr>
+        <p:txBody>
+          <a:bodyPr/>
+          <a:lstStyle/>
+          <a:p>
+            <a:r>
+              <a:rPr lang="en-US" smtClean="0"/>
+              <a:t>Click to edit Master title style</a:t>
+            </a:r>
+            <a:endParaRPr lang="en-US"/>
+          </a:p>
+        </p:txBody>
+      </p:sp>
+      <p:sp>
+        <p:nvSpPr>
+          <p:cNvPr id="3" name="Text Placeholder 2"/>
+          <p:cNvSpPr>
+            <a:spLocks noGrp="1"/>
+          </p:cNvSpPr>
+          <p:nvPr>
+            <p:ph type="body" idx="1"/>
+          </p:nvPr>
+        </p:nvSpPr>
+        <p:spPr>
+          <a:xfrm>
+            <a:off x="629842" y="1681163"/>
+            <a:ext cx="3868340" cy="823912"/>
+          </a:xfrm>
+        </p:spPr>
+        <p:txBody>
+          <a:bodyPr anchor="b"/>
+          <a:lstStyle>
+            <a:lvl1pPr marL="0" indent="0">
+              <a:buNone/>
+              <a:defRPr sz="1800" b="1"/>
+            </a:lvl1pPr>
+            <a:lvl2pPr marL="342900" indent="0">
+              <a:buNone/>
+              <a:defRPr sz="1500" b="1"/>
+            </a:lvl2pPr>
+            <a:lvl3pPr marL="685800" indent="0">
+              <a:buNone/>
+              <a:defRPr sz="1350" b="1"/>
+            </a:lvl3pPr>
+            <a:lvl4pPr marL="1028700" indent="0">
+              <a:buNone/>
+              <a:defRPr sz="1200" b="1"/>
+            </a:lvl4pPr>
+            <a:lvl5pPr marL="1371600" indent="0">
+              <a:buNone/>
+              <a:defRPr sz="1200" b="1"/>
+            </a:lvl5pPr>
+            <a:lvl6pPr marL="1714500" indent="0">
+              <a:buNone/>
+              <a:defRPr sz="1200" b="1"/>
+            </a:lvl6pPr>
+            <a:lvl7pPr marL="2057400" indent="0">
+              <a:buNone/>
+              <a:defRPr sz="1200" b="1"/>
+            </a:lvl7pPr>
+            <a:lvl8pPr marL="2400300" indent="0">
+              <a:buNone/>
+              <a:defRPr sz="1200" b="1"/>
+            </a:lvl8pPr>
+            <a:lvl9pPr marL="2743200" indent="0">
+              <a:buNone/>
+              <a:defRPr sz="1200" b="1"/>
+            </a:lvl9pPr>
+          </a:lstStyle>
+          <a:p>
+            <a:pPr lvl="0"/>
+            <a:r>
+              <a:rPr lang="en-US" smtClean="0"/>
+              <a:t>Click to edit Master text styles</a:t>
+            </a:r>
+          </a:p>
+        </p:txBody>
+      </p:sp>
+      <p:sp>
+        <p:nvSpPr>
+          <p:cNvPr id="4" name="Content Placeholder 3"/>
+          <p:cNvSpPr>
+            <a:spLocks noGrp="1"/>
+          </p:cNvSpPr>
+          <p:nvPr>
+            <p:ph sz="half" idx="2"/>
+          </p:nvPr>
+        </p:nvSpPr>
+        <p:spPr>
+          <a:xfrm>
+            <a:off x="629842" y="2505075"/>
+            <a:ext cx="3868340" cy="3684588"/>
+          </a:xfrm>
+        </p:spPr>
+        <p:txBody>
+          <a:bodyPr/>
+          <a:lstStyle/>
+          <a:p>
+            <a:pPr lvl="0"/>
+            <a:r>
+              <a:rPr lang="en-US" smtClean="0"/>
+              <a:t>Click to edit Master text styles</a:t>
+            </a:r>
+          </a:p>
+          <a:p>
+            <a:pPr lvl="1"/>
+            <a:r>
+              <a:rPr lang="en-US" smtClean="0"/>
+              <a:t>Second level</a:t>
+            </a:r>
+          </a:p>
+          <a:p>
+            <a:pPr lvl="2"/>
+            <a:r>
+              <a:rPr lang="en-US" smtClean="0"/>
+              <a:t>Third level</a:t>
+            </a:r>
+          </a:p>
+          <a:p>
+            <a:pPr lvl="3"/>
+            <a:r>
+              <a:rPr lang="en-US" smtClean="0"/>
+              <a:t>Fourth level</a:t>
+            </a:r>
+          </a:p>
+          <a:p>
+            <a:pPr lvl="4"/>
+            <a:r>
+              <a:rPr lang="en-US" smtClean="0"/>
+              <a:t>Fifth level</a:t>
+            </a:r>
+            <a:endParaRPr lang="en-US"/>
+          </a:p>
+        </p:txBody>
+      </p:sp>
+      <p:sp>
+        <p:nvSpPr>
+          <p:cNvPr id="5" name="Text Placeholder 4"/>
+          <p:cNvSpPr>
+            <a:spLocks noGrp="1"/>
+          </p:cNvSpPr>
+          <p:nvPr>
+            <p:ph type="body" sz="quarter" idx="3"/>
+          </p:nvPr>
+        </p:nvSpPr>
+        <p:spPr>
+          <a:xfrm>
+            <a:off x="4629150" y="1681163"/>
+            <a:ext cx="3887391" cy="823912"/>
+          </a:xfrm>
+        </p:spPr>
+        <p:txBody>
+          <a:bodyPr anchor="b"/>
+          <a:lstStyle>
+            <a:lvl1pPr marL="0" indent="0">
+              <a:buNone/>
+              <a:defRPr sz="1800" b="1"/>
+            </a:lvl1pPr>
+            <a:lvl2pPr marL="342900" indent="0">
+              <a:buNone/>
+              <a:defRPr sz="1500" b="1"/>
+            </a:lvl2pPr>
+            <a:lvl3pPr marL="685800" indent="0">
+              <a:buNone/>
+              <a:defRPr sz="1350" b="1"/>
+            </a:lvl3pPr>
+            <a:lvl4pPr marL="1028700" indent="0">
+              <a:buNone/>
+              <a:defRPr sz="1200" b="1"/>
+            </a:lvl4pPr>
+            <a:lvl5pPr marL="1371600" indent="0">
+              <a:buNone/>
+              <a:defRPr sz="1200" b="1"/>
+            </a:lvl5pPr>
+            <a:lvl6pPr marL="1714500" indent="0">
+              <a:buNone/>
+              <a:defRPr sz="1200" b="1"/>
+            </a:lvl6pPr>
+            <a:lvl7pPr marL="2057400" indent="0">
+              <a:buNone/>
+              <a:defRPr sz="1200" b="1"/>
+            </a:lvl7pPr>
+            <a:lvl8pPr marL="2400300" indent="0">
+              <a:buNone/>
+              <a:defRPr sz="1200" b="1"/>
+            </a:lvl8pPr>
+            <a:lvl9pPr marL="2743200" indent="0">
+              <a:buNone/>
+              <a:defRPr sz="1200" b="1"/>
+            </a:lvl9pPr>
+          </a:lstStyle>
+          <a:p>
+            <a:pPr lvl="0"/>
+            <a:r>
+              <a:rPr lang="en-US" smtClean="0"/>
+              <a:t>Click to edit Master text styles</a:t>
+            </a:r>
+          </a:p>
+        </p:txBody>
+      </p:sp>
+      <p:sp>
+        <p:nvSpPr>
+          <p:cNvPr id="6" name="Content Placeholder 5"/>
+          <p:cNvSpPr>
+            <a:spLocks noGrp="1"/>
+          </p:cNvSpPr>
+          <p:nvPr>
+            <p:ph sz="quarter" idx="4"/>
+          </p:nvPr>
+        </p:nvSpPr>
+        <p:spPr>
+          <a:xfrm>
+            <a:off x="4629150" y="2505075"/>
+            <a:ext cx="3887391" cy="3684588"/>
+          </a:xfrm>
+        </p:spPr>
+        <p:txBody>
+          <a:bodyPr/>
+          <a:lstStyle/>
+          <a:p>
+            <a:pPr lvl="0"/>
+            <a:r>
+              <a:rPr lang="en-US" smtClean="0"/>
+              <a:t>Click to edit Master text styles</a:t>
+            </a:r>
+          </a:p>
+          <a:p>
+            <a:pPr lvl="1"/>
+            <a:r>
+              <a:rPr lang="en-US" smtClean="0"/>
+              <a:t>Second level</a:t>
+            </a:r>
+          </a:p>
+          <a:p>
+            <a:pPr lvl="2"/>
+            <a:r>
+              <a:rPr lang="en-US" smtClean="0"/>
+              <a:t>Third level</a:t>
+            </a:r>
+          </a:p>
+          <a:p>
+            <a:pPr lvl="3"/>
+            <a:r>
+              <a:rPr lang="en-US" smtClean="0"/>
+              <a:t>Fourth level</a:t>
+            </a:r>
+          </a:p>
+          <a:p>
+            <a:pPr lvl="4"/>
+            <a:r>
+              <a:rPr lang="en-US" smtClean="0"/>
+              <a:t>Fifth level</a:t>
+            </a:r>
+            <a:endParaRPr lang="en-US"/>
+          </a:p>
+        </p:txBody>
+      </p:sp>
+      <p:sp>
+        <p:nvSpPr>
+          <p:cNvPr id="7" name="Date Placeholder 6"/>
+          <p:cNvSpPr>
+            <a:spLocks noGrp="1"/>
+          </p:cNvSpPr>
+          <p:nvPr>
+            <p:ph type="dt" sz="half" idx="10"/>
+          </p:nvPr>
+        </p:nvSpPr>
+        <p:spPr/>
+        <p:txBody>
+          <a:bodyPr/>
+          <a:lstStyle/>
+          <a:p>
+            <a:fld id="{06052D99-9D0E-D346-BA7D-E615F2BFBD8A}" type="datetimeFigureOut">
+              <a:rPr lang="en-US" smtClean="0">
+                <a:solidFill>
+                  <a:prstClr val="black">
+                    <a:tint val="75000"/>
+                  </a:prstClr>
+                </a:solidFill>
+              </a:rPr>
+              <a:pPr/>
+              <a:t>12/14/15</a:t>
+            </a:fld>
+            <a:endParaRPr lang="en-US">
+              <a:solidFill>
+                <a:prstClr val="black">
+                  <a:tint val="75000"/>
+                </a:prstClr>
+              </a:solidFill>
+            </a:endParaRPr>
+          </a:p>
+        </p:txBody>
+      </p:sp>
+      <p:sp>
+        <p:nvSpPr>
+          <p:cNvPr id="8" name="Footer Placeholder 7"/>
+          <p:cNvSpPr>
+            <a:spLocks noGrp="1"/>
+          </p:cNvSpPr>
+          <p:nvPr>
+            <p:ph type="ftr" sz="quarter" idx="11"/>
+          </p:nvPr>
+        </p:nvSpPr>
+        <p:spPr/>
+        <p:txBody>
+          <a:bodyPr/>
+          <a:lstStyle/>
+          <a:p>
+            <a:endParaRPr lang="en-US">
+              <a:solidFill>
+                <a:prstClr val="black">
+                  <a:tint val="75000"/>
+                </a:prstClr>
+              </a:solidFill>
+            </a:endParaRPr>
+          </a:p>
+        </p:txBody>
+      </p:sp>
+      <p:sp>
+        <p:nvSpPr>
+          <p:cNvPr id="9" name="Slide Number Placeholder 8"/>
+          <p:cNvSpPr>
+            <a:spLocks noGrp="1"/>
+          </p:cNvSpPr>
+          <p:nvPr>
+            <p:ph type="sldNum" sz="quarter" idx="12"/>
+          </p:nvPr>
+        </p:nvSpPr>
+        <p:spPr/>
+        <p:txBody>
+          <a:bodyPr/>
+          <a:lstStyle/>
+          <a:p>
+            <a:fld id="{A5E2EACC-D4B0-3045-B4AB-6B247433880E}" type="slidenum">
+              <a:rPr lang="en-US" smtClean="0">
+                <a:solidFill>
+                  <a:prstClr val="black">
+                    <a:tint val="75000"/>
+                  </a:prstClr>
+                </a:solidFill>
+              </a:rPr>
+              <a:pPr/>
+              <a:t>‹#›</a:t>
+            </a:fld>
+            <a:endParaRPr lang="en-US">
+              <a:solidFill>
+                <a:prstClr val="black">
+                  <a:tint val="75000"/>
+                </a:prstClr>
+              </a:solidFill>
+            </a:endParaRPr>
+          </a:p>
+        </p:txBody>
+      </p:sp>
+    </p:spTree>
+    <p:extLst>
+      <p:ext uri="{BB962C8B-B14F-4D97-AF65-F5344CB8AC3E}">
+        <p14:creationId xmlns:p14="http://schemas.microsoft.com/office/powerpoint/2010/main" val="2112584942"/>
+      </p:ext>
+    </p:extLst>
+  </p:cSld>
+  <p:clrMapOvr>
+    <a:masterClrMapping/>
+  </p:clrMapOvr>
+</p:sldLayout>
+</file>
+
+<file path=ppt/slideLayouts/slideLayout13.xml><?xml version="1.0" encoding="utf-8"?>
+<p:sldLayout xmlns:a="http://schemas.openxmlformats.org/drawingml/2006/main" xmlns:r="http://schemas.openxmlformats.org/officeDocument/2006/relationships" xmlns:p="http://schemas.openxmlformats.org/presentationml/2006/main" type="titleOnly" preserve="1">
+  <p:cSld name="Title Only">
+    <p:spTree>
+      <p:nvGrpSpPr>
+        <p:cNvPr id="1" name=""/>
+        <p:cNvGrpSpPr/>
+        <p:nvPr/>
+      </p:nvGrpSpPr>
+      <p:grpSpPr>
+        <a:xfrm>
+          <a:off x="0" y="0"/>
+          <a:ext cx="0" cy="0"/>
+          <a:chOff x="0" y="0"/>
+          <a:chExt cx="0" cy="0"/>
+        </a:xfrm>
+      </p:grpSpPr>
+      <p:sp>
+        <p:nvSpPr>
+          <p:cNvPr id="2" name="Title 1"/>
+          <p:cNvSpPr>
+            <a:spLocks noGrp="1"/>
+          </p:cNvSpPr>
+          <p:nvPr>
+            <p:ph type="title"/>
+          </p:nvPr>
+        </p:nvSpPr>
+        <p:spPr/>
+        <p:txBody>
+          <a:bodyPr/>
+          <a:lstStyle/>
+          <a:p>
+            <a:r>
+              <a:rPr lang="en-US" smtClean="0"/>
+              <a:t>Click to edit Master title style</a:t>
+            </a:r>
+            <a:endParaRPr lang="en-US"/>
+          </a:p>
+        </p:txBody>
+      </p:sp>
+      <p:sp>
+        <p:nvSpPr>
+          <p:cNvPr id="3" name="Date Placeholder 2"/>
+          <p:cNvSpPr>
+            <a:spLocks noGrp="1"/>
+          </p:cNvSpPr>
+          <p:nvPr>
+            <p:ph type="dt" sz="half" idx="10"/>
+          </p:nvPr>
+        </p:nvSpPr>
+        <p:spPr/>
+        <p:txBody>
+          <a:bodyPr/>
+          <a:lstStyle/>
+          <a:p>
+            <a:fld id="{06052D99-9D0E-D346-BA7D-E615F2BFBD8A}" type="datetimeFigureOut">
+              <a:rPr lang="en-US" smtClean="0">
+                <a:solidFill>
+                  <a:prstClr val="black">
+                    <a:tint val="75000"/>
+                  </a:prstClr>
+                </a:solidFill>
+              </a:rPr>
+              <a:pPr/>
+              <a:t>12/14/15</a:t>
+            </a:fld>
+            <a:endParaRPr lang="en-US">
+              <a:solidFill>
+                <a:prstClr val="black">
+                  <a:tint val="75000"/>
+                </a:prstClr>
+              </a:solidFill>
+            </a:endParaRPr>
+          </a:p>
+        </p:txBody>
+      </p:sp>
+      <p:sp>
+        <p:nvSpPr>
+          <p:cNvPr id="4" name="Footer Placeholder 3"/>
+          <p:cNvSpPr>
+            <a:spLocks noGrp="1"/>
+          </p:cNvSpPr>
+          <p:nvPr>
+            <p:ph type="ftr" sz="quarter" idx="11"/>
+          </p:nvPr>
+        </p:nvSpPr>
+        <p:spPr/>
+        <p:txBody>
+          <a:bodyPr/>
+          <a:lstStyle/>
+          <a:p>
+            <a:endParaRPr lang="en-US">
+              <a:solidFill>
+                <a:prstClr val="black">
+                  <a:tint val="75000"/>
+                </a:prstClr>
+              </a:solidFill>
+            </a:endParaRPr>
+          </a:p>
+        </p:txBody>
+      </p:sp>
+      <p:sp>
+        <p:nvSpPr>
+          <p:cNvPr id="5" name="Slide Number Placeholder 4"/>
+          <p:cNvSpPr>
+            <a:spLocks noGrp="1"/>
+          </p:cNvSpPr>
+          <p:nvPr>
+            <p:ph type="sldNum" sz="quarter" idx="12"/>
+          </p:nvPr>
+        </p:nvSpPr>
+        <p:spPr/>
+        <p:txBody>
+          <a:bodyPr/>
+          <a:lstStyle/>
+          <a:p>
+            <a:fld id="{A5E2EACC-D4B0-3045-B4AB-6B247433880E}" type="slidenum">
+              <a:rPr lang="en-US" smtClean="0">
+                <a:solidFill>
+                  <a:prstClr val="black">
+                    <a:tint val="75000"/>
+                  </a:prstClr>
+                </a:solidFill>
+              </a:rPr>
+              <a:pPr/>
+              <a:t>‹#›</a:t>
+            </a:fld>
+            <a:endParaRPr lang="en-US">
+              <a:solidFill>
+                <a:prstClr val="black">
+                  <a:tint val="75000"/>
+                </a:prstClr>
+              </a:solidFill>
+            </a:endParaRPr>
+          </a:p>
+        </p:txBody>
+      </p:sp>
+    </p:spTree>
+    <p:extLst>
+      <p:ext uri="{BB962C8B-B14F-4D97-AF65-F5344CB8AC3E}">
+        <p14:creationId xmlns:p14="http://schemas.microsoft.com/office/powerpoint/2010/main" val="1149417308"/>
+      </p:ext>
+    </p:extLst>
+  </p:cSld>
+  <p:clrMapOvr>
+    <a:masterClrMapping/>
+  </p:clrMapOvr>
+</p:sldLayout>
+</file>
+
+<file path=ppt/slideLayouts/slideLayout14.xml><?xml version="1.0" encoding="utf-8"?>
+<p:sldLayout xmlns:a="http://schemas.openxmlformats.org/drawingml/2006/main" xmlns:r="http://schemas.openxmlformats.org/officeDocument/2006/relationships" xmlns:p="http://schemas.openxmlformats.org/presentationml/2006/main" type="blank" preserve="1">
+  <p:cSld name="Blank">
+    <p:spTree>
+      <p:nvGrpSpPr>
+        <p:cNvPr id="1" name=""/>
+        <p:cNvGrpSpPr/>
+        <p:nvPr/>
+      </p:nvGrpSpPr>
+      <p:grpSpPr>
+        <a:xfrm>
+          <a:off x="0" y="0"/>
+          <a:ext cx="0" cy="0"/>
+          <a:chOff x="0" y="0"/>
+          <a:chExt cx="0" cy="0"/>
+        </a:xfrm>
+      </p:grpSpPr>
+      <p:sp>
+        <p:nvSpPr>
+          <p:cNvPr id="2" name="Date Placeholder 1"/>
+          <p:cNvSpPr>
+            <a:spLocks noGrp="1"/>
+          </p:cNvSpPr>
+          <p:nvPr>
+            <p:ph type="dt" sz="half" idx="10"/>
+          </p:nvPr>
+        </p:nvSpPr>
+        <p:spPr/>
+        <p:txBody>
+          <a:bodyPr/>
+          <a:lstStyle/>
+          <a:p>
+            <a:fld id="{06052D99-9D0E-D346-BA7D-E615F2BFBD8A}" type="datetimeFigureOut">
+              <a:rPr lang="en-US" smtClean="0">
+                <a:solidFill>
+                  <a:prstClr val="black">
+                    <a:tint val="75000"/>
+                  </a:prstClr>
+                </a:solidFill>
+              </a:rPr>
+              <a:pPr/>
+              <a:t>12/14/15</a:t>
+            </a:fld>
+            <a:endParaRPr lang="en-US">
+              <a:solidFill>
+                <a:prstClr val="black">
+                  <a:tint val="75000"/>
+                </a:prstClr>
+              </a:solidFill>
+            </a:endParaRPr>
+          </a:p>
+        </p:txBody>
+      </p:sp>
+      <p:sp>
+        <p:nvSpPr>
+          <p:cNvPr id="3" name="Footer Placeholder 2"/>
+          <p:cNvSpPr>
+            <a:spLocks noGrp="1"/>
+          </p:cNvSpPr>
+          <p:nvPr>
+            <p:ph type="ftr" sz="quarter" idx="11"/>
+          </p:nvPr>
+        </p:nvSpPr>
+        <p:spPr/>
+        <p:txBody>
+          <a:bodyPr/>
+          <a:lstStyle/>
+          <a:p>
+            <a:endParaRPr lang="en-US">
+              <a:solidFill>
+                <a:prstClr val="black">
+                  <a:tint val="75000"/>
+                </a:prstClr>
+              </a:solidFill>
+            </a:endParaRPr>
+          </a:p>
+        </p:txBody>
+      </p:sp>
+      <p:sp>
+        <p:nvSpPr>
+          <p:cNvPr id="4" name="Slide Number Placeholder 3"/>
+          <p:cNvSpPr>
+            <a:spLocks noGrp="1"/>
+          </p:cNvSpPr>
+          <p:nvPr>
+            <p:ph type="sldNum" sz="quarter" idx="12"/>
+          </p:nvPr>
+        </p:nvSpPr>
+        <p:spPr/>
+        <p:txBody>
+          <a:bodyPr/>
+          <a:lstStyle/>
+          <a:p>
+            <a:fld id="{A5E2EACC-D4B0-3045-B4AB-6B247433880E}" type="slidenum">
+              <a:rPr lang="en-US" smtClean="0">
+                <a:solidFill>
+                  <a:prstClr val="black">
+                    <a:tint val="75000"/>
+                  </a:prstClr>
+                </a:solidFill>
+              </a:rPr>
+              <a:pPr/>
+              <a:t>‹#›</a:t>
+            </a:fld>
+            <a:endParaRPr lang="en-US">
+              <a:solidFill>
+                <a:prstClr val="black">
+                  <a:tint val="75000"/>
+                </a:prstClr>
+              </a:solidFill>
+            </a:endParaRPr>
+          </a:p>
+        </p:txBody>
+      </p:sp>
+    </p:spTree>
+    <p:extLst>
+      <p:ext uri="{BB962C8B-B14F-4D97-AF65-F5344CB8AC3E}">
+        <p14:creationId xmlns:p14="http://schemas.microsoft.com/office/powerpoint/2010/main" val="746878622"/>
+      </p:ext>
+    </p:extLst>
+  </p:cSld>
+  <p:clrMapOvr>
+    <a:masterClrMapping/>
+  </p:clrMapOvr>
+</p:sldLayout>
+</file>
+
+<file path=ppt/slideLayouts/slideLayout15.xml><?xml version="1.0" encoding="utf-8"?>
+<p:sldLayout xmlns:a="http://schemas.openxmlformats.org/drawingml/2006/main" xmlns:r="http://schemas.openxmlformats.org/officeDocument/2006/relationships" xmlns:p="http://schemas.openxmlformats.org/presentationml/2006/main" type="objTx" preserve="1">
+  <p:cSld name="Content with Caption">
+    <p:spTree>
+      <p:nvGrpSpPr>
+        <p:cNvPr id="1" name=""/>
+        <p:cNvGrpSpPr/>
+        <p:nvPr/>
+      </p:nvGrpSpPr>
+      <p:grpSpPr>
+        <a:xfrm>
+          <a:off x="0" y="0"/>
+          <a:ext cx="0" cy="0"/>
+          <a:chOff x="0" y="0"/>
+          <a:chExt cx="0" cy="0"/>
+        </a:xfrm>
+      </p:grpSpPr>
+      <p:sp>
+        <p:nvSpPr>
+          <p:cNvPr id="2" name="Title 1"/>
+          <p:cNvSpPr>
+            <a:spLocks noGrp="1"/>
+          </p:cNvSpPr>
+          <p:nvPr>
+            <p:ph type="title"/>
+          </p:nvPr>
+        </p:nvSpPr>
+        <p:spPr>
+          <a:xfrm>
+            <a:off x="629841" y="457200"/>
+            <a:ext cx="2949178" cy="1600200"/>
+          </a:xfrm>
+        </p:spPr>
+        <p:txBody>
+          <a:bodyPr anchor="b"/>
+          <a:lstStyle>
+            <a:lvl1pPr>
+              <a:defRPr sz="2400"/>
+            </a:lvl1pPr>
+          </a:lstStyle>
+          <a:p>
+            <a:r>
+              <a:rPr lang="en-US" smtClean="0"/>
+              <a:t>Click to edit Master title style</a:t>
+            </a:r>
+            <a:endParaRPr lang="en-US"/>
+          </a:p>
+        </p:txBody>
+      </p:sp>
+      <p:sp>
+        <p:nvSpPr>
+          <p:cNvPr id="3" name="Content Placeholder 2"/>
+          <p:cNvSpPr>
+            <a:spLocks noGrp="1"/>
+          </p:cNvSpPr>
+          <p:nvPr>
+            <p:ph idx="1"/>
+          </p:nvPr>
+        </p:nvSpPr>
+        <p:spPr>
+          <a:xfrm>
+            <a:off x="3887391" y="987426"/>
+            <a:ext cx="4629150" cy="4873625"/>
+          </a:xfrm>
+        </p:spPr>
+        <p:txBody>
+          <a:bodyPr/>
+          <a:lstStyle>
+            <a:lvl1pPr>
+              <a:defRPr sz="2400"/>
+            </a:lvl1pPr>
+            <a:lvl2pPr>
+              <a:defRPr sz="2100"/>
+            </a:lvl2pPr>
+            <a:lvl3pPr>
+              <a:defRPr sz="1800"/>
+            </a:lvl3pPr>
+            <a:lvl4pPr>
+              <a:defRPr sz="1500"/>
+            </a:lvl4pPr>
+            <a:lvl5pPr>
+              <a:defRPr sz="1500"/>
+            </a:lvl5pPr>
+            <a:lvl6pPr>
+              <a:defRPr sz="1500"/>
+            </a:lvl6pPr>
+            <a:lvl7pPr>
+              <a:defRPr sz="1500"/>
+            </a:lvl7pPr>
+            <a:lvl8pPr>
+              <a:defRPr sz="1500"/>
+            </a:lvl8pPr>
+            <a:lvl9pPr>
+              <a:defRPr sz="1500"/>
+            </a:lvl9pPr>
+          </a:lstStyle>
+          <a:p>
+            <a:pPr lvl="0"/>
+            <a:r>
+              <a:rPr lang="en-US" smtClean="0"/>
+              <a:t>Click to edit Master text styles</a:t>
+            </a:r>
+          </a:p>
+          <a:p>
+            <a:pPr lvl="1"/>
+            <a:r>
+              <a:rPr lang="en-US" smtClean="0"/>
+              <a:t>Second level</a:t>
+            </a:r>
+          </a:p>
+          <a:p>
+            <a:pPr lvl="2"/>
+            <a:r>
+              <a:rPr lang="en-US" smtClean="0"/>
+              <a:t>Third level</a:t>
+            </a:r>
+          </a:p>
+          <a:p>
+            <a:pPr lvl="3"/>
+            <a:r>
+              <a:rPr lang="en-US" smtClean="0"/>
+              <a:t>Fourth level</a:t>
+            </a:r>
+          </a:p>
+          <a:p>
+            <a:pPr lvl="4"/>
+            <a:r>
+              <a:rPr lang="en-US" smtClean="0"/>
+              <a:t>Fifth level</a:t>
+            </a:r>
+            <a:endParaRPr lang="en-US"/>
+          </a:p>
+        </p:txBody>
+      </p:sp>
+      <p:sp>
+        <p:nvSpPr>
+          <p:cNvPr id="4" name="Text Placeholder 3"/>
+          <p:cNvSpPr>
+            <a:spLocks noGrp="1"/>
+          </p:cNvSpPr>
+          <p:nvPr>
+            <p:ph type="body" sz="half" idx="2"/>
+          </p:nvPr>
+        </p:nvSpPr>
+        <p:spPr>
+          <a:xfrm>
+            <a:off x="629841" y="2057400"/>
+            <a:ext cx="2949178" cy="3811588"/>
+          </a:xfrm>
+        </p:spPr>
+        <p:txBody>
+          <a:bodyPr/>
+          <a:lstStyle>
+            <a:lvl1pPr marL="0" indent="0">
+              <a:buNone/>
+              <a:defRPr sz="1200"/>
+            </a:lvl1pPr>
+            <a:lvl2pPr marL="342900" indent="0">
+              <a:buNone/>
+              <a:defRPr sz="1050"/>
+            </a:lvl2pPr>
+            <a:lvl3pPr marL="685800" indent="0">
+              <a:buNone/>
+              <a:defRPr sz="900"/>
+            </a:lvl3pPr>
+            <a:lvl4pPr marL="1028700" indent="0">
+              <a:buNone/>
+              <a:defRPr sz="750"/>
+            </a:lvl4pPr>
+            <a:lvl5pPr marL="1371600" indent="0">
+              <a:buNone/>
+              <a:defRPr sz="750"/>
+            </a:lvl5pPr>
+            <a:lvl6pPr marL="1714500" indent="0">
+              <a:buNone/>
+              <a:defRPr sz="750"/>
+            </a:lvl6pPr>
+            <a:lvl7pPr marL="2057400" indent="0">
+              <a:buNone/>
+              <a:defRPr sz="750"/>
+            </a:lvl7pPr>
+            <a:lvl8pPr marL="2400300" indent="0">
+              <a:buNone/>
+              <a:defRPr sz="750"/>
+            </a:lvl8pPr>
+            <a:lvl9pPr marL="2743200" indent="0">
+              <a:buNone/>
+              <a:defRPr sz="750"/>
+            </a:lvl9pPr>
+          </a:lstStyle>
+          <a:p>
+            <a:pPr lvl="0"/>
+            <a:r>
+              <a:rPr lang="en-US" smtClean="0"/>
+              <a:t>Click to edit Master text styles</a:t>
+            </a:r>
+          </a:p>
+        </p:txBody>
+      </p:sp>
+      <p:sp>
+        <p:nvSpPr>
+          <p:cNvPr id="5" name="Date Placeholder 4"/>
+          <p:cNvSpPr>
+            <a:spLocks noGrp="1"/>
+          </p:cNvSpPr>
+          <p:nvPr>
+            <p:ph type="dt" sz="half" idx="10"/>
+          </p:nvPr>
+        </p:nvSpPr>
+        <p:spPr/>
+        <p:txBody>
+          <a:bodyPr/>
+          <a:lstStyle/>
+          <a:p>
+            <a:fld id="{06052D99-9D0E-D346-BA7D-E615F2BFBD8A}" type="datetimeFigureOut">
+              <a:rPr lang="en-US" smtClean="0">
+                <a:solidFill>
+                  <a:prstClr val="black">
+                    <a:tint val="75000"/>
+                  </a:prstClr>
+                </a:solidFill>
+              </a:rPr>
+              <a:pPr/>
+              <a:t>12/14/15</a:t>
+            </a:fld>
+            <a:endParaRPr lang="en-US">
+              <a:solidFill>
+                <a:prstClr val="black">
+                  <a:tint val="75000"/>
+                </a:prstClr>
+              </a:solidFill>
+            </a:endParaRPr>
+          </a:p>
+        </p:txBody>
+      </p:sp>
+      <p:sp>
+        <p:nvSpPr>
+          <p:cNvPr id="6" name="Footer Placeholder 5"/>
+          <p:cNvSpPr>
+            <a:spLocks noGrp="1"/>
+          </p:cNvSpPr>
+          <p:nvPr>
+            <p:ph type="ftr" sz="quarter" idx="11"/>
+          </p:nvPr>
+        </p:nvSpPr>
+        <p:spPr/>
+        <p:txBody>
+          <a:bodyPr/>
+          <a:lstStyle/>
+          <a:p>
+            <a:endParaRPr lang="en-US">
+              <a:solidFill>
+                <a:prstClr val="black">
+                  <a:tint val="75000"/>
+                </a:prstClr>
+              </a:solidFill>
+            </a:endParaRPr>
+          </a:p>
+        </p:txBody>
+      </p:sp>
+      <p:sp>
+        <p:nvSpPr>
+          <p:cNvPr id="7" name="Slide Number Placeholder 6"/>
+          <p:cNvSpPr>
+            <a:spLocks noGrp="1"/>
+          </p:cNvSpPr>
+          <p:nvPr>
+            <p:ph type="sldNum" sz="quarter" idx="12"/>
+          </p:nvPr>
+        </p:nvSpPr>
+        <p:spPr/>
+        <p:txBody>
+          <a:bodyPr/>
+          <a:lstStyle/>
+          <a:p>
+            <a:fld id="{A5E2EACC-D4B0-3045-B4AB-6B247433880E}" type="slidenum">
+              <a:rPr lang="en-US" smtClean="0">
+                <a:solidFill>
+                  <a:prstClr val="black">
+                    <a:tint val="75000"/>
+                  </a:prstClr>
+                </a:solidFill>
+              </a:rPr>
+              <a:pPr/>
+              <a:t>‹#›</a:t>
+            </a:fld>
+            <a:endParaRPr lang="en-US">
+              <a:solidFill>
+                <a:prstClr val="black">
+                  <a:tint val="75000"/>
+                </a:prstClr>
+              </a:solidFill>
+            </a:endParaRPr>
+          </a:p>
+        </p:txBody>
+      </p:sp>
+    </p:spTree>
+    <p:extLst>
+      <p:ext uri="{BB962C8B-B14F-4D97-AF65-F5344CB8AC3E}">
+        <p14:creationId xmlns:p14="http://schemas.microsoft.com/office/powerpoint/2010/main" val="2038597511"/>
+      </p:ext>
+    </p:extLst>
+  </p:cSld>
+  <p:clrMapOvr>
+    <a:masterClrMapping/>
+  </p:clrMapOvr>
+</p:sldLayout>
+</file>
+
+<file path=ppt/slideLayouts/slideLayout16.xml><?xml version="1.0" encoding="utf-8"?>
+<p:sldLayout xmlns:a="http://schemas.openxmlformats.org/drawingml/2006/main" xmlns:r="http://schemas.openxmlformats.org/officeDocument/2006/relationships" xmlns:p="http://schemas.openxmlformats.org/presentationml/2006/main" type="picTx" preserve="1">
+  <p:cSld name="Picture with Caption">
+    <p:spTree>
+      <p:nvGrpSpPr>
+        <p:cNvPr id="1" name=""/>
+        <p:cNvGrpSpPr/>
+        <p:nvPr/>
+      </p:nvGrpSpPr>
+      <p:grpSpPr>
+        <a:xfrm>
+          <a:off x="0" y="0"/>
+          <a:ext cx="0" cy="0"/>
+          <a:chOff x="0" y="0"/>
+          <a:chExt cx="0" cy="0"/>
+        </a:xfrm>
+      </p:grpSpPr>
+      <p:sp>
+        <p:nvSpPr>
+          <p:cNvPr id="2" name="Title 1"/>
+          <p:cNvSpPr>
+            <a:spLocks noGrp="1"/>
+          </p:cNvSpPr>
+          <p:nvPr>
+            <p:ph type="title"/>
+          </p:nvPr>
+        </p:nvSpPr>
+        <p:spPr>
+          <a:xfrm>
+            <a:off x="629841" y="457200"/>
+            <a:ext cx="2949178" cy="1600200"/>
+          </a:xfrm>
+        </p:spPr>
+        <p:txBody>
+          <a:bodyPr anchor="b"/>
+          <a:lstStyle>
+            <a:lvl1pPr>
+              <a:defRPr sz="2400"/>
+            </a:lvl1pPr>
+          </a:lstStyle>
+          <a:p>
+            <a:r>
+              <a:rPr lang="en-US" smtClean="0"/>
+              <a:t>Click to edit Master title style</a:t>
+            </a:r>
+            <a:endParaRPr lang="en-US"/>
+          </a:p>
+        </p:txBody>
+      </p:sp>
+      <p:sp>
+        <p:nvSpPr>
+          <p:cNvPr id="3" name="Picture Placeholder 2"/>
+          <p:cNvSpPr>
+            <a:spLocks noGrp="1"/>
+          </p:cNvSpPr>
+          <p:nvPr>
+            <p:ph type="pic" idx="1"/>
+          </p:nvPr>
+        </p:nvSpPr>
+        <p:spPr>
+          <a:xfrm>
+            <a:off x="3887391" y="987426"/>
+            <a:ext cx="4629150" cy="4873625"/>
+          </a:xfrm>
+        </p:spPr>
+        <p:txBody>
+          <a:bodyPr/>
+          <a:lstStyle>
+            <a:lvl1pPr marL="0" indent="0">
+              <a:buNone/>
+              <a:defRPr sz="2400"/>
+            </a:lvl1pPr>
+            <a:lvl2pPr marL="342900" indent="0">
+              <a:buNone/>
+              <a:defRPr sz="2100"/>
+            </a:lvl2pPr>
+            <a:lvl3pPr marL="685800" indent="0">
+              <a:buNone/>
+              <a:defRPr sz="1800"/>
+            </a:lvl3pPr>
+            <a:lvl4pPr marL="1028700" indent="0">
+              <a:buNone/>
+              <a:defRPr sz="1500"/>
+            </a:lvl4pPr>
+            <a:lvl5pPr marL="1371600" indent="0">
+              <a:buNone/>
+              <a:defRPr sz="1500"/>
+            </a:lvl5pPr>
+            <a:lvl6pPr marL="1714500" indent="0">
+              <a:buNone/>
+              <a:defRPr sz="1500"/>
+            </a:lvl6pPr>
+            <a:lvl7pPr marL="2057400" indent="0">
+              <a:buNone/>
+              <a:defRPr sz="1500"/>
+            </a:lvl7pPr>
+            <a:lvl8pPr marL="2400300" indent="0">
+              <a:buNone/>
+              <a:defRPr sz="1500"/>
+            </a:lvl8pPr>
+            <a:lvl9pPr marL="2743200" indent="0">
+              <a:buNone/>
+              <a:defRPr sz="1500"/>
+            </a:lvl9pPr>
+          </a:lstStyle>
+          <a:p>
+            <a:endParaRPr lang="en-US"/>
+          </a:p>
+        </p:txBody>
+      </p:sp>
+      <p:sp>
+        <p:nvSpPr>
+          <p:cNvPr id="4" name="Text Placeholder 3"/>
+          <p:cNvSpPr>
+            <a:spLocks noGrp="1"/>
+          </p:cNvSpPr>
+          <p:nvPr>
+            <p:ph type="body" sz="half" idx="2"/>
+          </p:nvPr>
+        </p:nvSpPr>
+        <p:spPr>
+          <a:xfrm>
+            <a:off x="629841" y="2057400"/>
+            <a:ext cx="2949178" cy="3811588"/>
+          </a:xfrm>
+        </p:spPr>
+        <p:txBody>
+          <a:bodyPr/>
+          <a:lstStyle>
+            <a:lvl1pPr marL="0" indent="0">
+              <a:buNone/>
+              <a:defRPr sz="1200"/>
+            </a:lvl1pPr>
+            <a:lvl2pPr marL="342900" indent="0">
+              <a:buNone/>
+              <a:defRPr sz="1050"/>
+            </a:lvl2pPr>
+            <a:lvl3pPr marL="685800" indent="0">
+              <a:buNone/>
+              <a:defRPr sz="900"/>
+            </a:lvl3pPr>
+            <a:lvl4pPr marL="1028700" indent="0">
+              <a:buNone/>
+              <a:defRPr sz="750"/>
+            </a:lvl4pPr>
+            <a:lvl5pPr marL="1371600" indent="0">
+              <a:buNone/>
+              <a:defRPr sz="750"/>
+            </a:lvl5pPr>
+            <a:lvl6pPr marL="1714500" indent="0">
+              <a:buNone/>
+              <a:defRPr sz="750"/>
+            </a:lvl6pPr>
+            <a:lvl7pPr marL="2057400" indent="0">
+              <a:buNone/>
+              <a:defRPr sz="750"/>
+            </a:lvl7pPr>
+            <a:lvl8pPr marL="2400300" indent="0">
+              <a:buNone/>
+              <a:defRPr sz="750"/>
+            </a:lvl8pPr>
+            <a:lvl9pPr marL="2743200" indent="0">
+              <a:buNone/>
+              <a:defRPr sz="750"/>
+            </a:lvl9pPr>
+          </a:lstStyle>
+          <a:p>
+            <a:pPr lvl="0"/>
+            <a:r>
+              <a:rPr lang="en-US" smtClean="0"/>
+              <a:t>Click to edit Master text styles</a:t>
+            </a:r>
+          </a:p>
+        </p:txBody>
+      </p:sp>
+      <p:sp>
+        <p:nvSpPr>
+          <p:cNvPr id="5" name="Date Placeholder 4"/>
+          <p:cNvSpPr>
+            <a:spLocks noGrp="1"/>
+          </p:cNvSpPr>
+          <p:nvPr>
+            <p:ph type="dt" sz="half" idx="10"/>
+          </p:nvPr>
+        </p:nvSpPr>
+        <p:spPr/>
+        <p:txBody>
+          <a:bodyPr/>
+          <a:lstStyle/>
+          <a:p>
+            <a:fld id="{06052D99-9D0E-D346-BA7D-E615F2BFBD8A}" type="datetimeFigureOut">
+              <a:rPr lang="en-US" smtClean="0">
+                <a:solidFill>
+                  <a:prstClr val="black">
+                    <a:tint val="75000"/>
+                  </a:prstClr>
+                </a:solidFill>
+              </a:rPr>
+              <a:pPr/>
+              <a:t>12/14/15</a:t>
+            </a:fld>
+            <a:endParaRPr lang="en-US">
+              <a:solidFill>
+                <a:prstClr val="black">
+                  <a:tint val="75000"/>
+                </a:prstClr>
+              </a:solidFill>
+            </a:endParaRPr>
+          </a:p>
+        </p:txBody>
+      </p:sp>
+      <p:sp>
+        <p:nvSpPr>
+          <p:cNvPr id="6" name="Footer Placeholder 5"/>
+          <p:cNvSpPr>
+            <a:spLocks noGrp="1"/>
+          </p:cNvSpPr>
+          <p:nvPr>
+            <p:ph type="ftr" sz="quarter" idx="11"/>
+          </p:nvPr>
+        </p:nvSpPr>
+        <p:spPr/>
+        <p:txBody>
+          <a:bodyPr/>
+          <a:lstStyle/>
+          <a:p>
+            <a:endParaRPr lang="en-US">
+              <a:solidFill>
+                <a:prstClr val="black">
+                  <a:tint val="75000"/>
+                </a:prstClr>
+              </a:solidFill>
+            </a:endParaRPr>
+          </a:p>
+        </p:txBody>
+      </p:sp>
+      <p:sp>
+        <p:nvSpPr>
+          <p:cNvPr id="7" name="Slide Number Placeholder 6"/>
+          <p:cNvSpPr>
+            <a:spLocks noGrp="1"/>
+          </p:cNvSpPr>
+          <p:nvPr>
+            <p:ph type="sldNum" sz="quarter" idx="12"/>
+          </p:nvPr>
+        </p:nvSpPr>
+        <p:spPr/>
+        <p:txBody>
+          <a:bodyPr/>
+          <a:lstStyle/>
+          <a:p>
+            <a:fld id="{A5E2EACC-D4B0-3045-B4AB-6B247433880E}" type="slidenum">
+              <a:rPr lang="en-US" smtClean="0">
+                <a:solidFill>
+                  <a:prstClr val="black">
+                    <a:tint val="75000"/>
+                  </a:prstClr>
+                </a:solidFill>
+              </a:rPr>
+              <a:pPr/>
+              <a:t>‹#›</a:t>
+            </a:fld>
+            <a:endParaRPr lang="en-US">
+              <a:solidFill>
+                <a:prstClr val="black">
+                  <a:tint val="75000"/>
+                </a:prstClr>
+              </a:solidFill>
+            </a:endParaRPr>
+          </a:p>
+        </p:txBody>
+      </p:sp>
+    </p:spTree>
+    <p:extLst>
+      <p:ext uri="{BB962C8B-B14F-4D97-AF65-F5344CB8AC3E}">
+        <p14:creationId xmlns:p14="http://schemas.microsoft.com/office/powerpoint/2010/main" val="1097587510"/>
+      </p:ext>
+    </p:extLst>
+  </p:cSld>
+  <p:clrMapOvr>
+    <a:masterClrMapping/>
+  </p:clrMapOvr>
+</p:sldLayout>
+</file>
+
+<file path=ppt/slideLayouts/slideLayout17.xml><?xml version="1.0" encoding="utf-8"?>
+<p:sldLayout xmlns:a="http://schemas.openxmlformats.org/drawingml/2006/main" xmlns:r="http://schemas.openxmlformats.org/officeDocument/2006/relationships" xmlns:p="http://schemas.openxmlformats.org/presentationml/2006/main" type="vertTx" preserve="1">
+  <p:cSld name="Title and Vertical Text">
+    <p:spTree>
+      <p:nvGrpSpPr>
+        <p:cNvPr id="1" name=""/>
+        <p:cNvGrpSpPr/>
+        <p:nvPr/>
+      </p:nvGrpSpPr>
+      <p:grpSpPr>
+        <a:xfrm>
+          <a:off x="0" y="0"/>
+          <a:ext cx="0" cy="0"/>
+          <a:chOff x="0" y="0"/>
+          <a:chExt cx="0" cy="0"/>
+        </a:xfrm>
+      </p:grpSpPr>
+      <p:sp>
+        <p:nvSpPr>
+          <p:cNvPr id="2" name="Title 1"/>
+          <p:cNvSpPr>
+            <a:spLocks noGrp="1"/>
+          </p:cNvSpPr>
+          <p:nvPr>
+            <p:ph type="title"/>
+          </p:nvPr>
+        </p:nvSpPr>
+        <p:spPr/>
+        <p:txBody>
+          <a:bodyPr/>
+          <a:lstStyle/>
+          <a:p>
+            <a:r>
+              <a:rPr lang="en-US" smtClean="0"/>
+              <a:t>Click to edit Master title style</a:t>
+            </a:r>
+            <a:endParaRPr lang="en-US"/>
+          </a:p>
+        </p:txBody>
+      </p:sp>
+      <p:sp>
+        <p:nvSpPr>
+          <p:cNvPr id="3" name="Vertical Text Placeholder 2"/>
+          <p:cNvSpPr>
+            <a:spLocks noGrp="1"/>
+          </p:cNvSpPr>
+          <p:nvPr>
+            <p:ph type="body" orient="vert" idx="1"/>
+          </p:nvPr>
+        </p:nvSpPr>
+        <p:spPr/>
+        <p:txBody>
+          <a:bodyPr vert="eaVert"/>
+          <a:lstStyle/>
+          <a:p>
+            <a:pPr lvl="0"/>
+            <a:r>
+              <a:rPr lang="en-US" smtClean="0"/>
+              <a:t>Click to edit Master text styles</a:t>
+            </a:r>
+          </a:p>
+          <a:p>
+            <a:pPr lvl="1"/>
+            <a:r>
+              <a:rPr lang="en-US" smtClean="0"/>
+              <a:t>Second level</a:t>
+            </a:r>
+          </a:p>
+          <a:p>
+            <a:pPr lvl="2"/>
+            <a:r>
+              <a:rPr lang="en-US" smtClean="0"/>
+              <a:t>Third level</a:t>
+            </a:r>
+          </a:p>
+          <a:p>
+            <a:pPr lvl="3"/>
+            <a:r>
+              <a:rPr lang="en-US" smtClean="0"/>
+              <a:t>Fourth level</a:t>
+            </a:r>
+          </a:p>
+          <a:p>
+            <a:pPr lvl="4"/>
+            <a:r>
+              <a:rPr lang="en-US" smtClean="0"/>
+              <a:t>Fifth level</a:t>
+            </a:r>
+            <a:endParaRPr lang="en-US"/>
+          </a:p>
+        </p:txBody>
+      </p:sp>
+      <p:sp>
+        <p:nvSpPr>
+          <p:cNvPr id="4" name="Date Placeholder 3"/>
+          <p:cNvSpPr>
+            <a:spLocks noGrp="1"/>
+          </p:cNvSpPr>
+          <p:nvPr>
+            <p:ph type="dt" sz="half" idx="10"/>
+          </p:nvPr>
+        </p:nvSpPr>
+        <p:spPr/>
+        <p:txBody>
+          <a:bodyPr/>
+          <a:lstStyle/>
+          <a:p>
+            <a:fld id="{06052D99-9D0E-D346-BA7D-E615F2BFBD8A}" type="datetimeFigureOut">
+              <a:rPr lang="en-US" smtClean="0">
+                <a:solidFill>
+                  <a:prstClr val="black">
+                    <a:tint val="75000"/>
+                  </a:prstClr>
+                </a:solidFill>
+              </a:rPr>
+              <a:pPr/>
+              <a:t>12/14/15</a:t>
+            </a:fld>
+            <a:endParaRPr lang="en-US">
+              <a:solidFill>
+                <a:prstClr val="black">
+                  <a:tint val="75000"/>
+                </a:prstClr>
+              </a:solidFill>
+            </a:endParaRPr>
+          </a:p>
+        </p:txBody>
+      </p:sp>
+      <p:sp>
+        <p:nvSpPr>
+          <p:cNvPr id="5" name="Footer Placeholder 4"/>
+          <p:cNvSpPr>
+            <a:spLocks noGrp="1"/>
+          </p:cNvSpPr>
+          <p:nvPr>
+            <p:ph type="ftr" sz="quarter" idx="11"/>
+          </p:nvPr>
+        </p:nvSpPr>
+        <p:spPr/>
+        <p:txBody>
+          <a:bodyPr/>
+          <a:lstStyle/>
+          <a:p>
+            <a:endParaRPr lang="en-US">
+              <a:solidFill>
+                <a:prstClr val="black">
+                  <a:tint val="75000"/>
+                </a:prstClr>
+              </a:solidFill>
+            </a:endParaRPr>
+          </a:p>
+        </p:txBody>
+      </p:sp>
+      <p:sp>
+        <p:nvSpPr>
+          <p:cNvPr id="6" name="Slide Number Placeholder 5"/>
+          <p:cNvSpPr>
+            <a:spLocks noGrp="1"/>
+          </p:cNvSpPr>
+          <p:nvPr>
+            <p:ph type="sldNum" sz="quarter" idx="12"/>
+          </p:nvPr>
+        </p:nvSpPr>
+        <p:spPr/>
+        <p:txBody>
+          <a:bodyPr/>
+          <a:lstStyle/>
+          <a:p>
+            <a:fld id="{A5E2EACC-D4B0-3045-B4AB-6B247433880E}" type="slidenum">
+              <a:rPr lang="en-US" smtClean="0">
+                <a:solidFill>
+                  <a:prstClr val="black">
+                    <a:tint val="75000"/>
+                  </a:prstClr>
+                </a:solidFill>
+              </a:rPr>
+              <a:pPr/>
+              <a:t>‹#›</a:t>
+            </a:fld>
+            <a:endParaRPr lang="en-US">
+              <a:solidFill>
+                <a:prstClr val="black">
+                  <a:tint val="75000"/>
+                </a:prstClr>
+              </a:solidFill>
+            </a:endParaRPr>
+          </a:p>
+        </p:txBody>
+      </p:sp>
+    </p:spTree>
+    <p:extLst>
+      <p:ext uri="{BB962C8B-B14F-4D97-AF65-F5344CB8AC3E}">
+        <p14:creationId xmlns:p14="http://schemas.microsoft.com/office/powerpoint/2010/main" val="770872239"/>
+      </p:ext>
+    </p:extLst>
+  </p:cSld>
+  <p:clrMapOvr>
+    <a:masterClrMapping/>
+  </p:clrMapOvr>
+</p:sldLayout>
+</file>
+
+<file path=ppt/slideLayouts/slideLayout18.xml><?xml version="1.0" encoding="utf-8"?>
+<p:sldLayout xmlns:a="http://schemas.openxmlformats.org/drawingml/2006/main" xmlns:r="http://schemas.openxmlformats.org/officeDocument/2006/relationships" xmlns:p="http://schemas.openxmlformats.org/presentationml/2006/main" type="vertTitleAndTx" preserve="1">
+  <p:cSld name="Vertical Title and Text">
+    <p:spTree>
+      <p:nvGrpSpPr>
+        <p:cNvPr id="1" name=""/>
+        <p:cNvGrpSpPr/>
+        <p:nvPr/>
+      </p:nvGrpSpPr>
+      <p:grpSpPr>
+        <a:xfrm>
+          <a:off x="0" y="0"/>
+          <a:ext cx="0" cy="0"/>
+          <a:chOff x="0" y="0"/>
+          <a:chExt cx="0" cy="0"/>
+        </a:xfrm>
+      </p:grpSpPr>
+      <p:sp>
+        <p:nvSpPr>
+          <p:cNvPr id="2" name="Vertical Title 1"/>
+          <p:cNvSpPr>
+            <a:spLocks noGrp="1"/>
+          </p:cNvSpPr>
+          <p:nvPr>
+            <p:ph type="title" orient="vert"/>
+          </p:nvPr>
+        </p:nvSpPr>
+        <p:spPr>
+          <a:xfrm>
+            <a:off x="4907757" y="365125"/>
+            <a:ext cx="1478756" cy="5811838"/>
+          </a:xfrm>
+        </p:spPr>
+        <p:txBody>
+          <a:bodyPr vert="eaVert"/>
+          <a:lstStyle/>
+          <a:p>
+            <a:r>
+              <a:rPr lang="en-US" smtClean="0"/>
+              <a:t>Click to edit Master title style</a:t>
+            </a:r>
+            <a:endParaRPr lang="en-US"/>
+          </a:p>
+        </p:txBody>
+      </p:sp>
+      <p:sp>
+        <p:nvSpPr>
+          <p:cNvPr id="3" name="Vertical Text Placeholder 2"/>
+          <p:cNvSpPr>
+            <a:spLocks noGrp="1"/>
+          </p:cNvSpPr>
+          <p:nvPr>
+            <p:ph type="body" orient="vert" idx="1"/>
+          </p:nvPr>
+        </p:nvSpPr>
+        <p:spPr>
+          <a:xfrm>
+            <a:off x="471488" y="365125"/>
+            <a:ext cx="4321969" cy="5811838"/>
+          </a:xfrm>
+        </p:spPr>
+        <p:txBody>
+          <a:bodyPr vert="eaVert"/>
+          <a:lstStyle/>
+          <a:p>
+            <a:pPr lvl="0"/>
+            <a:r>
+              <a:rPr lang="en-US" smtClean="0"/>
+              <a:t>Click to edit Master text styles</a:t>
+            </a:r>
+          </a:p>
+          <a:p>
+            <a:pPr lvl="1"/>
+            <a:r>
+              <a:rPr lang="en-US" smtClean="0"/>
+              <a:t>Second level</a:t>
+            </a:r>
+          </a:p>
+          <a:p>
+            <a:pPr lvl="2"/>
+            <a:r>
+              <a:rPr lang="en-US" smtClean="0"/>
+              <a:t>Third level</a:t>
+            </a:r>
+          </a:p>
+          <a:p>
+            <a:pPr lvl="3"/>
+            <a:r>
+              <a:rPr lang="en-US" smtClean="0"/>
+              <a:t>Fourth level</a:t>
+            </a:r>
+          </a:p>
+          <a:p>
+            <a:pPr lvl="4"/>
+            <a:r>
+              <a:rPr lang="en-US" smtClean="0"/>
+              <a:t>Fifth level</a:t>
+            </a:r>
+            <a:endParaRPr lang="en-US"/>
+          </a:p>
+        </p:txBody>
+      </p:sp>
+      <p:sp>
+        <p:nvSpPr>
+          <p:cNvPr id="4" name="Date Placeholder 3"/>
+          <p:cNvSpPr>
+            <a:spLocks noGrp="1"/>
+          </p:cNvSpPr>
+          <p:nvPr>
+            <p:ph type="dt" sz="half" idx="10"/>
+          </p:nvPr>
+        </p:nvSpPr>
+        <p:spPr/>
+        <p:txBody>
+          <a:bodyPr/>
+          <a:lstStyle/>
+          <a:p>
+            <a:fld id="{06052D99-9D0E-D346-BA7D-E615F2BFBD8A}" type="datetimeFigureOut">
+              <a:rPr lang="en-US" smtClean="0">
+                <a:solidFill>
+                  <a:prstClr val="black">
+                    <a:tint val="75000"/>
+                  </a:prstClr>
+                </a:solidFill>
+              </a:rPr>
+              <a:pPr/>
+              <a:t>12/14/15</a:t>
+            </a:fld>
+            <a:endParaRPr lang="en-US">
+              <a:solidFill>
+                <a:prstClr val="black">
+                  <a:tint val="75000"/>
+                </a:prstClr>
+              </a:solidFill>
+            </a:endParaRPr>
+          </a:p>
+        </p:txBody>
+      </p:sp>
+      <p:sp>
+        <p:nvSpPr>
+          <p:cNvPr id="5" name="Footer Placeholder 4"/>
+          <p:cNvSpPr>
+            <a:spLocks noGrp="1"/>
+          </p:cNvSpPr>
+          <p:nvPr>
+            <p:ph type="ftr" sz="quarter" idx="11"/>
+          </p:nvPr>
+        </p:nvSpPr>
+        <p:spPr/>
+        <p:txBody>
+          <a:bodyPr/>
+          <a:lstStyle/>
+          <a:p>
+            <a:endParaRPr lang="en-US">
+              <a:solidFill>
+                <a:prstClr val="black">
+                  <a:tint val="75000"/>
+                </a:prstClr>
+              </a:solidFill>
+            </a:endParaRPr>
+          </a:p>
+        </p:txBody>
+      </p:sp>
+      <p:sp>
+        <p:nvSpPr>
+          <p:cNvPr id="6" name="Slide Number Placeholder 5"/>
+          <p:cNvSpPr>
+            <a:spLocks noGrp="1"/>
+          </p:cNvSpPr>
+          <p:nvPr>
+            <p:ph type="sldNum" sz="quarter" idx="12"/>
+          </p:nvPr>
+        </p:nvSpPr>
+        <p:spPr/>
+        <p:txBody>
+          <a:bodyPr/>
+          <a:lstStyle/>
+          <a:p>
+            <a:fld id="{A5E2EACC-D4B0-3045-B4AB-6B247433880E}" type="slidenum">
+              <a:rPr lang="en-US" smtClean="0">
+                <a:solidFill>
+                  <a:prstClr val="black">
+                    <a:tint val="75000"/>
+                  </a:prstClr>
+                </a:solidFill>
+              </a:rPr>
+              <a:pPr/>
+              <a:t>‹#›</a:t>
+            </a:fld>
+            <a:endParaRPr lang="en-US">
+              <a:solidFill>
+                <a:prstClr val="black">
+                  <a:tint val="75000"/>
+                </a:prstClr>
+              </a:solidFill>
+            </a:endParaRPr>
+          </a:p>
+        </p:txBody>
+      </p:sp>
+    </p:spTree>
+    <p:extLst>
+      <p:ext uri="{BB962C8B-B14F-4D97-AF65-F5344CB8AC3E}">
+        <p14:creationId xmlns:p14="http://schemas.microsoft.com/office/powerpoint/2010/main" val="556263148"/>
       </p:ext>
     </p:extLst>
   </p:cSld>
@@ -4223,6 +6260,432 @@
     <p:extLst>
       <p:ext uri="{BB962C8B-B14F-4D97-AF65-F5344CB8AC3E}">
         <p14:creationId xmlns:p14="http://schemas.microsoft.com/office/powerpoint/2010/main" val="503036244"/>
+      </p:ext>
+    </p:extLst>
+  </p:cSld>
+  <p:clrMapOvr>
+    <a:masterClrMapping/>
+  </p:clrMapOvr>
+</p:sldLayout>
+</file>
+
+<file path=ppt/slideLayouts/slideLayout8.xml><?xml version="1.0" encoding="utf-8"?>
+<p:sldLayout xmlns:a="http://schemas.openxmlformats.org/drawingml/2006/main" xmlns:r="http://schemas.openxmlformats.org/officeDocument/2006/relationships" xmlns:p="http://schemas.openxmlformats.org/presentationml/2006/main" type="title" preserve="1">
+  <p:cSld name="Title Slide">
+    <p:spTree>
+      <p:nvGrpSpPr>
+        <p:cNvPr id="1" name=""/>
+        <p:cNvGrpSpPr/>
+        <p:nvPr/>
+      </p:nvGrpSpPr>
+      <p:grpSpPr>
+        <a:xfrm>
+          <a:off x="0" y="0"/>
+          <a:ext cx="0" cy="0"/>
+          <a:chOff x="0" y="0"/>
+          <a:chExt cx="0" cy="0"/>
+        </a:xfrm>
+      </p:grpSpPr>
+      <p:sp>
+        <p:nvSpPr>
+          <p:cNvPr id="2" name="Title 1"/>
+          <p:cNvSpPr>
+            <a:spLocks noGrp="1"/>
+          </p:cNvSpPr>
+          <p:nvPr>
+            <p:ph type="ctrTitle"/>
+          </p:nvPr>
+        </p:nvSpPr>
+        <p:spPr>
+          <a:xfrm>
+            <a:off x="1143000" y="1122363"/>
+            <a:ext cx="6858000" cy="2387600"/>
+          </a:xfrm>
+        </p:spPr>
+        <p:txBody>
+          <a:bodyPr anchor="b"/>
+          <a:lstStyle>
+            <a:lvl1pPr algn="ctr">
+              <a:defRPr sz="4500"/>
+            </a:lvl1pPr>
+          </a:lstStyle>
+          <a:p>
+            <a:r>
+              <a:rPr lang="en-US" smtClean="0"/>
+              <a:t>Click to edit Master title style</a:t>
+            </a:r>
+            <a:endParaRPr lang="en-US"/>
+          </a:p>
+        </p:txBody>
+      </p:sp>
+      <p:sp>
+        <p:nvSpPr>
+          <p:cNvPr id="3" name="Subtitle 2"/>
+          <p:cNvSpPr>
+            <a:spLocks noGrp="1"/>
+          </p:cNvSpPr>
+          <p:nvPr>
+            <p:ph type="subTitle" idx="1"/>
+          </p:nvPr>
+        </p:nvSpPr>
+        <p:spPr>
+          <a:xfrm>
+            <a:off x="1143000" y="3602038"/>
+            <a:ext cx="6858000" cy="1655762"/>
+          </a:xfrm>
+        </p:spPr>
+        <p:txBody>
+          <a:bodyPr/>
+          <a:lstStyle>
+            <a:lvl1pPr marL="0" indent="0" algn="ctr">
+              <a:buNone/>
+              <a:defRPr sz="1800"/>
+            </a:lvl1pPr>
+            <a:lvl2pPr marL="342900" indent="0" algn="ctr">
+              <a:buNone/>
+              <a:defRPr sz="1500"/>
+            </a:lvl2pPr>
+            <a:lvl3pPr marL="685800" indent="0" algn="ctr">
+              <a:buNone/>
+              <a:defRPr sz="1350"/>
+            </a:lvl3pPr>
+            <a:lvl4pPr marL="1028700" indent="0" algn="ctr">
+              <a:buNone/>
+              <a:defRPr sz="1200"/>
+            </a:lvl4pPr>
+            <a:lvl5pPr marL="1371600" indent="0" algn="ctr">
+              <a:buNone/>
+              <a:defRPr sz="1200"/>
+            </a:lvl5pPr>
+            <a:lvl6pPr marL="1714500" indent="0" algn="ctr">
+              <a:buNone/>
+              <a:defRPr sz="1200"/>
+            </a:lvl6pPr>
+            <a:lvl7pPr marL="2057400" indent="0" algn="ctr">
+              <a:buNone/>
+              <a:defRPr sz="1200"/>
+            </a:lvl7pPr>
+            <a:lvl8pPr marL="2400300" indent="0" algn="ctr">
+              <a:buNone/>
+              <a:defRPr sz="1200"/>
+            </a:lvl8pPr>
+            <a:lvl9pPr marL="2743200" indent="0" algn="ctr">
+              <a:buNone/>
+              <a:defRPr sz="1200"/>
+            </a:lvl9pPr>
+          </a:lstStyle>
+          <a:p>
+            <a:r>
+              <a:rPr lang="en-US" smtClean="0"/>
+              <a:t>Click to edit Master subtitle style</a:t>
+            </a:r>
+            <a:endParaRPr lang="en-US"/>
+          </a:p>
+        </p:txBody>
+      </p:sp>
+      <p:sp>
+        <p:nvSpPr>
+          <p:cNvPr id="4" name="Date Placeholder 3"/>
+          <p:cNvSpPr>
+            <a:spLocks noGrp="1"/>
+          </p:cNvSpPr>
+          <p:nvPr>
+            <p:ph type="dt" sz="half" idx="10"/>
+          </p:nvPr>
+        </p:nvSpPr>
+        <p:spPr/>
+        <p:txBody>
+          <a:bodyPr/>
+          <a:lstStyle/>
+          <a:p>
+            <a:fld id="{06052D99-9D0E-D346-BA7D-E615F2BFBD8A}" type="datetimeFigureOut">
+              <a:rPr lang="en-US" smtClean="0">
+                <a:solidFill>
+                  <a:prstClr val="black">
+                    <a:tint val="75000"/>
+                  </a:prstClr>
+                </a:solidFill>
+              </a:rPr>
+              <a:pPr/>
+              <a:t>12/14/15</a:t>
+            </a:fld>
+            <a:endParaRPr lang="en-US">
+              <a:solidFill>
+                <a:prstClr val="black">
+                  <a:tint val="75000"/>
+                </a:prstClr>
+              </a:solidFill>
+            </a:endParaRPr>
+          </a:p>
+        </p:txBody>
+      </p:sp>
+      <p:sp>
+        <p:nvSpPr>
+          <p:cNvPr id="5" name="Footer Placeholder 4"/>
+          <p:cNvSpPr>
+            <a:spLocks noGrp="1"/>
+          </p:cNvSpPr>
+          <p:nvPr>
+            <p:ph type="ftr" sz="quarter" idx="11"/>
+          </p:nvPr>
+        </p:nvSpPr>
+        <p:spPr/>
+        <p:txBody>
+          <a:bodyPr/>
+          <a:lstStyle/>
+          <a:p>
+            <a:endParaRPr lang="en-US">
+              <a:solidFill>
+                <a:prstClr val="black">
+                  <a:tint val="75000"/>
+                </a:prstClr>
+              </a:solidFill>
+            </a:endParaRPr>
+          </a:p>
+        </p:txBody>
+      </p:sp>
+      <p:sp>
+        <p:nvSpPr>
+          <p:cNvPr id="6" name="Slide Number Placeholder 5"/>
+          <p:cNvSpPr>
+            <a:spLocks noGrp="1"/>
+          </p:cNvSpPr>
+          <p:nvPr>
+            <p:ph type="sldNum" sz="quarter" idx="12"/>
+          </p:nvPr>
+        </p:nvSpPr>
+        <p:spPr/>
+        <p:txBody>
+          <a:bodyPr/>
+          <a:lstStyle/>
+          <a:p>
+            <a:fld id="{A5E2EACC-D4B0-3045-B4AB-6B247433880E}" type="slidenum">
+              <a:rPr lang="en-US" smtClean="0">
+                <a:solidFill>
+                  <a:prstClr val="black">
+                    <a:tint val="75000"/>
+                  </a:prstClr>
+                </a:solidFill>
+              </a:rPr>
+              <a:pPr/>
+              <a:t>‹#›</a:t>
+            </a:fld>
+            <a:endParaRPr lang="en-US">
+              <a:solidFill>
+                <a:prstClr val="black">
+                  <a:tint val="75000"/>
+                </a:prstClr>
+              </a:solidFill>
+            </a:endParaRPr>
+          </a:p>
+        </p:txBody>
+      </p:sp>
+    </p:spTree>
+    <p:extLst>
+      <p:ext uri="{BB962C8B-B14F-4D97-AF65-F5344CB8AC3E}">
+        <p14:creationId xmlns:p14="http://schemas.microsoft.com/office/powerpoint/2010/main" val="1464519440"/>
+      </p:ext>
+    </p:extLst>
+  </p:cSld>
+  <p:clrMapOvr>
+    <a:masterClrMapping/>
+  </p:clrMapOvr>
+</p:sldLayout>
+</file>
+
+<file path=ppt/slideLayouts/slideLayout9.xml><?xml version="1.0" encoding="utf-8"?>
+<p:sldLayout xmlns:a="http://schemas.openxmlformats.org/drawingml/2006/main" xmlns:r="http://schemas.openxmlformats.org/officeDocument/2006/relationships" xmlns:p="http://schemas.openxmlformats.org/presentationml/2006/main" type="obj" preserve="1">
+  <p:cSld name="Title and Content">
+    <p:spTree>
+      <p:nvGrpSpPr>
+        <p:cNvPr id="1" name=""/>
+        <p:cNvGrpSpPr/>
+        <p:nvPr/>
+      </p:nvGrpSpPr>
+      <p:grpSpPr>
+        <a:xfrm>
+          <a:off x="0" y="0"/>
+          <a:ext cx="0" cy="0"/>
+          <a:chOff x="0" y="0"/>
+          <a:chExt cx="0" cy="0"/>
+        </a:xfrm>
+      </p:grpSpPr>
+      <p:sp>
+        <p:nvSpPr>
+          <p:cNvPr id="2" name="Title 1"/>
+          <p:cNvSpPr>
+            <a:spLocks noGrp="1"/>
+          </p:cNvSpPr>
+          <p:nvPr>
+            <p:ph type="title"/>
+          </p:nvPr>
+        </p:nvSpPr>
+        <p:spPr/>
+        <p:txBody>
+          <a:bodyPr/>
+          <a:lstStyle/>
+          <a:p>
+            <a:r>
+              <a:rPr lang="en-US" smtClean="0"/>
+              <a:t>Click to edit Master title style</a:t>
+            </a:r>
+            <a:endParaRPr lang="en-US"/>
+          </a:p>
+        </p:txBody>
+      </p:sp>
+      <p:sp>
+        <p:nvSpPr>
+          <p:cNvPr id="3" name="Content Placeholder 2"/>
+          <p:cNvSpPr>
+            <a:spLocks noGrp="1"/>
+          </p:cNvSpPr>
+          <p:nvPr>
+            <p:ph idx="1"/>
+          </p:nvPr>
+        </p:nvSpPr>
+        <p:spPr/>
+        <p:txBody>
+          <a:bodyPr/>
+          <a:lstStyle/>
+          <a:p>
+            <a:pPr lvl="0"/>
+            <a:r>
+              <a:rPr lang="en-US" smtClean="0"/>
+              <a:t>Click to edit Master text styles</a:t>
+            </a:r>
+          </a:p>
+          <a:p>
+            <a:pPr lvl="1"/>
+            <a:r>
+              <a:rPr lang="en-US" smtClean="0"/>
+              <a:t>Second level</a:t>
+            </a:r>
+          </a:p>
+          <a:p>
+            <a:pPr lvl="2"/>
+            <a:r>
+              <a:rPr lang="en-US" smtClean="0"/>
+              <a:t>Third level</a:t>
+            </a:r>
+          </a:p>
+          <a:p>
+            <a:pPr lvl="3"/>
+            <a:r>
+              <a:rPr lang="en-US" smtClean="0"/>
+              <a:t>Fourth level</a:t>
+            </a:r>
+          </a:p>
+          <a:p>
+            <a:pPr lvl="4"/>
+            <a:r>
+              <a:rPr lang="en-US" smtClean="0"/>
+              <a:t>Fifth level</a:t>
+            </a:r>
+            <a:endParaRPr lang="en-US"/>
+          </a:p>
+        </p:txBody>
+      </p:sp>
+      <p:sp>
+        <p:nvSpPr>
+          <p:cNvPr id="4" name="Date Placeholder 3"/>
+          <p:cNvSpPr>
+            <a:spLocks noGrp="1"/>
+          </p:cNvSpPr>
+          <p:nvPr>
+            <p:ph type="dt" sz="half" idx="10"/>
+          </p:nvPr>
+        </p:nvSpPr>
+        <p:spPr/>
+        <p:txBody>
+          <a:bodyPr/>
+          <a:lstStyle/>
+          <a:p>
+            <a:fld id="{06052D99-9D0E-D346-BA7D-E615F2BFBD8A}" type="datetimeFigureOut">
+              <a:rPr lang="en-US" smtClean="0">
+                <a:solidFill>
+                  <a:prstClr val="black">
+                    <a:tint val="75000"/>
+                  </a:prstClr>
+                </a:solidFill>
+              </a:rPr>
+              <a:pPr/>
+              <a:t>12/14/15</a:t>
+            </a:fld>
+            <a:endParaRPr lang="en-US">
+              <a:solidFill>
+                <a:prstClr val="black">
+                  <a:tint val="75000"/>
+                </a:prstClr>
+              </a:solidFill>
+            </a:endParaRPr>
+          </a:p>
+        </p:txBody>
+      </p:sp>
+      <p:sp>
+        <p:nvSpPr>
+          <p:cNvPr id="5" name="Footer Placeholder 4"/>
+          <p:cNvSpPr>
+            <a:spLocks noGrp="1"/>
+          </p:cNvSpPr>
+          <p:nvPr>
+            <p:ph type="ftr" sz="quarter" idx="11"/>
+          </p:nvPr>
+        </p:nvSpPr>
+        <p:spPr/>
+        <p:txBody>
+          <a:bodyPr/>
+          <a:lstStyle/>
+          <a:p>
+            <a:endParaRPr lang="en-US">
+              <a:solidFill>
+                <a:prstClr val="black">
+                  <a:tint val="75000"/>
+                </a:prstClr>
+              </a:solidFill>
+            </a:endParaRPr>
+          </a:p>
+        </p:txBody>
+      </p:sp>
+      <p:sp>
+        <p:nvSpPr>
+          <p:cNvPr id="6" name="Slide Number Placeholder 5"/>
+          <p:cNvSpPr>
+            <a:spLocks noGrp="1"/>
+          </p:cNvSpPr>
+          <p:nvPr>
+            <p:ph type="sldNum" sz="quarter" idx="12"/>
+          </p:nvPr>
+        </p:nvSpPr>
+        <p:spPr/>
+        <p:txBody>
+          <a:bodyPr/>
+          <a:lstStyle/>
+          <a:p>
+            <a:fld id="{A5E2EACC-D4B0-3045-B4AB-6B247433880E}" type="slidenum">
+              <a:rPr lang="en-US" smtClean="0">
+                <a:solidFill>
+                  <a:prstClr val="black">
+                    <a:tint val="75000"/>
+                  </a:prstClr>
+                </a:solidFill>
+              </a:rPr>
+              <a:pPr/>
+              <a:t>‹#›</a:t>
+            </a:fld>
+            <a:endParaRPr lang="en-US">
+              <a:solidFill>
+                <a:prstClr val="black">
+                  <a:tint val="75000"/>
+                </a:prstClr>
+              </a:solidFill>
+            </a:endParaRPr>
+          </a:p>
+        </p:txBody>
+      </p:sp>
+    </p:spTree>
+    <p:extLst>
+      <p:ext uri="{BB962C8B-B14F-4D97-AF65-F5344CB8AC3E}">
+        <p14:creationId xmlns:p14="http://schemas.microsoft.com/office/powerpoint/2010/main" val="1782987951"/>
       </p:ext>
     </p:extLst>
   </p:cSld>
@@ -5995,6 +8458,578 @@
 </p:sldMaster>
 </file>
 
+<file path=ppt/slideMasters/slideMaster3.xml><?xml version="1.0" encoding="utf-8"?>
+<p:sldMaster xmlns:a="http://schemas.openxmlformats.org/drawingml/2006/main" xmlns:r="http://schemas.openxmlformats.org/officeDocument/2006/relationships" xmlns:p="http://schemas.openxmlformats.org/presentationml/2006/main">
+  <p:cSld>
+    <p:bg>
+      <p:bgRef idx="1001">
+        <a:schemeClr val="bg1"/>
+      </p:bgRef>
+    </p:bg>
+    <p:spTree>
+      <p:nvGrpSpPr>
+        <p:cNvPr id="1" name=""/>
+        <p:cNvGrpSpPr/>
+        <p:nvPr/>
+      </p:nvGrpSpPr>
+      <p:grpSpPr>
+        <a:xfrm>
+          <a:off x="0" y="0"/>
+          <a:ext cx="0" cy="0"/>
+          <a:chOff x="0" y="0"/>
+          <a:chExt cx="0" cy="0"/>
+        </a:xfrm>
+      </p:grpSpPr>
+      <p:sp>
+        <p:nvSpPr>
+          <p:cNvPr id="2" name="Title Placeholder 1"/>
+          <p:cNvSpPr>
+            <a:spLocks noGrp="1"/>
+          </p:cNvSpPr>
+          <p:nvPr>
+            <p:ph type="title"/>
+          </p:nvPr>
+        </p:nvSpPr>
+        <p:spPr>
+          <a:xfrm>
+            <a:off x="628650" y="365126"/>
+            <a:ext cx="7886700" cy="1325563"/>
+          </a:xfrm>
+          <a:prstGeom prst="rect">
+            <a:avLst/>
+          </a:prstGeom>
+        </p:spPr>
+        <p:txBody>
+          <a:bodyPr vert="horz" lIns="91440" tIns="45720" rIns="91440" bIns="45720" rtlCol="0" anchor="ctr">
+            <a:normAutofit/>
+          </a:bodyPr>
+          <a:lstStyle/>
+          <a:p>
+            <a:r>
+              <a:rPr lang="en-US" smtClean="0"/>
+              <a:t>Click to edit Master title style</a:t>
+            </a:r>
+            <a:endParaRPr lang="en-US"/>
+          </a:p>
+        </p:txBody>
+      </p:sp>
+      <p:sp>
+        <p:nvSpPr>
+          <p:cNvPr id="3" name="Text Placeholder 2"/>
+          <p:cNvSpPr>
+            <a:spLocks noGrp="1"/>
+          </p:cNvSpPr>
+          <p:nvPr>
+            <p:ph type="body" idx="1"/>
+          </p:nvPr>
+        </p:nvSpPr>
+        <p:spPr>
+          <a:xfrm>
+            <a:off x="628650" y="1825625"/>
+            <a:ext cx="7886700" cy="4351338"/>
+          </a:xfrm>
+          <a:prstGeom prst="rect">
+            <a:avLst/>
+          </a:prstGeom>
+        </p:spPr>
+        <p:txBody>
+          <a:bodyPr vert="horz" lIns="91440" tIns="45720" rIns="91440" bIns="45720" rtlCol="0">
+            <a:normAutofit/>
+          </a:bodyPr>
+          <a:lstStyle/>
+          <a:p>
+            <a:pPr lvl="0"/>
+            <a:r>
+              <a:rPr lang="en-US" smtClean="0"/>
+              <a:t>Click to edit Master text styles</a:t>
+            </a:r>
+          </a:p>
+          <a:p>
+            <a:pPr lvl="1"/>
+            <a:r>
+              <a:rPr lang="en-US" smtClean="0"/>
+              <a:t>Second level</a:t>
+            </a:r>
+          </a:p>
+          <a:p>
+            <a:pPr lvl="2"/>
+            <a:r>
+              <a:rPr lang="en-US" smtClean="0"/>
+              <a:t>Third level</a:t>
+            </a:r>
+          </a:p>
+          <a:p>
+            <a:pPr lvl="3"/>
+            <a:r>
+              <a:rPr lang="en-US" smtClean="0"/>
+              <a:t>Fourth level</a:t>
+            </a:r>
+          </a:p>
+          <a:p>
+            <a:pPr lvl="4"/>
+            <a:r>
+              <a:rPr lang="en-US" smtClean="0"/>
+              <a:t>Fifth level</a:t>
+            </a:r>
+            <a:endParaRPr lang="en-US"/>
+          </a:p>
+        </p:txBody>
+      </p:sp>
+      <p:sp>
+        <p:nvSpPr>
+          <p:cNvPr id="4" name="Date Placeholder 3"/>
+          <p:cNvSpPr>
+            <a:spLocks noGrp="1"/>
+          </p:cNvSpPr>
+          <p:nvPr>
+            <p:ph type="dt" sz="half" idx="2"/>
+          </p:nvPr>
+        </p:nvSpPr>
+        <p:spPr>
+          <a:xfrm>
+            <a:off x="628650" y="6356351"/>
+            <a:ext cx="2057400" cy="365125"/>
+          </a:xfrm>
+          <a:prstGeom prst="rect">
+            <a:avLst/>
+          </a:prstGeom>
+        </p:spPr>
+        <p:txBody>
+          <a:bodyPr vert="horz" lIns="91440" tIns="45720" rIns="91440" bIns="45720" rtlCol="0" anchor="ctr"/>
+          <a:lstStyle>
+            <a:lvl1pPr algn="l">
+              <a:defRPr sz="900">
+                <a:solidFill>
+                  <a:schemeClr val="tx1">
+                    <a:tint val="75000"/>
+                  </a:schemeClr>
+                </a:solidFill>
+              </a:defRPr>
+            </a:lvl1pPr>
+          </a:lstStyle>
+          <a:p>
+            <a:fld id="{06052D99-9D0E-D346-BA7D-E615F2BFBD8A}" type="datetimeFigureOut">
+              <a:rPr lang="en-US" smtClean="0">
+                <a:solidFill>
+                  <a:prstClr val="black">
+                    <a:tint val="75000"/>
+                  </a:prstClr>
+                </a:solidFill>
+              </a:rPr>
+              <a:pPr/>
+              <a:t>12/14/15</a:t>
+            </a:fld>
+            <a:endParaRPr lang="en-US">
+              <a:solidFill>
+                <a:prstClr val="black">
+                  <a:tint val="75000"/>
+                </a:prstClr>
+              </a:solidFill>
+            </a:endParaRPr>
+          </a:p>
+        </p:txBody>
+      </p:sp>
+      <p:sp>
+        <p:nvSpPr>
+          <p:cNvPr id="5" name="Footer Placeholder 4"/>
+          <p:cNvSpPr>
+            <a:spLocks noGrp="1"/>
+          </p:cNvSpPr>
+          <p:nvPr>
+            <p:ph type="ftr" sz="quarter" idx="3"/>
+          </p:nvPr>
+        </p:nvSpPr>
+        <p:spPr>
+          <a:xfrm>
+            <a:off x="3028950" y="6356351"/>
+            <a:ext cx="3086100" cy="365125"/>
+          </a:xfrm>
+          <a:prstGeom prst="rect">
+            <a:avLst/>
+          </a:prstGeom>
+        </p:spPr>
+        <p:txBody>
+          <a:bodyPr vert="horz" lIns="91440" tIns="45720" rIns="91440" bIns="45720" rtlCol="0" anchor="ctr"/>
+          <a:lstStyle>
+            <a:lvl1pPr algn="ctr">
+              <a:defRPr sz="900">
+                <a:solidFill>
+                  <a:schemeClr val="tx1">
+                    <a:tint val="75000"/>
+                  </a:schemeClr>
+                </a:solidFill>
+              </a:defRPr>
+            </a:lvl1pPr>
+          </a:lstStyle>
+          <a:p>
+            <a:endParaRPr lang="en-US">
+              <a:solidFill>
+                <a:prstClr val="black">
+                  <a:tint val="75000"/>
+                </a:prstClr>
+              </a:solidFill>
+            </a:endParaRPr>
+          </a:p>
+        </p:txBody>
+      </p:sp>
+      <p:sp>
+        <p:nvSpPr>
+          <p:cNvPr id="6" name="Slide Number Placeholder 5"/>
+          <p:cNvSpPr>
+            <a:spLocks noGrp="1"/>
+          </p:cNvSpPr>
+          <p:nvPr>
+            <p:ph type="sldNum" sz="quarter" idx="4"/>
+          </p:nvPr>
+        </p:nvSpPr>
+        <p:spPr>
+          <a:xfrm>
+            <a:off x="6457950" y="6356351"/>
+            <a:ext cx="2057400" cy="365125"/>
+          </a:xfrm>
+          <a:prstGeom prst="rect">
+            <a:avLst/>
+          </a:prstGeom>
+        </p:spPr>
+        <p:txBody>
+          <a:bodyPr vert="horz" lIns="91440" tIns="45720" rIns="91440" bIns="45720" rtlCol="0" anchor="ctr"/>
+          <a:lstStyle>
+            <a:lvl1pPr algn="r">
+              <a:defRPr sz="900">
+                <a:solidFill>
+                  <a:schemeClr val="tx1">
+                    <a:tint val="75000"/>
+                  </a:schemeClr>
+                </a:solidFill>
+              </a:defRPr>
+            </a:lvl1pPr>
+          </a:lstStyle>
+          <a:p>
+            <a:fld id="{A5E2EACC-D4B0-3045-B4AB-6B247433880E}" type="slidenum">
+              <a:rPr lang="en-US" smtClean="0">
+                <a:solidFill>
+                  <a:prstClr val="black">
+                    <a:tint val="75000"/>
+                  </a:prstClr>
+                </a:solidFill>
+              </a:rPr>
+              <a:pPr/>
+              <a:t>‹#›</a:t>
+            </a:fld>
+            <a:endParaRPr lang="en-US">
+              <a:solidFill>
+                <a:prstClr val="black">
+                  <a:tint val="75000"/>
+                </a:prstClr>
+              </a:solidFill>
+            </a:endParaRPr>
+          </a:p>
+        </p:txBody>
+      </p:sp>
+    </p:spTree>
+    <p:extLst>
+      <p:ext uri="{BB962C8B-B14F-4D97-AF65-F5344CB8AC3E}">
+        <p14:creationId xmlns:p14="http://schemas.microsoft.com/office/powerpoint/2010/main" val="1424926497"/>
+      </p:ext>
+    </p:extLst>
+  </p:cSld>
+  <p:clrMap bg1="lt1" tx1="dk1" bg2="lt2" tx2="dk2" accent1="accent1" accent2="accent2" accent3="accent3" accent4="accent4" accent5="accent5" accent6="accent6" hlink="hlink" folHlink="folHlink"/>
+  <p:sldLayoutIdLst>
+    <p:sldLayoutId id="2147483671" r:id="rId1"/>
+    <p:sldLayoutId id="2147483672" r:id="rId2"/>
+    <p:sldLayoutId id="2147483673" r:id="rId3"/>
+    <p:sldLayoutId id="2147483674" r:id="rId4"/>
+    <p:sldLayoutId id="2147483675" r:id="rId5"/>
+    <p:sldLayoutId id="2147483676" r:id="rId6"/>
+    <p:sldLayoutId id="2147483677" r:id="rId7"/>
+    <p:sldLayoutId id="2147483678" r:id="rId8"/>
+    <p:sldLayoutId id="2147483679" r:id="rId9"/>
+    <p:sldLayoutId id="2147483680" r:id="rId10"/>
+    <p:sldLayoutId id="2147483681" r:id="rId11"/>
+  </p:sldLayoutIdLst>
+  <p:txStyles>
+    <p:titleStyle>
+      <a:lvl1pPr algn="l" defTabSz="685800" rtl="0" eaLnBrk="1" latinLnBrk="0" hangingPunct="1">
+        <a:lnSpc>
+          <a:spcPct val="90000"/>
+        </a:lnSpc>
+        <a:spcBef>
+          <a:spcPct val="0"/>
+        </a:spcBef>
+        <a:buNone/>
+        <a:defRPr sz="3300" kern="1200">
+          <a:solidFill>
+            <a:schemeClr val="tx1"/>
+          </a:solidFill>
+          <a:latin typeface="+mj-lt"/>
+          <a:ea typeface="+mj-ea"/>
+          <a:cs typeface="+mj-cs"/>
+        </a:defRPr>
+      </a:lvl1pPr>
+    </p:titleStyle>
+    <p:bodyStyle>
+      <a:lvl1pPr marL="171450" indent="-171450" algn="l" defTabSz="685800" rtl="0" eaLnBrk="1" latinLnBrk="0" hangingPunct="1">
+        <a:lnSpc>
+          <a:spcPct val="90000"/>
+        </a:lnSpc>
+        <a:spcBef>
+          <a:spcPts val="750"/>
+        </a:spcBef>
+        <a:buFont typeface="Arial"/>
+        <a:buChar char="•"/>
+        <a:defRPr sz="2100" kern="1200">
+          <a:solidFill>
+            <a:schemeClr val="tx1"/>
+          </a:solidFill>
+          <a:latin typeface="+mn-lt"/>
+          <a:ea typeface="+mn-ea"/>
+          <a:cs typeface="+mn-cs"/>
+        </a:defRPr>
+      </a:lvl1pPr>
+      <a:lvl2pPr marL="514350" indent="-171450" algn="l" defTabSz="685800" rtl="0" eaLnBrk="1" latinLnBrk="0" hangingPunct="1">
+        <a:lnSpc>
+          <a:spcPct val="90000"/>
+        </a:lnSpc>
+        <a:spcBef>
+          <a:spcPts val="375"/>
+        </a:spcBef>
+        <a:buFont typeface="Arial"/>
+        <a:buChar char="•"/>
+        <a:defRPr sz="1800" kern="1200">
+          <a:solidFill>
+            <a:schemeClr val="tx1"/>
+          </a:solidFill>
+          <a:latin typeface="+mn-lt"/>
+          <a:ea typeface="+mn-ea"/>
+          <a:cs typeface="+mn-cs"/>
+        </a:defRPr>
+      </a:lvl2pPr>
+      <a:lvl3pPr marL="857250" indent="-171450" algn="l" defTabSz="685800" rtl="0" eaLnBrk="1" latinLnBrk="0" hangingPunct="1">
+        <a:lnSpc>
+          <a:spcPct val="90000"/>
+        </a:lnSpc>
+        <a:spcBef>
+          <a:spcPts val="375"/>
+        </a:spcBef>
+        <a:buFont typeface="Arial"/>
+        <a:buChar char="•"/>
+        <a:defRPr sz="1500" kern="1200">
+          <a:solidFill>
+            <a:schemeClr val="tx1"/>
+          </a:solidFill>
+          <a:latin typeface="+mn-lt"/>
+          <a:ea typeface="+mn-ea"/>
+          <a:cs typeface="+mn-cs"/>
+        </a:defRPr>
+      </a:lvl3pPr>
+      <a:lvl4pPr marL="1200150" indent="-171450" algn="l" defTabSz="685800" rtl="0" eaLnBrk="1" latinLnBrk="0" hangingPunct="1">
+        <a:lnSpc>
+          <a:spcPct val="90000"/>
+        </a:lnSpc>
+        <a:spcBef>
+          <a:spcPts val="375"/>
+        </a:spcBef>
+        <a:buFont typeface="Arial"/>
+        <a:buChar char="•"/>
+        <a:defRPr sz="1350" kern="1200">
+          <a:solidFill>
+            <a:schemeClr val="tx1"/>
+          </a:solidFill>
+          <a:latin typeface="+mn-lt"/>
+          <a:ea typeface="+mn-ea"/>
+          <a:cs typeface="+mn-cs"/>
+        </a:defRPr>
+      </a:lvl4pPr>
+      <a:lvl5pPr marL="1543050" indent="-171450" algn="l" defTabSz="685800" rtl="0" eaLnBrk="1" latinLnBrk="0" hangingPunct="1">
+        <a:lnSpc>
+          <a:spcPct val="90000"/>
+        </a:lnSpc>
+        <a:spcBef>
+          <a:spcPts val="375"/>
+        </a:spcBef>
+        <a:buFont typeface="Arial"/>
+        <a:buChar char="•"/>
+        <a:defRPr sz="1350" kern="1200">
+          <a:solidFill>
+            <a:schemeClr val="tx1"/>
+          </a:solidFill>
+          <a:latin typeface="+mn-lt"/>
+          <a:ea typeface="+mn-ea"/>
+          <a:cs typeface="+mn-cs"/>
+        </a:defRPr>
+      </a:lvl5pPr>
+      <a:lvl6pPr marL="1885950" indent="-171450" algn="l" defTabSz="685800" rtl="0" eaLnBrk="1" latinLnBrk="0" hangingPunct="1">
+        <a:lnSpc>
+          <a:spcPct val="90000"/>
+        </a:lnSpc>
+        <a:spcBef>
+          <a:spcPts val="375"/>
+        </a:spcBef>
+        <a:buFont typeface="Arial"/>
+        <a:buChar char="•"/>
+        <a:defRPr sz="1350" kern="1200">
+          <a:solidFill>
+            <a:schemeClr val="tx1"/>
+          </a:solidFill>
+          <a:latin typeface="+mn-lt"/>
+          <a:ea typeface="+mn-ea"/>
+          <a:cs typeface="+mn-cs"/>
+        </a:defRPr>
+      </a:lvl6pPr>
+      <a:lvl7pPr marL="2228850" indent="-171450" algn="l" defTabSz="685800" rtl="0" eaLnBrk="1" latinLnBrk="0" hangingPunct="1">
+        <a:lnSpc>
+          <a:spcPct val="90000"/>
+        </a:lnSpc>
+        <a:spcBef>
+          <a:spcPts val="375"/>
+        </a:spcBef>
+        <a:buFont typeface="Arial"/>
+        <a:buChar char="•"/>
+        <a:defRPr sz="1350" kern="1200">
+          <a:solidFill>
+            <a:schemeClr val="tx1"/>
+          </a:solidFill>
+          <a:latin typeface="+mn-lt"/>
+          <a:ea typeface="+mn-ea"/>
+          <a:cs typeface="+mn-cs"/>
+        </a:defRPr>
+      </a:lvl7pPr>
+      <a:lvl8pPr marL="2571750" indent="-171450" algn="l" defTabSz="685800" rtl="0" eaLnBrk="1" latinLnBrk="0" hangingPunct="1">
+        <a:lnSpc>
+          <a:spcPct val="90000"/>
+        </a:lnSpc>
+        <a:spcBef>
+          <a:spcPts val="375"/>
+        </a:spcBef>
+        <a:buFont typeface="Arial"/>
+        <a:buChar char="•"/>
+        <a:defRPr sz="1350" kern="1200">
+          <a:solidFill>
+            <a:schemeClr val="tx1"/>
+          </a:solidFill>
+          <a:latin typeface="+mn-lt"/>
+          <a:ea typeface="+mn-ea"/>
+          <a:cs typeface="+mn-cs"/>
+        </a:defRPr>
+      </a:lvl8pPr>
+      <a:lvl9pPr marL="2914650" indent="-171450" algn="l" defTabSz="685800" rtl="0" eaLnBrk="1" latinLnBrk="0" hangingPunct="1">
+        <a:lnSpc>
+          <a:spcPct val="90000"/>
+        </a:lnSpc>
+        <a:spcBef>
+          <a:spcPts val="375"/>
+        </a:spcBef>
+        <a:buFont typeface="Arial"/>
+        <a:buChar char="•"/>
+        <a:defRPr sz="1350" kern="1200">
+          <a:solidFill>
+            <a:schemeClr val="tx1"/>
+          </a:solidFill>
+          <a:latin typeface="+mn-lt"/>
+          <a:ea typeface="+mn-ea"/>
+          <a:cs typeface="+mn-cs"/>
+        </a:defRPr>
+      </a:lvl9pPr>
+    </p:bodyStyle>
+    <p:otherStyle>
+      <a:defPPr>
+        <a:defRPr lang="en-US"/>
+      </a:defPPr>
+      <a:lvl1pPr marL="0" algn="l" defTabSz="685800" rtl="0" eaLnBrk="1" latinLnBrk="0" hangingPunct="1">
+        <a:defRPr sz="1350" kern="1200">
+          <a:solidFill>
+            <a:schemeClr val="tx1"/>
+          </a:solidFill>
+          <a:latin typeface="+mn-lt"/>
+          <a:ea typeface="+mn-ea"/>
+          <a:cs typeface="+mn-cs"/>
+        </a:defRPr>
+      </a:lvl1pPr>
+      <a:lvl2pPr marL="342900" algn="l" defTabSz="685800" rtl="0" eaLnBrk="1" latinLnBrk="0" hangingPunct="1">
+        <a:defRPr sz="1350" kern="1200">
+          <a:solidFill>
+            <a:schemeClr val="tx1"/>
+          </a:solidFill>
+          <a:latin typeface="+mn-lt"/>
+          <a:ea typeface="+mn-ea"/>
+          <a:cs typeface="+mn-cs"/>
+        </a:defRPr>
+      </a:lvl2pPr>
+      <a:lvl3pPr marL="685800" algn="l" defTabSz="685800" rtl="0" eaLnBrk="1" latinLnBrk="0" hangingPunct="1">
+        <a:defRPr sz="1350" kern="1200">
+          <a:solidFill>
+            <a:schemeClr val="tx1"/>
+          </a:solidFill>
+          <a:latin typeface="+mn-lt"/>
+          <a:ea typeface="+mn-ea"/>
+          <a:cs typeface="+mn-cs"/>
+        </a:defRPr>
+      </a:lvl3pPr>
+      <a:lvl4pPr marL="1028700" algn="l" defTabSz="685800" rtl="0" eaLnBrk="1" latinLnBrk="0" hangingPunct="1">
+        <a:defRPr sz="1350" kern="1200">
+          <a:solidFill>
+            <a:schemeClr val="tx1"/>
+          </a:solidFill>
+          <a:latin typeface="+mn-lt"/>
+          <a:ea typeface="+mn-ea"/>
+          <a:cs typeface="+mn-cs"/>
+        </a:defRPr>
+      </a:lvl4pPr>
+      <a:lvl5pPr marL="1371600" algn="l" defTabSz="685800" rtl="0" eaLnBrk="1" latinLnBrk="0" hangingPunct="1">
+        <a:defRPr sz="1350" kern="1200">
+          <a:solidFill>
+            <a:schemeClr val="tx1"/>
+          </a:solidFill>
+          <a:latin typeface="+mn-lt"/>
+          <a:ea typeface="+mn-ea"/>
+          <a:cs typeface="+mn-cs"/>
+        </a:defRPr>
+      </a:lvl5pPr>
+      <a:lvl6pPr marL="1714500" algn="l" defTabSz="685800" rtl="0" eaLnBrk="1" latinLnBrk="0" hangingPunct="1">
+        <a:defRPr sz="1350" kern="1200">
+          <a:solidFill>
+            <a:schemeClr val="tx1"/>
+          </a:solidFill>
+          <a:latin typeface="+mn-lt"/>
+          <a:ea typeface="+mn-ea"/>
+          <a:cs typeface="+mn-cs"/>
+        </a:defRPr>
+      </a:lvl6pPr>
+      <a:lvl7pPr marL="2057400" algn="l" defTabSz="685800" rtl="0" eaLnBrk="1" latinLnBrk="0" hangingPunct="1">
+        <a:defRPr sz="1350" kern="1200">
+          <a:solidFill>
+            <a:schemeClr val="tx1"/>
+          </a:solidFill>
+          <a:latin typeface="+mn-lt"/>
+          <a:ea typeface="+mn-ea"/>
+          <a:cs typeface="+mn-cs"/>
+        </a:defRPr>
+      </a:lvl7pPr>
+      <a:lvl8pPr marL="2400300" algn="l" defTabSz="685800" rtl="0" eaLnBrk="1" latinLnBrk="0" hangingPunct="1">
+        <a:defRPr sz="1350" kern="1200">
+          <a:solidFill>
+            <a:schemeClr val="tx1"/>
+          </a:solidFill>
+          <a:latin typeface="+mn-lt"/>
+          <a:ea typeface="+mn-ea"/>
+          <a:cs typeface="+mn-cs"/>
+        </a:defRPr>
+      </a:lvl8pPr>
+      <a:lvl9pPr marL="2743200" algn="l" defTabSz="685800" rtl="0" eaLnBrk="1" latinLnBrk="0" hangingPunct="1">
+        <a:defRPr sz="1350" kern="1200">
+          <a:solidFill>
+            <a:schemeClr val="tx1"/>
+          </a:solidFill>
+          <a:latin typeface="+mn-lt"/>
+          <a:ea typeface="+mn-ea"/>
+          <a:cs typeface="+mn-cs"/>
+        </a:defRPr>
+      </a:lvl9pPr>
+    </p:otherStyle>
+  </p:txStyles>
+</p:sldMaster>
+</file>
+
 <file path=ppt/slides/slide1.xml><?xml version="1.0" encoding="utf-8"?>
 <p:sld xmlns:a="http://schemas.openxmlformats.org/drawingml/2006/main" xmlns:r="http://schemas.openxmlformats.org/officeDocument/2006/relationships" xmlns:p="http://schemas.openxmlformats.org/presentationml/2006/main">
   <p:cSld>
@@ -6347,31 +9382,7 @@
       </p:grpSpPr>
       <p:sp>
         <p:nvSpPr>
-          <p:cNvPr id="4" name="Slide Number Placeholder 3"/>
-          <p:cNvSpPr>
-            <a:spLocks noGrp="1"/>
-          </p:cNvSpPr>
-          <p:nvPr>
-            <p:ph type="sldNum" idx="12"/>
-          </p:nvPr>
-        </p:nvSpPr>
-        <p:spPr/>
-        <p:txBody>
-          <a:bodyPr/>
-          <a:lstStyle/>
-          <a:p>
-            <a:fld id="{00000000-1234-1234-1234-123412341234}" type="slidenum">
-              <a:rPr lang="en" smtClean="0"/>
-              <a:pPr/>
-              <a:t>10</a:t>
-            </a:fld>
-            <a:endParaRPr lang="en"/>
-          </a:p>
-        </p:txBody>
-      </p:sp>
-      <p:sp>
-        <p:nvSpPr>
-          <p:cNvPr id="6" name="Shape 144"/>
+          <p:cNvPr id="2" name="Title 1"/>
           <p:cNvSpPr>
             <a:spLocks noGrp="1"/>
           </p:cNvSpPr>
@@ -6381,47 +9392,111 @@
         </p:nvSpPr>
         <p:spPr>
           <a:xfrm>
-            <a:off x="201167" y="517967"/>
-            <a:ext cx="4663441" cy="871921"/>
-          </a:xfrm>
-          <a:prstGeom prst="rect">
+            <a:off x="132008" y="0"/>
+            <a:ext cx="7886700" cy="587828"/>
+          </a:xfrm>
+        </p:spPr>
+        <p:txBody>
+          <a:bodyPr>
+            <a:normAutofit/>
+          </a:bodyPr>
+          <a:lstStyle/>
+          <a:p>
+            <a:r>
+              <a:rPr lang="en-US" sz="2700" dirty="0">
+                <a:latin typeface="Cambria" charset="0"/>
+                <a:ea typeface="Cambria" charset="0"/>
+                <a:cs typeface="Cambria" charset="0"/>
+              </a:rPr>
+              <a:t>Architecture: Bus Routing</a:t>
+            </a:r>
+            <a:endParaRPr lang="en-US" sz="2700" b="1" dirty="0">
+              <a:latin typeface="Cambria" charset="0"/>
+              <a:ea typeface="Cambria" charset="0"/>
+              <a:cs typeface="Cambria" charset="0"/>
+            </a:endParaRPr>
+          </a:p>
+        </p:txBody>
+      </p:sp>
+      <p:cxnSp>
+        <p:nvCxnSpPr>
+          <p:cNvPr id="6" name="Straight Connector 5"/>
+          <p:cNvCxnSpPr/>
+          <p:nvPr/>
+        </p:nvCxnSpPr>
+        <p:spPr>
+          <a:xfrm flipV="1">
+            <a:off x="215206" y="589136"/>
+            <a:ext cx="8780690" cy="12247"/>
+          </a:xfrm>
+          <a:prstGeom prst="line">
             <a:avLst/>
           </a:prstGeom>
-        </p:spPr>
-        <p:txBody>
-          <a:bodyPr/>
-          <a:lstStyle>
-            <a:lvl1pPr>
-              <a:defRPr sz="3600">
-                <a:latin typeface="Cambria"/>
-                <a:ea typeface="Cambria"/>
-                <a:cs typeface="Cambria"/>
-                <a:sym typeface="Cambria"/>
-              </a:defRPr>
-            </a:lvl1pPr>
-          </a:lstStyle>
-          <a:p>
-            <a:pPr algn="ctr"/>
-            <a:r>
-              <a:rPr lang="en-US" sz="5400" dirty="0"/>
-              <a:t>Architecture</a:t>
-            </a:r>
-            <a:endParaRPr lang="en-US" sz="5400" dirty="0">
-              <a:latin typeface="Times New Roman" pitchFamily="18" charset="0"/>
-              <a:cs typeface="Times New Roman" pitchFamily="18" charset="0"/>
-            </a:endParaRPr>
-          </a:p>
-        </p:txBody>
-      </p:sp>
+          <a:ln w="22225"/>
+        </p:spPr>
+        <p:style>
+          <a:lnRef idx="1">
+            <a:schemeClr val="accent1"/>
+          </a:lnRef>
+          <a:fillRef idx="0">
+            <a:schemeClr val="accent1"/>
+          </a:fillRef>
+          <a:effectRef idx="0">
+            <a:schemeClr val="accent1"/>
+          </a:effectRef>
+          <a:fontRef idx="minor">
+            <a:schemeClr val="tx1"/>
+          </a:fontRef>
+        </p:style>
+      </p:cxnSp>
       <p:pic>
         <p:nvPicPr>
-          <p:cNvPr id="3074" name="Picture 2" descr="C:\Users\ngoan\Desktop\bus.png"/>
+          <p:cNvPr id="20" name="Picture 2" descr="C:\Users\ngoan\Desktop\bus.png"/>
           <p:cNvPicPr>
             <a:picLocks noChangeAspect="1" noChangeArrowheads="1"/>
           </p:cNvPicPr>
           <p:nvPr/>
         </p:nvPicPr>
         <p:blipFill rotWithShape="1">
+          <a:blip r:embed="rId2">
+            <a:extLst>
+              <a:ext uri="{28A0092B-C50C-407E-A947-70E740481C1C}">
+                <a14:useLocalDpi xmlns:a14="http://schemas.microsoft.com/office/drawing/2010/main" val="0"/>
+              </a:ext>
+            </a:extLst>
+          </a:blip>
+          <a:srcRect l="41653" t="43647" r="50398" b="42181"/>
+          <a:stretch/>
+        </p:blipFill>
+        <p:spPr bwMode="auto">
+          <a:xfrm>
+            <a:off x="4008508" y="3493094"/>
+            <a:ext cx="597043" cy="925417"/>
+          </a:xfrm>
+          <a:prstGeom prst="rect">
+            <a:avLst/>
+          </a:prstGeom>
+          <a:noFill/>
+          <a:extLst>
+            <a:ext uri="{909E8E84-426E-40DD-AFC4-6F175D3DCCD1}">
+              <a14:hiddenFill xmlns:a14="http://schemas.microsoft.com/office/drawing/2010/main">
+                <a:solidFill>
+                  <a:srgbClr val="FFFFFF"/>
+                </a:solidFill>
+              </a14:hiddenFill>
+            </a:ext>
+          </a:extLst>
+        </p:spPr>
+      </p:pic>
+      <p:pic>
+        <p:nvPicPr>
+          <p:cNvPr id="21" name="Picture 20"/>
+          <p:cNvPicPr>
+            <a:picLocks noChangeAspect="1"/>
+          </p:cNvPicPr>
+          <p:nvPr/>
+        </p:nvPicPr>
+        <p:blipFill>
           <a:blip r:embed="rId3">
             <a:extLst>
               <a:ext uri="{28A0092B-C50C-407E-A947-70E740481C1C}">
@@ -6429,33 +9504,24 @@
               </a:ext>
             </a:extLst>
           </a:blip>
-          <a:srcRect b="40635"/>
-          <a:stretch/>
+          <a:stretch>
+            <a:fillRect/>
+          </a:stretch>
         </p:blipFill>
-        <p:spPr bwMode="auto">
+        <p:spPr>
           <a:xfrm>
-            <a:off x="332118" y="1825172"/>
-            <a:ext cx="8121161" cy="4191580"/>
+            <a:off x="468010" y="3475470"/>
+            <a:ext cx="789246" cy="789246"/>
           </a:xfrm>
           <a:prstGeom prst="rect">
             <a:avLst/>
           </a:prstGeom>
-          <a:noFill/>
-          <a:extLst>
-            <a:ext uri="{909E8E84-426E-40DD-AFC4-6F175D3DCCD1}">
-              <a14:hiddenFill xmlns:a14="http://schemas.microsoft.com/office/drawing/2010/main">
-                <a:solidFill>
-                  <a:srgbClr val="FFFFFF"/>
-                </a:solidFill>
-              </a14:hiddenFill>
-            </a:ext>
-          </a:extLst>
         </p:spPr>
       </p:pic>
     </p:spTree>
     <p:extLst>
       <p:ext uri="{BB962C8B-B14F-4D97-AF65-F5344CB8AC3E}">
-        <p14:creationId xmlns:p14="http://schemas.microsoft.com/office/powerpoint/2010/main" val="1292776804"/>
+        <p14:creationId xmlns:p14="http://schemas.microsoft.com/office/powerpoint/2010/main" val="1118413045"/>
       </p:ext>
     </p:extLst>
   </p:cSld>
@@ -6499,6 +9565,3039 @@
             <p:ph type="title"/>
           </p:nvPr>
         </p:nvSpPr>
+        <p:spPr>
+          <a:xfrm>
+            <a:off x="132008" y="0"/>
+            <a:ext cx="7886700" cy="587828"/>
+          </a:xfrm>
+        </p:spPr>
+        <p:txBody>
+          <a:bodyPr>
+            <a:normAutofit/>
+          </a:bodyPr>
+          <a:lstStyle/>
+          <a:p>
+            <a:r>
+              <a:rPr lang="en-US" sz="2700" dirty="0">
+                <a:latin typeface="Cambria" charset="0"/>
+                <a:ea typeface="Cambria" charset="0"/>
+                <a:cs typeface="Cambria" charset="0"/>
+              </a:rPr>
+              <a:t>Architecture: Bus Routing</a:t>
+            </a:r>
+            <a:endParaRPr lang="en-US" sz="2700" b="1" dirty="0">
+              <a:latin typeface="Cambria" charset="0"/>
+              <a:ea typeface="Cambria" charset="0"/>
+              <a:cs typeface="Cambria" charset="0"/>
+            </a:endParaRPr>
+          </a:p>
+        </p:txBody>
+      </p:sp>
+      <p:cxnSp>
+        <p:nvCxnSpPr>
+          <p:cNvPr id="6" name="Straight Connector 5"/>
+          <p:cNvCxnSpPr/>
+          <p:nvPr/>
+        </p:nvCxnSpPr>
+        <p:spPr>
+          <a:xfrm flipV="1">
+            <a:off x="215206" y="589136"/>
+            <a:ext cx="8780690" cy="12247"/>
+          </a:xfrm>
+          <a:prstGeom prst="line">
+            <a:avLst/>
+          </a:prstGeom>
+          <a:ln w="22225"/>
+        </p:spPr>
+        <p:style>
+          <a:lnRef idx="1">
+            <a:schemeClr val="accent1"/>
+          </a:lnRef>
+          <a:fillRef idx="0">
+            <a:schemeClr val="accent1"/>
+          </a:fillRef>
+          <a:effectRef idx="0">
+            <a:schemeClr val="accent1"/>
+          </a:effectRef>
+          <a:fontRef idx="minor">
+            <a:schemeClr val="tx1"/>
+          </a:fontRef>
+        </p:style>
+      </p:cxnSp>
+      <p:pic>
+        <p:nvPicPr>
+          <p:cNvPr id="20" name="Picture 2" descr="C:\Users\ngoan\Desktop\bus.png"/>
+          <p:cNvPicPr>
+            <a:picLocks noChangeAspect="1" noChangeArrowheads="1"/>
+          </p:cNvPicPr>
+          <p:nvPr/>
+        </p:nvPicPr>
+        <p:blipFill rotWithShape="1">
+          <a:blip r:embed="rId2">
+            <a:extLst>
+              <a:ext uri="{28A0092B-C50C-407E-A947-70E740481C1C}">
+                <a14:useLocalDpi xmlns:a14="http://schemas.microsoft.com/office/drawing/2010/main" val="0"/>
+              </a:ext>
+            </a:extLst>
+          </a:blip>
+          <a:srcRect l="41653" t="43647" r="50398" b="42181"/>
+          <a:stretch/>
+        </p:blipFill>
+        <p:spPr bwMode="auto">
+          <a:xfrm>
+            <a:off x="4008508" y="3493094"/>
+            <a:ext cx="597043" cy="925417"/>
+          </a:xfrm>
+          <a:prstGeom prst="rect">
+            <a:avLst/>
+          </a:prstGeom>
+          <a:noFill/>
+          <a:extLst>
+            <a:ext uri="{909E8E84-426E-40DD-AFC4-6F175D3DCCD1}">
+              <a14:hiddenFill xmlns:a14="http://schemas.microsoft.com/office/drawing/2010/main">
+                <a:solidFill>
+                  <a:srgbClr val="FFFFFF"/>
+                </a:solidFill>
+              </a14:hiddenFill>
+            </a:ext>
+          </a:extLst>
+        </p:spPr>
+      </p:pic>
+      <p:pic>
+        <p:nvPicPr>
+          <p:cNvPr id="21" name="Picture 20"/>
+          <p:cNvPicPr>
+            <a:picLocks noChangeAspect="1"/>
+          </p:cNvPicPr>
+          <p:nvPr/>
+        </p:nvPicPr>
+        <p:blipFill>
+          <a:blip r:embed="rId3">
+            <a:extLst>
+              <a:ext uri="{28A0092B-C50C-407E-A947-70E740481C1C}">
+                <a14:useLocalDpi xmlns:a14="http://schemas.microsoft.com/office/drawing/2010/main" val="0"/>
+              </a:ext>
+            </a:extLst>
+          </a:blip>
+          <a:stretch>
+            <a:fillRect/>
+          </a:stretch>
+        </p:blipFill>
+        <p:spPr>
+          <a:xfrm>
+            <a:off x="468010" y="3475470"/>
+            <a:ext cx="789246" cy="789246"/>
+          </a:xfrm>
+          <a:prstGeom prst="rect">
+            <a:avLst/>
+          </a:prstGeom>
+        </p:spPr>
+      </p:pic>
+      <p:sp>
+        <p:nvSpPr>
+          <p:cNvPr id="22" name="Right Arrow 21"/>
+          <p:cNvSpPr/>
+          <p:nvPr/>
+        </p:nvSpPr>
+        <p:spPr>
+          <a:xfrm>
+            <a:off x="1570322" y="4089312"/>
+            <a:ext cx="2315002" cy="199706"/>
+          </a:xfrm>
+          <a:prstGeom prst="rightArrow">
+            <a:avLst/>
+          </a:prstGeom>
+          <a:solidFill>
+            <a:srgbClr val="2388DB"/>
+          </a:solidFill>
+          <a:ln w="25400" cap="flat" cmpd="sng" algn="ctr">
+            <a:solidFill>
+              <a:srgbClr val="2388DB"/>
+            </a:solidFill>
+            <a:prstDash val="solid"/>
+          </a:ln>
+          <a:effectLst/>
+        </p:spPr>
+        <p:txBody>
+          <a:bodyPr rtlCol="0" anchor="ctr"/>
+          <a:lstStyle/>
+          <a:p>
+            <a:pPr algn="ctr">
+              <a:defRPr/>
+            </a:pPr>
+            <a:endParaRPr lang="en-US" kern="0" smtClean="0">
+              <a:solidFill>
+                <a:srgbClr val="FFFFFF"/>
+              </a:solidFill>
+              <a:latin typeface="Arial"/>
+            </a:endParaRPr>
+          </a:p>
+        </p:txBody>
+      </p:sp>
+      <p:sp>
+        <p:nvSpPr>
+          <p:cNvPr id="23" name="TextBox 22"/>
+          <p:cNvSpPr txBox="1"/>
+          <p:nvPr/>
+        </p:nvSpPr>
+        <p:spPr>
+          <a:xfrm>
+            <a:off x="1899628" y="3755748"/>
+            <a:ext cx="1954333" cy="400110"/>
+          </a:xfrm>
+          <a:prstGeom prst="rect">
+            <a:avLst/>
+          </a:prstGeom>
+          <a:noFill/>
+        </p:spPr>
+        <p:txBody>
+          <a:bodyPr wrap="square" rtlCol="0">
+            <a:spAutoFit/>
+          </a:bodyPr>
+          <a:lstStyle/>
+          <a:p>
+            <a:r>
+              <a:rPr lang="en-US" sz="2000" dirty="0" smtClean="0">
+                <a:solidFill>
+                  <a:srgbClr val="000000"/>
+                </a:solidFill>
+                <a:latin typeface="Cambria" charset="0"/>
+                <a:ea typeface="Cambria" charset="0"/>
+                <a:cs typeface="Cambria" charset="0"/>
+              </a:rPr>
+              <a:t>1a. Text Search</a:t>
+            </a:r>
+            <a:endParaRPr lang="en-US" sz="2000" dirty="0">
+              <a:solidFill>
+                <a:srgbClr val="000000"/>
+              </a:solidFill>
+              <a:latin typeface="Cambria" charset="0"/>
+              <a:ea typeface="Cambria" charset="0"/>
+              <a:cs typeface="Cambria" charset="0"/>
+            </a:endParaRPr>
+          </a:p>
+        </p:txBody>
+      </p:sp>
+    </p:spTree>
+    <p:extLst>
+      <p:ext uri="{BB962C8B-B14F-4D97-AF65-F5344CB8AC3E}">
+        <p14:creationId xmlns:p14="http://schemas.microsoft.com/office/powerpoint/2010/main" val="243685124"/>
+      </p:ext>
+    </p:extLst>
+  </p:cSld>
+  <p:clrMapOvr>
+    <a:masterClrMapping/>
+  </p:clrMapOvr>
+  <p:timing>
+    <p:tnLst>
+      <p:par>
+        <p:cTn id="1" dur="indefinite" restart="never" nodeType="tmRoot"/>
+      </p:par>
+    </p:tnLst>
+  </p:timing>
+</p:sld>
+</file>
+
+<file path=ppt/slides/slide12.xml><?xml version="1.0" encoding="utf-8"?>
+<p:sld xmlns:a="http://schemas.openxmlformats.org/drawingml/2006/main" xmlns:r="http://schemas.openxmlformats.org/officeDocument/2006/relationships" xmlns:p="http://schemas.openxmlformats.org/presentationml/2006/main">
+  <p:cSld>
+    <p:spTree>
+      <p:nvGrpSpPr>
+        <p:cNvPr id="1" name=""/>
+        <p:cNvGrpSpPr/>
+        <p:nvPr/>
+      </p:nvGrpSpPr>
+      <p:grpSpPr>
+        <a:xfrm>
+          <a:off x="0" y="0"/>
+          <a:ext cx="0" cy="0"/>
+          <a:chOff x="0" y="0"/>
+          <a:chExt cx="0" cy="0"/>
+        </a:xfrm>
+      </p:grpSpPr>
+      <p:sp>
+        <p:nvSpPr>
+          <p:cNvPr id="2" name="Title 1"/>
+          <p:cNvSpPr>
+            <a:spLocks noGrp="1"/>
+          </p:cNvSpPr>
+          <p:nvPr>
+            <p:ph type="title"/>
+          </p:nvPr>
+        </p:nvSpPr>
+        <p:spPr>
+          <a:xfrm>
+            <a:off x="132008" y="0"/>
+            <a:ext cx="7886700" cy="587828"/>
+          </a:xfrm>
+        </p:spPr>
+        <p:txBody>
+          <a:bodyPr>
+            <a:normAutofit/>
+          </a:bodyPr>
+          <a:lstStyle/>
+          <a:p>
+            <a:r>
+              <a:rPr lang="en-US" sz="2700" dirty="0">
+                <a:latin typeface="Cambria" charset="0"/>
+                <a:ea typeface="Cambria" charset="0"/>
+                <a:cs typeface="Cambria" charset="0"/>
+              </a:rPr>
+              <a:t>Architecture: Bus Routing</a:t>
+            </a:r>
+            <a:endParaRPr lang="en-US" sz="2700" b="1" dirty="0">
+              <a:latin typeface="Cambria" charset="0"/>
+              <a:ea typeface="Cambria" charset="0"/>
+              <a:cs typeface="Cambria" charset="0"/>
+            </a:endParaRPr>
+          </a:p>
+        </p:txBody>
+      </p:sp>
+      <p:cxnSp>
+        <p:nvCxnSpPr>
+          <p:cNvPr id="6" name="Straight Connector 5"/>
+          <p:cNvCxnSpPr/>
+          <p:nvPr/>
+        </p:nvCxnSpPr>
+        <p:spPr>
+          <a:xfrm flipV="1">
+            <a:off x="215206" y="589136"/>
+            <a:ext cx="8780690" cy="12247"/>
+          </a:xfrm>
+          <a:prstGeom prst="line">
+            <a:avLst/>
+          </a:prstGeom>
+          <a:ln w="22225"/>
+        </p:spPr>
+        <p:style>
+          <a:lnRef idx="1">
+            <a:schemeClr val="accent1"/>
+          </a:lnRef>
+          <a:fillRef idx="0">
+            <a:schemeClr val="accent1"/>
+          </a:fillRef>
+          <a:effectRef idx="0">
+            <a:schemeClr val="accent1"/>
+          </a:effectRef>
+          <a:fontRef idx="minor">
+            <a:schemeClr val="tx1"/>
+          </a:fontRef>
+        </p:style>
+      </p:cxnSp>
+      <p:pic>
+        <p:nvPicPr>
+          <p:cNvPr id="20" name="Picture 2" descr="C:\Users\ngoan\Desktop\bus.png"/>
+          <p:cNvPicPr>
+            <a:picLocks noChangeAspect="1" noChangeArrowheads="1"/>
+          </p:cNvPicPr>
+          <p:nvPr/>
+        </p:nvPicPr>
+        <p:blipFill rotWithShape="1">
+          <a:blip r:embed="rId2">
+            <a:extLst>
+              <a:ext uri="{28A0092B-C50C-407E-A947-70E740481C1C}">
+                <a14:useLocalDpi xmlns:a14="http://schemas.microsoft.com/office/drawing/2010/main" val="0"/>
+              </a:ext>
+            </a:extLst>
+          </a:blip>
+          <a:srcRect l="41653" t="43647" r="50398" b="42181"/>
+          <a:stretch/>
+        </p:blipFill>
+        <p:spPr bwMode="auto">
+          <a:xfrm>
+            <a:off x="4008508" y="3493094"/>
+            <a:ext cx="597043" cy="925417"/>
+          </a:xfrm>
+          <a:prstGeom prst="rect">
+            <a:avLst/>
+          </a:prstGeom>
+          <a:noFill/>
+          <a:extLst>
+            <a:ext uri="{909E8E84-426E-40DD-AFC4-6F175D3DCCD1}">
+              <a14:hiddenFill xmlns:a14="http://schemas.microsoft.com/office/drawing/2010/main">
+                <a:solidFill>
+                  <a:srgbClr val="FFFFFF"/>
+                </a:solidFill>
+              </a14:hiddenFill>
+            </a:ext>
+          </a:extLst>
+        </p:spPr>
+      </p:pic>
+      <p:pic>
+        <p:nvPicPr>
+          <p:cNvPr id="21" name="Picture 20"/>
+          <p:cNvPicPr>
+            <a:picLocks noChangeAspect="1"/>
+          </p:cNvPicPr>
+          <p:nvPr/>
+        </p:nvPicPr>
+        <p:blipFill>
+          <a:blip r:embed="rId3">
+            <a:extLst>
+              <a:ext uri="{28A0092B-C50C-407E-A947-70E740481C1C}">
+                <a14:useLocalDpi xmlns:a14="http://schemas.microsoft.com/office/drawing/2010/main" val="0"/>
+              </a:ext>
+            </a:extLst>
+          </a:blip>
+          <a:stretch>
+            <a:fillRect/>
+          </a:stretch>
+        </p:blipFill>
+        <p:spPr>
+          <a:xfrm>
+            <a:off x="468010" y="3475470"/>
+            <a:ext cx="789246" cy="789246"/>
+          </a:xfrm>
+          <a:prstGeom prst="rect">
+            <a:avLst/>
+          </a:prstGeom>
+        </p:spPr>
+      </p:pic>
+      <p:sp>
+        <p:nvSpPr>
+          <p:cNvPr id="22" name="Right Arrow 21"/>
+          <p:cNvSpPr/>
+          <p:nvPr/>
+        </p:nvSpPr>
+        <p:spPr>
+          <a:xfrm>
+            <a:off x="1570322" y="4089312"/>
+            <a:ext cx="2315002" cy="199706"/>
+          </a:xfrm>
+          <a:prstGeom prst="rightArrow">
+            <a:avLst/>
+          </a:prstGeom>
+          <a:solidFill>
+            <a:srgbClr val="2388DB"/>
+          </a:solidFill>
+          <a:ln w="25400" cap="flat" cmpd="sng" algn="ctr">
+            <a:solidFill>
+              <a:srgbClr val="2388DB"/>
+            </a:solidFill>
+            <a:prstDash val="solid"/>
+          </a:ln>
+          <a:effectLst/>
+        </p:spPr>
+        <p:txBody>
+          <a:bodyPr rtlCol="0" anchor="ctr"/>
+          <a:lstStyle/>
+          <a:p>
+            <a:pPr algn="ctr">
+              <a:defRPr/>
+            </a:pPr>
+            <a:endParaRPr lang="en-US" kern="0" smtClean="0">
+              <a:solidFill>
+                <a:srgbClr val="FFFFFF"/>
+              </a:solidFill>
+              <a:latin typeface="Arial"/>
+            </a:endParaRPr>
+          </a:p>
+        </p:txBody>
+      </p:sp>
+      <p:sp>
+        <p:nvSpPr>
+          <p:cNvPr id="23" name="TextBox 22"/>
+          <p:cNvSpPr txBox="1"/>
+          <p:nvPr/>
+        </p:nvSpPr>
+        <p:spPr>
+          <a:xfrm>
+            <a:off x="1899628" y="3755748"/>
+            <a:ext cx="1954333" cy="400110"/>
+          </a:xfrm>
+          <a:prstGeom prst="rect">
+            <a:avLst/>
+          </a:prstGeom>
+          <a:noFill/>
+        </p:spPr>
+        <p:txBody>
+          <a:bodyPr wrap="square" rtlCol="0">
+            <a:spAutoFit/>
+          </a:bodyPr>
+          <a:lstStyle/>
+          <a:p>
+            <a:r>
+              <a:rPr lang="en-US" sz="2000" dirty="0" smtClean="0">
+                <a:solidFill>
+                  <a:srgbClr val="000000"/>
+                </a:solidFill>
+                <a:latin typeface="Cambria" charset="0"/>
+                <a:ea typeface="Cambria" charset="0"/>
+                <a:cs typeface="Cambria" charset="0"/>
+              </a:rPr>
+              <a:t>1a. Text Search</a:t>
+            </a:r>
+            <a:endParaRPr lang="en-US" sz="2000" dirty="0">
+              <a:solidFill>
+                <a:srgbClr val="000000"/>
+              </a:solidFill>
+              <a:latin typeface="Cambria" charset="0"/>
+              <a:ea typeface="Cambria" charset="0"/>
+              <a:cs typeface="Cambria" charset="0"/>
+            </a:endParaRPr>
+          </a:p>
+        </p:txBody>
+      </p:sp>
+      <p:pic>
+        <p:nvPicPr>
+          <p:cNvPr id="24" name="Picture 23"/>
+          <p:cNvPicPr>
+            <a:picLocks noChangeAspect="1"/>
+          </p:cNvPicPr>
+          <p:nvPr/>
+        </p:nvPicPr>
+        <p:blipFill>
+          <a:blip r:embed="rId4">
+            <a:extLst>
+              <a:ext uri="{28A0092B-C50C-407E-A947-70E740481C1C}">
+                <a14:useLocalDpi xmlns:a14="http://schemas.microsoft.com/office/drawing/2010/main" val="0"/>
+              </a:ext>
+            </a:extLst>
+          </a:blip>
+          <a:stretch>
+            <a:fillRect/>
+          </a:stretch>
+        </p:blipFill>
+        <p:spPr>
+          <a:xfrm>
+            <a:off x="3905987" y="926929"/>
+            <a:ext cx="850290" cy="839004"/>
+          </a:xfrm>
+          <a:prstGeom prst="rect">
+            <a:avLst/>
+          </a:prstGeom>
+        </p:spPr>
+      </p:pic>
+      <p:sp>
+        <p:nvSpPr>
+          <p:cNvPr id="25" name="Up Arrow 24"/>
+          <p:cNvSpPr/>
+          <p:nvPr/>
+        </p:nvSpPr>
+        <p:spPr>
+          <a:xfrm rot="3098377">
+            <a:off x="2654530" y="1166486"/>
+            <a:ext cx="217957" cy="3046974"/>
+          </a:xfrm>
+          <a:prstGeom prst="upArrow">
+            <a:avLst/>
+          </a:prstGeom>
+          <a:solidFill>
+            <a:schemeClr val="accent1"/>
+          </a:solidFill>
+          <a:ln w="25400" cap="flat" cmpd="sng" algn="ctr">
+            <a:solidFill>
+              <a:schemeClr val="accent1"/>
+            </a:solidFill>
+            <a:prstDash val="solid"/>
+          </a:ln>
+          <a:effectLst/>
+        </p:spPr>
+        <p:txBody>
+          <a:bodyPr rtlCol="0" anchor="ctr"/>
+          <a:lstStyle/>
+          <a:p>
+            <a:pPr algn="ctr">
+              <a:defRPr/>
+            </a:pPr>
+            <a:endParaRPr lang="en-US" kern="0" smtClean="0">
+              <a:solidFill>
+                <a:srgbClr val="FFFFFF"/>
+              </a:solidFill>
+              <a:latin typeface="Arial"/>
+            </a:endParaRPr>
+          </a:p>
+        </p:txBody>
+      </p:sp>
+      <p:sp>
+        <p:nvSpPr>
+          <p:cNvPr id="27" name="TextBox 26"/>
+          <p:cNvSpPr txBox="1"/>
+          <p:nvPr/>
+        </p:nvSpPr>
+        <p:spPr>
+          <a:xfrm rot="19217945">
+            <a:off x="1687897" y="2167635"/>
+            <a:ext cx="1950983" cy="400110"/>
+          </a:xfrm>
+          <a:prstGeom prst="rect">
+            <a:avLst/>
+          </a:prstGeom>
+          <a:noFill/>
+        </p:spPr>
+        <p:txBody>
+          <a:bodyPr wrap="none" rtlCol="0">
+            <a:spAutoFit/>
+          </a:bodyPr>
+          <a:lstStyle/>
+          <a:p>
+            <a:r>
+              <a:rPr lang="en-US" sz="2000" dirty="0" smtClean="0">
+                <a:solidFill>
+                  <a:srgbClr val="000000"/>
+                </a:solidFill>
+                <a:latin typeface="Cambria" charset="0"/>
+                <a:ea typeface="Cambria" charset="0"/>
+                <a:cs typeface="Cambria" charset="0"/>
+              </a:rPr>
+              <a:t>1b. Voice Search</a:t>
+            </a:r>
+            <a:endParaRPr lang="en-US" sz="2000" dirty="0">
+              <a:solidFill>
+                <a:srgbClr val="000000"/>
+              </a:solidFill>
+              <a:latin typeface="Cambria" charset="0"/>
+              <a:ea typeface="Cambria" charset="0"/>
+              <a:cs typeface="Cambria" charset="0"/>
+            </a:endParaRPr>
+          </a:p>
+        </p:txBody>
+      </p:sp>
+    </p:spTree>
+    <p:extLst>
+      <p:ext uri="{BB962C8B-B14F-4D97-AF65-F5344CB8AC3E}">
+        <p14:creationId xmlns:p14="http://schemas.microsoft.com/office/powerpoint/2010/main" val="364564239"/>
+      </p:ext>
+    </p:extLst>
+  </p:cSld>
+  <p:clrMapOvr>
+    <a:masterClrMapping/>
+  </p:clrMapOvr>
+  <p:timing>
+    <p:tnLst>
+      <p:par>
+        <p:cTn id="1" dur="indefinite" restart="never" nodeType="tmRoot"/>
+      </p:par>
+    </p:tnLst>
+  </p:timing>
+</p:sld>
+</file>
+
+<file path=ppt/slides/slide13.xml><?xml version="1.0" encoding="utf-8"?>
+<p:sld xmlns:a="http://schemas.openxmlformats.org/drawingml/2006/main" xmlns:r="http://schemas.openxmlformats.org/officeDocument/2006/relationships" xmlns:p="http://schemas.openxmlformats.org/presentationml/2006/main">
+  <p:cSld>
+    <p:spTree>
+      <p:nvGrpSpPr>
+        <p:cNvPr id="1" name=""/>
+        <p:cNvGrpSpPr/>
+        <p:nvPr/>
+      </p:nvGrpSpPr>
+      <p:grpSpPr>
+        <a:xfrm>
+          <a:off x="0" y="0"/>
+          <a:ext cx="0" cy="0"/>
+          <a:chOff x="0" y="0"/>
+          <a:chExt cx="0" cy="0"/>
+        </a:xfrm>
+      </p:grpSpPr>
+      <p:sp>
+        <p:nvSpPr>
+          <p:cNvPr id="2" name="Title 1"/>
+          <p:cNvSpPr>
+            <a:spLocks noGrp="1"/>
+          </p:cNvSpPr>
+          <p:nvPr>
+            <p:ph type="title"/>
+          </p:nvPr>
+        </p:nvSpPr>
+        <p:spPr>
+          <a:xfrm>
+            <a:off x="132008" y="0"/>
+            <a:ext cx="7886700" cy="587828"/>
+          </a:xfrm>
+        </p:spPr>
+        <p:txBody>
+          <a:bodyPr>
+            <a:normAutofit/>
+          </a:bodyPr>
+          <a:lstStyle/>
+          <a:p>
+            <a:r>
+              <a:rPr lang="en-US" sz="2700" dirty="0">
+                <a:latin typeface="Cambria" charset="0"/>
+                <a:ea typeface="Cambria" charset="0"/>
+                <a:cs typeface="Cambria" charset="0"/>
+              </a:rPr>
+              <a:t>Architecture: Bus Routing</a:t>
+            </a:r>
+            <a:endParaRPr lang="en-US" sz="2700" b="1" dirty="0">
+              <a:latin typeface="Cambria" charset="0"/>
+              <a:ea typeface="Cambria" charset="0"/>
+              <a:cs typeface="Cambria" charset="0"/>
+            </a:endParaRPr>
+          </a:p>
+        </p:txBody>
+      </p:sp>
+      <p:cxnSp>
+        <p:nvCxnSpPr>
+          <p:cNvPr id="6" name="Straight Connector 5"/>
+          <p:cNvCxnSpPr/>
+          <p:nvPr/>
+        </p:nvCxnSpPr>
+        <p:spPr>
+          <a:xfrm flipV="1">
+            <a:off x="215206" y="589136"/>
+            <a:ext cx="8780690" cy="12247"/>
+          </a:xfrm>
+          <a:prstGeom prst="line">
+            <a:avLst/>
+          </a:prstGeom>
+          <a:ln w="22225"/>
+        </p:spPr>
+        <p:style>
+          <a:lnRef idx="1">
+            <a:schemeClr val="accent1"/>
+          </a:lnRef>
+          <a:fillRef idx="0">
+            <a:schemeClr val="accent1"/>
+          </a:fillRef>
+          <a:effectRef idx="0">
+            <a:schemeClr val="accent1"/>
+          </a:effectRef>
+          <a:fontRef idx="minor">
+            <a:schemeClr val="tx1"/>
+          </a:fontRef>
+        </p:style>
+      </p:cxnSp>
+      <p:pic>
+        <p:nvPicPr>
+          <p:cNvPr id="20" name="Picture 2" descr="C:\Users\ngoan\Desktop\bus.png"/>
+          <p:cNvPicPr>
+            <a:picLocks noChangeAspect="1" noChangeArrowheads="1"/>
+          </p:cNvPicPr>
+          <p:nvPr/>
+        </p:nvPicPr>
+        <p:blipFill rotWithShape="1">
+          <a:blip r:embed="rId2">
+            <a:extLst>
+              <a:ext uri="{28A0092B-C50C-407E-A947-70E740481C1C}">
+                <a14:useLocalDpi xmlns:a14="http://schemas.microsoft.com/office/drawing/2010/main" val="0"/>
+              </a:ext>
+            </a:extLst>
+          </a:blip>
+          <a:srcRect l="41653" t="43647" r="50398" b="42181"/>
+          <a:stretch/>
+        </p:blipFill>
+        <p:spPr bwMode="auto">
+          <a:xfrm>
+            <a:off x="4008508" y="3493094"/>
+            <a:ext cx="597043" cy="925417"/>
+          </a:xfrm>
+          <a:prstGeom prst="rect">
+            <a:avLst/>
+          </a:prstGeom>
+          <a:noFill/>
+          <a:extLst>
+            <a:ext uri="{909E8E84-426E-40DD-AFC4-6F175D3DCCD1}">
+              <a14:hiddenFill xmlns:a14="http://schemas.microsoft.com/office/drawing/2010/main">
+                <a:solidFill>
+                  <a:srgbClr val="FFFFFF"/>
+                </a:solidFill>
+              </a14:hiddenFill>
+            </a:ext>
+          </a:extLst>
+        </p:spPr>
+      </p:pic>
+      <p:pic>
+        <p:nvPicPr>
+          <p:cNvPr id="21" name="Picture 20"/>
+          <p:cNvPicPr>
+            <a:picLocks noChangeAspect="1"/>
+          </p:cNvPicPr>
+          <p:nvPr/>
+        </p:nvPicPr>
+        <p:blipFill>
+          <a:blip r:embed="rId3">
+            <a:extLst>
+              <a:ext uri="{28A0092B-C50C-407E-A947-70E740481C1C}">
+                <a14:useLocalDpi xmlns:a14="http://schemas.microsoft.com/office/drawing/2010/main" val="0"/>
+              </a:ext>
+            </a:extLst>
+          </a:blip>
+          <a:stretch>
+            <a:fillRect/>
+          </a:stretch>
+        </p:blipFill>
+        <p:spPr>
+          <a:xfrm>
+            <a:off x="468010" y="3475470"/>
+            <a:ext cx="789246" cy="789246"/>
+          </a:xfrm>
+          <a:prstGeom prst="rect">
+            <a:avLst/>
+          </a:prstGeom>
+        </p:spPr>
+      </p:pic>
+      <p:sp>
+        <p:nvSpPr>
+          <p:cNvPr id="22" name="Right Arrow 21"/>
+          <p:cNvSpPr/>
+          <p:nvPr/>
+        </p:nvSpPr>
+        <p:spPr>
+          <a:xfrm>
+            <a:off x="1570322" y="4089312"/>
+            <a:ext cx="2315002" cy="199706"/>
+          </a:xfrm>
+          <a:prstGeom prst="rightArrow">
+            <a:avLst/>
+          </a:prstGeom>
+          <a:solidFill>
+            <a:srgbClr val="2388DB"/>
+          </a:solidFill>
+          <a:ln w="25400" cap="flat" cmpd="sng" algn="ctr">
+            <a:solidFill>
+              <a:srgbClr val="2388DB"/>
+            </a:solidFill>
+            <a:prstDash val="solid"/>
+          </a:ln>
+          <a:effectLst/>
+        </p:spPr>
+        <p:txBody>
+          <a:bodyPr rtlCol="0" anchor="ctr"/>
+          <a:lstStyle/>
+          <a:p>
+            <a:pPr algn="ctr">
+              <a:defRPr/>
+            </a:pPr>
+            <a:endParaRPr lang="en-US" kern="0" smtClean="0">
+              <a:solidFill>
+                <a:srgbClr val="FFFFFF"/>
+              </a:solidFill>
+              <a:latin typeface="Arial"/>
+            </a:endParaRPr>
+          </a:p>
+        </p:txBody>
+      </p:sp>
+      <p:sp>
+        <p:nvSpPr>
+          <p:cNvPr id="23" name="TextBox 22"/>
+          <p:cNvSpPr txBox="1"/>
+          <p:nvPr/>
+        </p:nvSpPr>
+        <p:spPr>
+          <a:xfrm>
+            <a:off x="1899628" y="3755748"/>
+            <a:ext cx="1954333" cy="400110"/>
+          </a:xfrm>
+          <a:prstGeom prst="rect">
+            <a:avLst/>
+          </a:prstGeom>
+          <a:noFill/>
+        </p:spPr>
+        <p:txBody>
+          <a:bodyPr wrap="square" rtlCol="0">
+            <a:spAutoFit/>
+          </a:bodyPr>
+          <a:lstStyle/>
+          <a:p>
+            <a:r>
+              <a:rPr lang="en-US" sz="2000" dirty="0" smtClean="0">
+                <a:solidFill>
+                  <a:srgbClr val="000000"/>
+                </a:solidFill>
+                <a:latin typeface="Cambria" charset="0"/>
+                <a:ea typeface="Cambria" charset="0"/>
+                <a:cs typeface="Cambria" charset="0"/>
+              </a:rPr>
+              <a:t>1a. Text Search</a:t>
+            </a:r>
+            <a:endParaRPr lang="en-US" sz="2000" dirty="0">
+              <a:solidFill>
+                <a:srgbClr val="000000"/>
+              </a:solidFill>
+              <a:latin typeface="Cambria" charset="0"/>
+              <a:ea typeface="Cambria" charset="0"/>
+              <a:cs typeface="Cambria" charset="0"/>
+            </a:endParaRPr>
+          </a:p>
+        </p:txBody>
+      </p:sp>
+      <p:pic>
+        <p:nvPicPr>
+          <p:cNvPr id="24" name="Picture 23"/>
+          <p:cNvPicPr>
+            <a:picLocks noChangeAspect="1"/>
+          </p:cNvPicPr>
+          <p:nvPr/>
+        </p:nvPicPr>
+        <p:blipFill>
+          <a:blip r:embed="rId4">
+            <a:extLst>
+              <a:ext uri="{28A0092B-C50C-407E-A947-70E740481C1C}">
+                <a14:useLocalDpi xmlns:a14="http://schemas.microsoft.com/office/drawing/2010/main" val="0"/>
+              </a:ext>
+            </a:extLst>
+          </a:blip>
+          <a:stretch>
+            <a:fillRect/>
+          </a:stretch>
+        </p:blipFill>
+        <p:spPr>
+          <a:xfrm>
+            <a:off x="3905987" y="926929"/>
+            <a:ext cx="850290" cy="839004"/>
+          </a:xfrm>
+          <a:prstGeom prst="rect">
+            <a:avLst/>
+          </a:prstGeom>
+        </p:spPr>
+      </p:pic>
+      <p:sp>
+        <p:nvSpPr>
+          <p:cNvPr id="25" name="Up Arrow 24"/>
+          <p:cNvSpPr/>
+          <p:nvPr/>
+        </p:nvSpPr>
+        <p:spPr>
+          <a:xfrm rot="3098377">
+            <a:off x="2654530" y="1166486"/>
+            <a:ext cx="217957" cy="3046974"/>
+          </a:xfrm>
+          <a:prstGeom prst="upArrow">
+            <a:avLst/>
+          </a:prstGeom>
+          <a:solidFill>
+            <a:schemeClr val="accent1"/>
+          </a:solidFill>
+          <a:ln w="25400" cap="flat" cmpd="sng" algn="ctr">
+            <a:solidFill>
+              <a:schemeClr val="accent1"/>
+            </a:solidFill>
+            <a:prstDash val="solid"/>
+          </a:ln>
+          <a:effectLst/>
+        </p:spPr>
+        <p:txBody>
+          <a:bodyPr rtlCol="0" anchor="ctr"/>
+          <a:lstStyle/>
+          <a:p>
+            <a:pPr algn="ctr">
+              <a:defRPr/>
+            </a:pPr>
+            <a:endParaRPr lang="en-US" kern="0" smtClean="0">
+              <a:solidFill>
+                <a:srgbClr val="FFFFFF"/>
+              </a:solidFill>
+              <a:latin typeface="Arial"/>
+            </a:endParaRPr>
+          </a:p>
+        </p:txBody>
+      </p:sp>
+      <p:sp>
+        <p:nvSpPr>
+          <p:cNvPr id="26" name="Down Arrow 25"/>
+          <p:cNvSpPr/>
+          <p:nvPr/>
+        </p:nvSpPr>
+        <p:spPr>
+          <a:xfrm>
+            <a:off x="4218170" y="1865915"/>
+            <a:ext cx="213100" cy="1501766"/>
+          </a:xfrm>
+          <a:prstGeom prst="downArrow">
+            <a:avLst/>
+          </a:prstGeom>
+          <a:solidFill>
+            <a:schemeClr val="accent1"/>
+          </a:solidFill>
+          <a:ln w="25400" cap="flat" cmpd="sng" algn="ctr">
+            <a:solidFill>
+              <a:schemeClr val="accent1"/>
+            </a:solidFill>
+            <a:prstDash val="solid"/>
+          </a:ln>
+          <a:effectLst/>
+        </p:spPr>
+        <p:txBody>
+          <a:bodyPr rtlCol="0" anchor="ctr"/>
+          <a:lstStyle/>
+          <a:p>
+            <a:pPr algn="ctr">
+              <a:defRPr/>
+            </a:pPr>
+            <a:endParaRPr lang="en-US" kern="0" smtClean="0">
+              <a:solidFill>
+                <a:srgbClr val="FFFFFF"/>
+              </a:solidFill>
+              <a:latin typeface="Arial"/>
+            </a:endParaRPr>
+          </a:p>
+        </p:txBody>
+      </p:sp>
+      <p:sp>
+        <p:nvSpPr>
+          <p:cNvPr id="27" name="TextBox 26"/>
+          <p:cNvSpPr txBox="1"/>
+          <p:nvPr/>
+        </p:nvSpPr>
+        <p:spPr>
+          <a:xfrm rot="19217945">
+            <a:off x="1687897" y="2167635"/>
+            <a:ext cx="1950983" cy="400110"/>
+          </a:xfrm>
+          <a:prstGeom prst="rect">
+            <a:avLst/>
+          </a:prstGeom>
+          <a:noFill/>
+        </p:spPr>
+        <p:txBody>
+          <a:bodyPr wrap="none" rtlCol="0">
+            <a:spAutoFit/>
+          </a:bodyPr>
+          <a:lstStyle/>
+          <a:p>
+            <a:r>
+              <a:rPr lang="en-US" sz="2000" dirty="0" smtClean="0">
+                <a:solidFill>
+                  <a:srgbClr val="000000"/>
+                </a:solidFill>
+                <a:latin typeface="Cambria" charset="0"/>
+                <a:ea typeface="Cambria" charset="0"/>
+                <a:cs typeface="Cambria" charset="0"/>
+              </a:rPr>
+              <a:t>1b. Voice Search</a:t>
+            </a:r>
+            <a:endParaRPr lang="en-US" sz="2000" dirty="0">
+              <a:solidFill>
+                <a:srgbClr val="000000"/>
+              </a:solidFill>
+              <a:latin typeface="Cambria" charset="0"/>
+              <a:ea typeface="Cambria" charset="0"/>
+              <a:cs typeface="Cambria" charset="0"/>
+            </a:endParaRPr>
+          </a:p>
+        </p:txBody>
+      </p:sp>
+      <p:sp>
+        <p:nvSpPr>
+          <p:cNvPr id="28" name="TextBox 27"/>
+          <p:cNvSpPr txBox="1"/>
+          <p:nvPr/>
+        </p:nvSpPr>
+        <p:spPr>
+          <a:xfrm>
+            <a:off x="3494104" y="2486659"/>
+            <a:ext cx="648383" cy="707886"/>
+          </a:xfrm>
+          <a:prstGeom prst="rect">
+            <a:avLst/>
+          </a:prstGeom>
+          <a:noFill/>
+        </p:spPr>
+        <p:txBody>
+          <a:bodyPr wrap="none" rtlCol="0">
+            <a:spAutoFit/>
+          </a:bodyPr>
+          <a:lstStyle/>
+          <a:p>
+            <a:r>
+              <a:rPr lang="en-US" sz="2000" dirty="0" smtClean="0">
+                <a:solidFill>
+                  <a:srgbClr val="000000"/>
+                </a:solidFill>
+                <a:latin typeface="Cambria" charset="0"/>
+                <a:ea typeface="Cambria" charset="0"/>
+                <a:cs typeface="Cambria" charset="0"/>
+              </a:rPr>
+              <a:t>1c.</a:t>
+            </a:r>
+            <a:br>
+              <a:rPr lang="en-US" sz="2000" dirty="0" smtClean="0">
+                <a:solidFill>
+                  <a:srgbClr val="000000"/>
+                </a:solidFill>
+                <a:latin typeface="Cambria" charset="0"/>
+                <a:ea typeface="Cambria" charset="0"/>
+                <a:cs typeface="Cambria" charset="0"/>
+              </a:rPr>
+            </a:br>
+            <a:r>
+              <a:rPr lang="en-US" sz="2000" dirty="0" smtClean="0">
+                <a:solidFill>
+                  <a:srgbClr val="000000"/>
+                </a:solidFill>
+                <a:latin typeface="Cambria" charset="0"/>
+                <a:ea typeface="Cambria" charset="0"/>
+                <a:cs typeface="Cambria" charset="0"/>
+              </a:rPr>
+              <a:t>Text</a:t>
+            </a:r>
+            <a:endParaRPr lang="en-US" sz="2000" dirty="0">
+              <a:solidFill>
+                <a:srgbClr val="000000"/>
+              </a:solidFill>
+              <a:latin typeface="Cambria" charset="0"/>
+              <a:ea typeface="Cambria" charset="0"/>
+              <a:cs typeface="Cambria" charset="0"/>
+            </a:endParaRPr>
+          </a:p>
+        </p:txBody>
+      </p:sp>
+    </p:spTree>
+    <p:extLst>
+      <p:ext uri="{BB962C8B-B14F-4D97-AF65-F5344CB8AC3E}">
+        <p14:creationId xmlns:p14="http://schemas.microsoft.com/office/powerpoint/2010/main" val="460319982"/>
+      </p:ext>
+    </p:extLst>
+  </p:cSld>
+  <p:clrMapOvr>
+    <a:masterClrMapping/>
+  </p:clrMapOvr>
+  <p:timing>
+    <p:tnLst>
+      <p:par>
+        <p:cTn id="1" dur="indefinite" restart="never" nodeType="tmRoot"/>
+      </p:par>
+    </p:tnLst>
+  </p:timing>
+</p:sld>
+</file>
+
+<file path=ppt/slides/slide14.xml><?xml version="1.0" encoding="utf-8"?>
+<p:sld xmlns:a="http://schemas.openxmlformats.org/drawingml/2006/main" xmlns:r="http://schemas.openxmlformats.org/officeDocument/2006/relationships" xmlns:p="http://schemas.openxmlformats.org/presentationml/2006/main">
+  <p:cSld>
+    <p:spTree>
+      <p:nvGrpSpPr>
+        <p:cNvPr id="1" name=""/>
+        <p:cNvGrpSpPr/>
+        <p:nvPr/>
+      </p:nvGrpSpPr>
+      <p:grpSpPr>
+        <a:xfrm>
+          <a:off x="0" y="0"/>
+          <a:ext cx="0" cy="0"/>
+          <a:chOff x="0" y="0"/>
+          <a:chExt cx="0" cy="0"/>
+        </a:xfrm>
+      </p:grpSpPr>
+      <p:sp>
+        <p:nvSpPr>
+          <p:cNvPr id="2" name="Title 1"/>
+          <p:cNvSpPr>
+            <a:spLocks noGrp="1"/>
+          </p:cNvSpPr>
+          <p:nvPr>
+            <p:ph type="title"/>
+          </p:nvPr>
+        </p:nvSpPr>
+        <p:spPr>
+          <a:xfrm>
+            <a:off x="132008" y="0"/>
+            <a:ext cx="7886700" cy="587828"/>
+          </a:xfrm>
+        </p:spPr>
+        <p:txBody>
+          <a:bodyPr>
+            <a:normAutofit/>
+          </a:bodyPr>
+          <a:lstStyle/>
+          <a:p>
+            <a:r>
+              <a:rPr lang="en-US" sz="2700" dirty="0">
+                <a:latin typeface="Cambria" charset="0"/>
+                <a:ea typeface="Cambria" charset="0"/>
+                <a:cs typeface="Cambria" charset="0"/>
+              </a:rPr>
+              <a:t>Architecture: Bus Routing</a:t>
+            </a:r>
+            <a:endParaRPr lang="en-US" sz="2700" b="1" dirty="0">
+              <a:latin typeface="Cambria" charset="0"/>
+              <a:ea typeface="Cambria" charset="0"/>
+              <a:cs typeface="Cambria" charset="0"/>
+            </a:endParaRPr>
+          </a:p>
+        </p:txBody>
+      </p:sp>
+      <p:cxnSp>
+        <p:nvCxnSpPr>
+          <p:cNvPr id="6" name="Straight Connector 5"/>
+          <p:cNvCxnSpPr/>
+          <p:nvPr/>
+        </p:nvCxnSpPr>
+        <p:spPr>
+          <a:xfrm flipV="1">
+            <a:off x="215206" y="589136"/>
+            <a:ext cx="8780690" cy="12247"/>
+          </a:xfrm>
+          <a:prstGeom prst="line">
+            <a:avLst/>
+          </a:prstGeom>
+          <a:ln w="22225"/>
+        </p:spPr>
+        <p:style>
+          <a:lnRef idx="1">
+            <a:schemeClr val="accent1"/>
+          </a:lnRef>
+          <a:fillRef idx="0">
+            <a:schemeClr val="accent1"/>
+          </a:fillRef>
+          <a:effectRef idx="0">
+            <a:schemeClr val="accent1"/>
+          </a:effectRef>
+          <a:fontRef idx="minor">
+            <a:schemeClr val="tx1"/>
+          </a:fontRef>
+        </p:style>
+      </p:cxnSp>
+      <p:pic>
+        <p:nvPicPr>
+          <p:cNvPr id="20" name="Picture 2" descr="C:\Users\ngoan\Desktop\bus.png"/>
+          <p:cNvPicPr>
+            <a:picLocks noChangeAspect="1" noChangeArrowheads="1"/>
+          </p:cNvPicPr>
+          <p:nvPr/>
+        </p:nvPicPr>
+        <p:blipFill rotWithShape="1">
+          <a:blip r:embed="rId2">
+            <a:extLst>
+              <a:ext uri="{28A0092B-C50C-407E-A947-70E740481C1C}">
+                <a14:useLocalDpi xmlns:a14="http://schemas.microsoft.com/office/drawing/2010/main" val="0"/>
+              </a:ext>
+            </a:extLst>
+          </a:blip>
+          <a:srcRect l="41653" t="43647" r="50398" b="42181"/>
+          <a:stretch/>
+        </p:blipFill>
+        <p:spPr bwMode="auto">
+          <a:xfrm>
+            <a:off x="4008508" y="3493094"/>
+            <a:ext cx="597043" cy="925417"/>
+          </a:xfrm>
+          <a:prstGeom prst="rect">
+            <a:avLst/>
+          </a:prstGeom>
+          <a:noFill/>
+          <a:extLst>
+            <a:ext uri="{909E8E84-426E-40DD-AFC4-6F175D3DCCD1}">
+              <a14:hiddenFill xmlns:a14="http://schemas.microsoft.com/office/drawing/2010/main">
+                <a:solidFill>
+                  <a:srgbClr val="FFFFFF"/>
+                </a:solidFill>
+              </a14:hiddenFill>
+            </a:ext>
+          </a:extLst>
+        </p:spPr>
+      </p:pic>
+      <p:pic>
+        <p:nvPicPr>
+          <p:cNvPr id="21" name="Picture 20"/>
+          <p:cNvPicPr>
+            <a:picLocks noChangeAspect="1"/>
+          </p:cNvPicPr>
+          <p:nvPr/>
+        </p:nvPicPr>
+        <p:blipFill>
+          <a:blip r:embed="rId3">
+            <a:extLst>
+              <a:ext uri="{28A0092B-C50C-407E-A947-70E740481C1C}">
+                <a14:useLocalDpi xmlns:a14="http://schemas.microsoft.com/office/drawing/2010/main" val="0"/>
+              </a:ext>
+            </a:extLst>
+          </a:blip>
+          <a:stretch>
+            <a:fillRect/>
+          </a:stretch>
+        </p:blipFill>
+        <p:spPr>
+          <a:xfrm>
+            <a:off x="468010" y="3475470"/>
+            <a:ext cx="789246" cy="789246"/>
+          </a:xfrm>
+          <a:prstGeom prst="rect">
+            <a:avLst/>
+          </a:prstGeom>
+        </p:spPr>
+      </p:pic>
+      <p:sp>
+        <p:nvSpPr>
+          <p:cNvPr id="22" name="Right Arrow 21"/>
+          <p:cNvSpPr/>
+          <p:nvPr/>
+        </p:nvSpPr>
+        <p:spPr>
+          <a:xfrm>
+            <a:off x="1570322" y="4089312"/>
+            <a:ext cx="2315002" cy="199706"/>
+          </a:xfrm>
+          <a:prstGeom prst="rightArrow">
+            <a:avLst/>
+          </a:prstGeom>
+          <a:solidFill>
+            <a:srgbClr val="2388DB"/>
+          </a:solidFill>
+          <a:ln w="25400" cap="flat" cmpd="sng" algn="ctr">
+            <a:solidFill>
+              <a:srgbClr val="2388DB"/>
+            </a:solidFill>
+            <a:prstDash val="solid"/>
+          </a:ln>
+          <a:effectLst/>
+        </p:spPr>
+        <p:txBody>
+          <a:bodyPr rtlCol="0" anchor="ctr"/>
+          <a:lstStyle/>
+          <a:p>
+            <a:pPr algn="ctr">
+              <a:defRPr/>
+            </a:pPr>
+            <a:endParaRPr lang="en-US" kern="0" smtClean="0">
+              <a:solidFill>
+                <a:srgbClr val="FFFFFF"/>
+              </a:solidFill>
+              <a:latin typeface="Arial"/>
+            </a:endParaRPr>
+          </a:p>
+        </p:txBody>
+      </p:sp>
+      <p:sp>
+        <p:nvSpPr>
+          <p:cNvPr id="23" name="TextBox 22"/>
+          <p:cNvSpPr txBox="1"/>
+          <p:nvPr/>
+        </p:nvSpPr>
+        <p:spPr>
+          <a:xfrm>
+            <a:off x="1899628" y="3755748"/>
+            <a:ext cx="1954333" cy="400110"/>
+          </a:xfrm>
+          <a:prstGeom prst="rect">
+            <a:avLst/>
+          </a:prstGeom>
+          <a:noFill/>
+        </p:spPr>
+        <p:txBody>
+          <a:bodyPr wrap="square" rtlCol="0">
+            <a:spAutoFit/>
+          </a:bodyPr>
+          <a:lstStyle/>
+          <a:p>
+            <a:r>
+              <a:rPr lang="en-US" sz="2000" dirty="0" smtClean="0">
+                <a:solidFill>
+                  <a:srgbClr val="000000"/>
+                </a:solidFill>
+                <a:latin typeface="Cambria" charset="0"/>
+                <a:ea typeface="Cambria" charset="0"/>
+                <a:cs typeface="Cambria" charset="0"/>
+              </a:rPr>
+              <a:t>1a. Text Search</a:t>
+            </a:r>
+            <a:endParaRPr lang="en-US" sz="2000" dirty="0">
+              <a:solidFill>
+                <a:srgbClr val="000000"/>
+              </a:solidFill>
+              <a:latin typeface="Cambria" charset="0"/>
+              <a:ea typeface="Cambria" charset="0"/>
+              <a:cs typeface="Cambria" charset="0"/>
+            </a:endParaRPr>
+          </a:p>
+        </p:txBody>
+      </p:sp>
+      <p:pic>
+        <p:nvPicPr>
+          <p:cNvPr id="24" name="Picture 23"/>
+          <p:cNvPicPr>
+            <a:picLocks noChangeAspect="1"/>
+          </p:cNvPicPr>
+          <p:nvPr/>
+        </p:nvPicPr>
+        <p:blipFill>
+          <a:blip r:embed="rId4">
+            <a:extLst>
+              <a:ext uri="{28A0092B-C50C-407E-A947-70E740481C1C}">
+                <a14:useLocalDpi xmlns:a14="http://schemas.microsoft.com/office/drawing/2010/main" val="0"/>
+              </a:ext>
+            </a:extLst>
+          </a:blip>
+          <a:stretch>
+            <a:fillRect/>
+          </a:stretch>
+        </p:blipFill>
+        <p:spPr>
+          <a:xfrm>
+            <a:off x="3905987" y="926929"/>
+            <a:ext cx="850290" cy="839004"/>
+          </a:xfrm>
+          <a:prstGeom prst="rect">
+            <a:avLst/>
+          </a:prstGeom>
+        </p:spPr>
+      </p:pic>
+      <p:sp>
+        <p:nvSpPr>
+          <p:cNvPr id="25" name="Up Arrow 24"/>
+          <p:cNvSpPr/>
+          <p:nvPr/>
+        </p:nvSpPr>
+        <p:spPr>
+          <a:xfrm rot="3098377">
+            <a:off x="2654530" y="1166486"/>
+            <a:ext cx="217957" cy="3046974"/>
+          </a:xfrm>
+          <a:prstGeom prst="upArrow">
+            <a:avLst/>
+          </a:prstGeom>
+          <a:solidFill>
+            <a:schemeClr val="accent1"/>
+          </a:solidFill>
+          <a:ln w="25400" cap="flat" cmpd="sng" algn="ctr">
+            <a:solidFill>
+              <a:schemeClr val="accent1"/>
+            </a:solidFill>
+            <a:prstDash val="solid"/>
+          </a:ln>
+          <a:effectLst/>
+        </p:spPr>
+        <p:txBody>
+          <a:bodyPr rtlCol="0" anchor="ctr"/>
+          <a:lstStyle/>
+          <a:p>
+            <a:pPr algn="ctr">
+              <a:defRPr/>
+            </a:pPr>
+            <a:endParaRPr lang="en-US" kern="0" smtClean="0">
+              <a:solidFill>
+                <a:srgbClr val="FFFFFF"/>
+              </a:solidFill>
+              <a:latin typeface="Arial"/>
+            </a:endParaRPr>
+          </a:p>
+        </p:txBody>
+      </p:sp>
+      <p:sp>
+        <p:nvSpPr>
+          <p:cNvPr id="26" name="Down Arrow 25"/>
+          <p:cNvSpPr/>
+          <p:nvPr/>
+        </p:nvSpPr>
+        <p:spPr>
+          <a:xfrm>
+            <a:off x="4218170" y="1865915"/>
+            <a:ext cx="213100" cy="1501766"/>
+          </a:xfrm>
+          <a:prstGeom prst="downArrow">
+            <a:avLst/>
+          </a:prstGeom>
+          <a:solidFill>
+            <a:schemeClr val="accent1"/>
+          </a:solidFill>
+          <a:ln w="25400" cap="flat" cmpd="sng" algn="ctr">
+            <a:solidFill>
+              <a:schemeClr val="accent1"/>
+            </a:solidFill>
+            <a:prstDash val="solid"/>
+          </a:ln>
+          <a:effectLst/>
+        </p:spPr>
+        <p:txBody>
+          <a:bodyPr rtlCol="0" anchor="ctr"/>
+          <a:lstStyle/>
+          <a:p>
+            <a:pPr algn="ctr">
+              <a:defRPr/>
+            </a:pPr>
+            <a:endParaRPr lang="en-US" kern="0" smtClean="0">
+              <a:solidFill>
+                <a:srgbClr val="FFFFFF"/>
+              </a:solidFill>
+              <a:latin typeface="Arial"/>
+            </a:endParaRPr>
+          </a:p>
+        </p:txBody>
+      </p:sp>
+      <p:sp>
+        <p:nvSpPr>
+          <p:cNvPr id="27" name="TextBox 26"/>
+          <p:cNvSpPr txBox="1"/>
+          <p:nvPr/>
+        </p:nvSpPr>
+        <p:spPr>
+          <a:xfrm rot="19217945">
+            <a:off x="1687897" y="2167635"/>
+            <a:ext cx="1950983" cy="400110"/>
+          </a:xfrm>
+          <a:prstGeom prst="rect">
+            <a:avLst/>
+          </a:prstGeom>
+          <a:noFill/>
+        </p:spPr>
+        <p:txBody>
+          <a:bodyPr wrap="none" rtlCol="0">
+            <a:spAutoFit/>
+          </a:bodyPr>
+          <a:lstStyle/>
+          <a:p>
+            <a:r>
+              <a:rPr lang="en-US" sz="2000" dirty="0" smtClean="0">
+                <a:solidFill>
+                  <a:srgbClr val="000000"/>
+                </a:solidFill>
+                <a:latin typeface="Cambria" charset="0"/>
+                <a:ea typeface="Cambria" charset="0"/>
+                <a:cs typeface="Cambria" charset="0"/>
+              </a:rPr>
+              <a:t>1b. Voice Search</a:t>
+            </a:r>
+            <a:endParaRPr lang="en-US" sz="2000" dirty="0">
+              <a:solidFill>
+                <a:srgbClr val="000000"/>
+              </a:solidFill>
+              <a:latin typeface="Cambria" charset="0"/>
+              <a:ea typeface="Cambria" charset="0"/>
+              <a:cs typeface="Cambria" charset="0"/>
+            </a:endParaRPr>
+          </a:p>
+        </p:txBody>
+      </p:sp>
+      <p:sp>
+        <p:nvSpPr>
+          <p:cNvPr id="28" name="TextBox 27"/>
+          <p:cNvSpPr txBox="1"/>
+          <p:nvPr/>
+        </p:nvSpPr>
+        <p:spPr>
+          <a:xfrm>
+            <a:off x="3494104" y="2486659"/>
+            <a:ext cx="648383" cy="707886"/>
+          </a:xfrm>
+          <a:prstGeom prst="rect">
+            <a:avLst/>
+          </a:prstGeom>
+          <a:noFill/>
+        </p:spPr>
+        <p:txBody>
+          <a:bodyPr wrap="none" rtlCol="0">
+            <a:spAutoFit/>
+          </a:bodyPr>
+          <a:lstStyle/>
+          <a:p>
+            <a:r>
+              <a:rPr lang="en-US" sz="2000" dirty="0" smtClean="0">
+                <a:solidFill>
+                  <a:srgbClr val="000000"/>
+                </a:solidFill>
+                <a:latin typeface="Cambria" charset="0"/>
+                <a:ea typeface="Cambria" charset="0"/>
+                <a:cs typeface="Cambria" charset="0"/>
+              </a:rPr>
+              <a:t>1c.</a:t>
+            </a:r>
+            <a:br>
+              <a:rPr lang="en-US" sz="2000" dirty="0" smtClean="0">
+                <a:solidFill>
+                  <a:srgbClr val="000000"/>
+                </a:solidFill>
+                <a:latin typeface="Cambria" charset="0"/>
+                <a:ea typeface="Cambria" charset="0"/>
+                <a:cs typeface="Cambria" charset="0"/>
+              </a:rPr>
+            </a:br>
+            <a:r>
+              <a:rPr lang="en-US" sz="2000" dirty="0" smtClean="0">
+                <a:solidFill>
+                  <a:srgbClr val="000000"/>
+                </a:solidFill>
+                <a:latin typeface="Cambria" charset="0"/>
+                <a:ea typeface="Cambria" charset="0"/>
+                <a:cs typeface="Cambria" charset="0"/>
+              </a:rPr>
+              <a:t>Text</a:t>
+            </a:r>
+            <a:endParaRPr lang="en-US" sz="2000" dirty="0">
+              <a:solidFill>
+                <a:srgbClr val="000000"/>
+              </a:solidFill>
+              <a:latin typeface="Cambria" charset="0"/>
+              <a:ea typeface="Cambria" charset="0"/>
+              <a:cs typeface="Cambria" charset="0"/>
+            </a:endParaRPr>
+          </a:p>
+        </p:txBody>
+      </p:sp>
+      <p:pic>
+        <p:nvPicPr>
+          <p:cNvPr id="34" name="Picture 33"/>
+          <p:cNvPicPr>
+            <a:picLocks noChangeAspect="1"/>
+          </p:cNvPicPr>
+          <p:nvPr/>
+        </p:nvPicPr>
+        <p:blipFill rotWithShape="1">
+          <a:blip r:embed="rId5">
+            <a:extLst>
+              <a:ext uri="{28A0092B-C50C-407E-A947-70E740481C1C}">
+                <a14:useLocalDpi xmlns:a14="http://schemas.microsoft.com/office/drawing/2010/main" val="0"/>
+              </a:ext>
+            </a:extLst>
+          </a:blip>
+          <a:srcRect l="22301" r="22655" b="23406"/>
+          <a:stretch/>
+        </p:blipFill>
+        <p:spPr>
+          <a:xfrm>
+            <a:off x="7507047" y="754102"/>
+            <a:ext cx="914400" cy="954286"/>
+          </a:xfrm>
+          <a:prstGeom prst="rect">
+            <a:avLst/>
+          </a:prstGeom>
+        </p:spPr>
+      </p:pic>
+      <p:sp>
+        <p:nvSpPr>
+          <p:cNvPr id="36" name="TextBox 35"/>
+          <p:cNvSpPr txBox="1"/>
+          <p:nvPr/>
+        </p:nvSpPr>
+        <p:spPr>
+          <a:xfrm>
+            <a:off x="7282134" y="1903129"/>
+            <a:ext cx="1537857" cy="400110"/>
+          </a:xfrm>
+          <a:prstGeom prst="rect">
+            <a:avLst/>
+          </a:prstGeom>
+          <a:noFill/>
+        </p:spPr>
+        <p:txBody>
+          <a:bodyPr wrap="none" rtlCol="0">
+            <a:spAutoFit/>
+          </a:bodyPr>
+          <a:lstStyle/>
+          <a:p>
+            <a:r>
+              <a:rPr lang="en-US" sz="2000" b="1" dirty="0" smtClean="0">
+                <a:solidFill>
+                  <a:srgbClr val="FF0000"/>
+                </a:solidFill>
+                <a:latin typeface="Cambria" charset="0"/>
+                <a:ea typeface="Cambria" charset="0"/>
+                <a:cs typeface="Cambria" charset="0"/>
+              </a:rPr>
+              <a:t>Bus Service</a:t>
+            </a:r>
+            <a:endParaRPr lang="en-US" sz="2000" b="1" dirty="0">
+              <a:solidFill>
+                <a:srgbClr val="FF0000"/>
+              </a:solidFill>
+              <a:latin typeface="Cambria" charset="0"/>
+              <a:ea typeface="Cambria" charset="0"/>
+              <a:cs typeface="Cambria" charset="0"/>
+            </a:endParaRPr>
+          </a:p>
+        </p:txBody>
+      </p:sp>
+    </p:spTree>
+    <p:extLst>
+      <p:ext uri="{BB962C8B-B14F-4D97-AF65-F5344CB8AC3E}">
+        <p14:creationId xmlns:p14="http://schemas.microsoft.com/office/powerpoint/2010/main" val="1361840980"/>
+      </p:ext>
+    </p:extLst>
+  </p:cSld>
+  <p:clrMapOvr>
+    <a:masterClrMapping/>
+  </p:clrMapOvr>
+  <p:timing>
+    <p:tnLst>
+      <p:par>
+        <p:cTn id="1" dur="indefinite" restart="never" nodeType="tmRoot"/>
+      </p:par>
+    </p:tnLst>
+  </p:timing>
+</p:sld>
+</file>
+
+<file path=ppt/slides/slide15.xml><?xml version="1.0" encoding="utf-8"?>
+<p:sld xmlns:a="http://schemas.openxmlformats.org/drawingml/2006/main" xmlns:r="http://schemas.openxmlformats.org/officeDocument/2006/relationships" xmlns:p="http://schemas.openxmlformats.org/presentationml/2006/main">
+  <p:cSld>
+    <p:spTree>
+      <p:nvGrpSpPr>
+        <p:cNvPr id="1" name=""/>
+        <p:cNvGrpSpPr/>
+        <p:nvPr/>
+      </p:nvGrpSpPr>
+      <p:grpSpPr>
+        <a:xfrm>
+          <a:off x="0" y="0"/>
+          <a:ext cx="0" cy="0"/>
+          <a:chOff x="0" y="0"/>
+          <a:chExt cx="0" cy="0"/>
+        </a:xfrm>
+      </p:grpSpPr>
+      <p:sp>
+        <p:nvSpPr>
+          <p:cNvPr id="2" name="Title 1"/>
+          <p:cNvSpPr>
+            <a:spLocks noGrp="1"/>
+          </p:cNvSpPr>
+          <p:nvPr>
+            <p:ph type="title"/>
+          </p:nvPr>
+        </p:nvSpPr>
+        <p:spPr>
+          <a:xfrm>
+            <a:off x="132008" y="0"/>
+            <a:ext cx="7886700" cy="587828"/>
+          </a:xfrm>
+        </p:spPr>
+        <p:txBody>
+          <a:bodyPr>
+            <a:normAutofit/>
+          </a:bodyPr>
+          <a:lstStyle/>
+          <a:p>
+            <a:r>
+              <a:rPr lang="en-US" sz="2700" dirty="0">
+                <a:latin typeface="Cambria" charset="0"/>
+                <a:ea typeface="Cambria" charset="0"/>
+                <a:cs typeface="Cambria" charset="0"/>
+              </a:rPr>
+              <a:t>Architecture: Bus Routing</a:t>
+            </a:r>
+            <a:endParaRPr lang="en-US" sz="2700" b="1" dirty="0">
+              <a:latin typeface="Cambria" charset="0"/>
+              <a:ea typeface="Cambria" charset="0"/>
+              <a:cs typeface="Cambria" charset="0"/>
+            </a:endParaRPr>
+          </a:p>
+        </p:txBody>
+      </p:sp>
+      <p:cxnSp>
+        <p:nvCxnSpPr>
+          <p:cNvPr id="6" name="Straight Connector 5"/>
+          <p:cNvCxnSpPr/>
+          <p:nvPr/>
+        </p:nvCxnSpPr>
+        <p:spPr>
+          <a:xfrm flipV="1">
+            <a:off x="215206" y="589136"/>
+            <a:ext cx="8780690" cy="12247"/>
+          </a:xfrm>
+          <a:prstGeom prst="line">
+            <a:avLst/>
+          </a:prstGeom>
+          <a:ln w="22225"/>
+        </p:spPr>
+        <p:style>
+          <a:lnRef idx="1">
+            <a:schemeClr val="accent1"/>
+          </a:lnRef>
+          <a:fillRef idx="0">
+            <a:schemeClr val="accent1"/>
+          </a:fillRef>
+          <a:effectRef idx="0">
+            <a:schemeClr val="accent1"/>
+          </a:effectRef>
+          <a:fontRef idx="minor">
+            <a:schemeClr val="tx1"/>
+          </a:fontRef>
+        </p:style>
+      </p:cxnSp>
+      <p:pic>
+        <p:nvPicPr>
+          <p:cNvPr id="20" name="Picture 2" descr="C:\Users\ngoan\Desktop\bus.png"/>
+          <p:cNvPicPr>
+            <a:picLocks noChangeAspect="1" noChangeArrowheads="1"/>
+          </p:cNvPicPr>
+          <p:nvPr/>
+        </p:nvPicPr>
+        <p:blipFill rotWithShape="1">
+          <a:blip r:embed="rId2">
+            <a:extLst>
+              <a:ext uri="{28A0092B-C50C-407E-A947-70E740481C1C}">
+                <a14:useLocalDpi xmlns:a14="http://schemas.microsoft.com/office/drawing/2010/main" val="0"/>
+              </a:ext>
+            </a:extLst>
+          </a:blip>
+          <a:srcRect l="41653" t="43647" r="50398" b="42181"/>
+          <a:stretch/>
+        </p:blipFill>
+        <p:spPr bwMode="auto">
+          <a:xfrm>
+            <a:off x="4008508" y="3493094"/>
+            <a:ext cx="597043" cy="925417"/>
+          </a:xfrm>
+          <a:prstGeom prst="rect">
+            <a:avLst/>
+          </a:prstGeom>
+          <a:noFill/>
+          <a:extLst>
+            <a:ext uri="{909E8E84-426E-40DD-AFC4-6F175D3DCCD1}">
+              <a14:hiddenFill xmlns:a14="http://schemas.microsoft.com/office/drawing/2010/main">
+                <a:solidFill>
+                  <a:srgbClr val="FFFFFF"/>
+                </a:solidFill>
+              </a14:hiddenFill>
+            </a:ext>
+          </a:extLst>
+        </p:spPr>
+      </p:pic>
+      <p:pic>
+        <p:nvPicPr>
+          <p:cNvPr id="21" name="Picture 20"/>
+          <p:cNvPicPr>
+            <a:picLocks noChangeAspect="1"/>
+          </p:cNvPicPr>
+          <p:nvPr/>
+        </p:nvPicPr>
+        <p:blipFill>
+          <a:blip r:embed="rId3">
+            <a:extLst>
+              <a:ext uri="{28A0092B-C50C-407E-A947-70E740481C1C}">
+                <a14:useLocalDpi xmlns:a14="http://schemas.microsoft.com/office/drawing/2010/main" val="0"/>
+              </a:ext>
+            </a:extLst>
+          </a:blip>
+          <a:stretch>
+            <a:fillRect/>
+          </a:stretch>
+        </p:blipFill>
+        <p:spPr>
+          <a:xfrm>
+            <a:off x="468010" y="3475470"/>
+            <a:ext cx="789246" cy="789246"/>
+          </a:xfrm>
+          <a:prstGeom prst="rect">
+            <a:avLst/>
+          </a:prstGeom>
+        </p:spPr>
+      </p:pic>
+      <p:sp>
+        <p:nvSpPr>
+          <p:cNvPr id="22" name="Right Arrow 21"/>
+          <p:cNvSpPr/>
+          <p:nvPr/>
+        </p:nvSpPr>
+        <p:spPr>
+          <a:xfrm>
+            <a:off x="1570322" y="4089312"/>
+            <a:ext cx="2315002" cy="199706"/>
+          </a:xfrm>
+          <a:prstGeom prst="rightArrow">
+            <a:avLst/>
+          </a:prstGeom>
+          <a:solidFill>
+            <a:srgbClr val="2388DB"/>
+          </a:solidFill>
+          <a:ln w="25400" cap="flat" cmpd="sng" algn="ctr">
+            <a:solidFill>
+              <a:srgbClr val="2388DB"/>
+            </a:solidFill>
+            <a:prstDash val="solid"/>
+          </a:ln>
+          <a:effectLst/>
+        </p:spPr>
+        <p:txBody>
+          <a:bodyPr rtlCol="0" anchor="ctr"/>
+          <a:lstStyle/>
+          <a:p>
+            <a:pPr algn="ctr">
+              <a:defRPr/>
+            </a:pPr>
+            <a:endParaRPr lang="en-US" kern="0" smtClean="0">
+              <a:solidFill>
+                <a:srgbClr val="FFFFFF"/>
+              </a:solidFill>
+              <a:latin typeface="Arial"/>
+            </a:endParaRPr>
+          </a:p>
+        </p:txBody>
+      </p:sp>
+      <p:sp>
+        <p:nvSpPr>
+          <p:cNvPr id="23" name="TextBox 22"/>
+          <p:cNvSpPr txBox="1"/>
+          <p:nvPr/>
+        </p:nvSpPr>
+        <p:spPr>
+          <a:xfrm>
+            <a:off x="1899628" y="3755748"/>
+            <a:ext cx="1954333" cy="400110"/>
+          </a:xfrm>
+          <a:prstGeom prst="rect">
+            <a:avLst/>
+          </a:prstGeom>
+          <a:noFill/>
+        </p:spPr>
+        <p:txBody>
+          <a:bodyPr wrap="square" rtlCol="0">
+            <a:spAutoFit/>
+          </a:bodyPr>
+          <a:lstStyle/>
+          <a:p>
+            <a:r>
+              <a:rPr lang="en-US" sz="2000" dirty="0" smtClean="0">
+                <a:solidFill>
+                  <a:srgbClr val="000000"/>
+                </a:solidFill>
+                <a:latin typeface="Cambria" charset="0"/>
+                <a:ea typeface="Cambria" charset="0"/>
+                <a:cs typeface="Cambria" charset="0"/>
+              </a:rPr>
+              <a:t>1a. Text Search</a:t>
+            </a:r>
+            <a:endParaRPr lang="en-US" sz="2000" dirty="0">
+              <a:solidFill>
+                <a:srgbClr val="000000"/>
+              </a:solidFill>
+              <a:latin typeface="Cambria" charset="0"/>
+              <a:ea typeface="Cambria" charset="0"/>
+              <a:cs typeface="Cambria" charset="0"/>
+            </a:endParaRPr>
+          </a:p>
+        </p:txBody>
+      </p:sp>
+      <p:pic>
+        <p:nvPicPr>
+          <p:cNvPr id="24" name="Picture 23"/>
+          <p:cNvPicPr>
+            <a:picLocks noChangeAspect="1"/>
+          </p:cNvPicPr>
+          <p:nvPr/>
+        </p:nvPicPr>
+        <p:blipFill>
+          <a:blip r:embed="rId4">
+            <a:extLst>
+              <a:ext uri="{28A0092B-C50C-407E-A947-70E740481C1C}">
+                <a14:useLocalDpi xmlns:a14="http://schemas.microsoft.com/office/drawing/2010/main" val="0"/>
+              </a:ext>
+            </a:extLst>
+          </a:blip>
+          <a:stretch>
+            <a:fillRect/>
+          </a:stretch>
+        </p:blipFill>
+        <p:spPr>
+          <a:xfrm>
+            <a:off x="3905987" y="926929"/>
+            <a:ext cx="850290" cy="839004"/>
+          </a:xfrm>
+          <a:prstGeom prst="rect">
+            <a:avLst/>
+          </a:prstGeom>
+        </p:spPr>
+      </p:pic>
+      <p:sp>
+        <p:nvSpPr>
+          <p:cNvPr id="25" name="Up Arrow 24"/>
+          <p:cNvSpPr/>
+          <p:nvPr/>
+        </p:nvSpPr>
+        <p:spPr>
+          <a:xfrm rot="3098377">
+            <a:off x="2654530" y="1166486"/>
+            <a:ext cx="217957" cy="3046974"/>
+          </a:xfrm>
+          <a:prstGeom prst="upArrow">
+            <a:avLst/>
+          </a:prstGeom>
+          <a:solidFill>
+            <a:schemeClr val="accent1"/>
+          </a:solidFill>
+          <a:ln w="25400" cap="flat" cmpd="sng" algn="ctr">
+            <a:solidFill>
+              <a:schemeClr val="accent1"/>
+            </a:solidFill>
+            <a:prstDash val="solid"/>
+          </a:ln>
+          <a:effectLst/>
+        </p:spPr>
+        <p:txBody>
+          <a:bodyPr rtlCol="0" anchor="ctr"/>
+          <a:lstStyle/>
+          <a:p>
+            <a:pPr algn="ctr">
+              <a:defRPr/>
+            </a:pPr>
+            <a:endParaRPr lang="en-US" kern="0" smtClean="0">
+              <a:solidFill>
+                <a:srgbClr val="FFFFFF"/>
+              </a:solidFill>
+              <a:latin typeface="Arial"/>
+            </a:endParaRPr>
+          </a:p>
+        </p:txBody>
+      </p:sp>
+      <p:sp>
+        <p:nvSpPr>
+          <p:cNvPr id="26" name="Down Arrow 25"/>
+          <p:cNvSpPr/>
+          <p:nvPr/>
+        </p:nvSpPr>
+        <p:spPr>
+          <a:xfrm>
+            <a:off x="4218170" y="1865915"/>
+            <a:ext cx="213100" cy="1501766"/>
+          </a:xfrm>
+          <a:prstGeom prst="downArrow">
+            <a:avLst/>
+          </a:prstGeom>
+          <a:solidFill>
+            <a:schemeClr val="accent1"/>
+          </a:solidFill>
+          <a:ln w="25400" cap="flat" cmpd="sng" algn="ctr">
+            <a:solidFill>
+              <a:schemeClr val="accent1"/>
+            </a:solidFill>
+            <a:prstDash val="solid"/>
+          </a:ln>
+          <a:effectLst/>
+        </p:spPr>
+        <p:txBody>
+          <a:bodyPr rtlCol="0" anchor="ctr"/>
+          <a:lstStyle/>
+          <a:p>
+            <a:pPr algn="ctr">
+              <a:defRPr/>
+            </a:pPr>
+            <a:endParaRPr lang="en-US" kern="0" smtClean="0">
+              <a:solidFill>
+                <a:srgbClr val="FFFFFF"/>
+              </a:solidFill>
+              <a:latin typeface="Arial"/>
+            </a:endParaRPr>
+          </a:p>
+        </p:txBody>
+      </p:sp>
+      <p:sp>
+        <p:nvSpPr>
+          <p:cNvPr id="27" name="TextBox 26"/>
+          <p:cNvSpPr txBox="1"/>
+          <p:nvPr/>
+        </p:nvSpPr>
+        <p:spPr>
+          <a:xfrm rot="19217945">
+            <a:off x="1687897" y="2167635"/>
+            <a:ext cx="1950983" cy="400110"/>
+          </a:xfrm>
+          <a:prstGeom prst="rect">
+            <a:avLst/>
+          </a:prstGeom>
+          <a:noFill/>
+        </p:spPr>
+        <p:txBody>
+          <a:bodyPr wrap="none" rtlCol="0">
+            <a:spAutoFit/>
+          </a:bodyPr>
+          <a:lstStyle/>
+          <a:p>
+            <a:r>
+              <a:rPr lang="en-US" sz="2000" dirty="0" smtClean="0">
+                <a:solidFill>
+                  <a:srgbClr val="000000"/>
+                </a:solidFill>
+                <a:latin typeface="Cambria" charset="0"/>
+                <a:ea typeface="Cambria" charset="0"/>
+                <a:cs typeface="Cambria" charset="0"/>
+              </a:rPr>
+              <a:t>1b. Voice Search</a:t>
+            </a:r>
+            <a:endParaRPr lang="en-US" sz="2000" dirty="0">
+              <a:solidFill>
+                <a:srgbClr val="000000"/>
+              </a:solidFill>
+              <a:latin typeface="Cambria" charset="0"/>
+              <a:ea typeface="Cambria" charset="0"/>
+              <a:cs typeface="Cambria" charset="0"/>
+            </a:endParaRPr>
+          </a:p>
+        </p:txBody>
+      </p:sp>
+      <p:sp>
+        <p:nvSpPr>
+          <p:cNvPr id="28" name="TextBox 27"/>
+          <p:cNvSpPr txBox="1"/>
+          <p:nvPr/>
+        </p:nvSpPr>
+        <p:spPr>
+          <a:xfrm>
+            <a:off x="3494104" y="2486659"/>
+            <a:ext cx="648383" cy="707886"/>
+          </a:xfrm>
+          <a:prstGeom prst="rect">
+            <a:avLst/>
+          </a:prstGeom>
+          <a:noFill/>
+        </p:spPr>
+        <p:txBody>
+          <a:bodyPr wrap="none" rtlCol="0">
+            <a:spAutoFit/>
+          </a:bodyPr>
+          <a:lstStyle/>
+          <a:p>
+            <a:r>
+              <a:rPr lang="en-US" sz="2000" dirty="0" smtClean="0">
+                <a:solidFill>
+                  <a:srgbClr val="000000"/>
+                </a:solidFill>
+                <a:latin typeface="Cambria" charset="0"/>
+                <a:ea typeface="Cambria" charset="0"/>
+                <a:cs typeface="Cambria" charset="0"/>
+              </a:rPr>
+              <a:t>1c.</a:t>
+            </a:r>
+            <a:br>
+              <a:rPr lang="en-US" sz="2000" dirty="0" smtClean="0">
+                <a:solidFill>
+                  <a:srgbClr val="000000"/>
+                </a:solidFill>
+                <a:latin typeface="Cambria" charset="0"/>
+                <a:ea typeface="Cambria" charset="0"/>
+                <a:cs typeface="Cambria" charset="0"/>
+              </a:rPr>
+            </a:br>
+            <a:r>
+              <a:rPr lang="en-US" sz="2000" dirty="0" smtClean="0">
+                <a:solidFill>
+                  <a:srgbClr val="000000"/>
+                </a:solidFill>
+                <a:latin typeface="Cambria" charset="0"/>
+                <a:ea typeface="Cambria" charset="0"/>
+                <a:cs typeface="Cambria" charset="0"/>
+              </a:rPr>
+              <a:t>Text</a:t>
+            </a:r>
+            <a:endParaRPr lang="en-US" sz="2000" dirty="0">
+              <a:solidFill>
+                <a:srgbClr val="000000"/>
+              </a:solidFill>
+              <a:latin typeface="Cambria" charset="0"/>
+              <a:ea typeface="Cambria" charset="0"/>
+              <a:cs typeface="Cambria" charset="0"/>
+            </a:endParaRPr>
+          </a:p>
+        </p:txBody>
+      </p:sp>
+      <p:sp>
+        <p:nvSpPr>
+          <p:cNvPr id="29" name="Up Arrow 28"/>
+          <p:cNvSpPr/>
+          <p:nvPr/>
+        </p:nvSpPr>
+        <p:spPr>
+          <a:xfrm rot="2900683">
+            <a:off x="5766506" y="1382582"/>
+            <a:ext cx="222582" cy="2782163"/>
+          </a:xfrm>
+          <a:prstGeom prst="upArrow">
+            <a:avLst/>
+          </a:prstGeom>
+          <a:solidFill>
+            <a:schemeClr val="accent1"/>
+          </a:solidFill>
+          <a:ln w="25400" cap="flat" cmpd="sng" algn="ctr">
+            <a:solidFill>
+              <a:schemeClr val="accent1"/>
+            </a:solidFill>
+            <a:prstDash val="solid"/>
+          </a:ln>
+          <a:effectLst/>
+        </p:spPr>
+        <p:txBody>
+          <a:bodyPr rtlCol="0" anchor="ctr"/>
+          <a:lstStyle/>
+          <a:p>
+            <a:pPr algn="ctr">
+              <a:defRPr/>
+            </a:pPr>
+            <a:endParaRPr lang="en-US" kern="0" smtClean="0">
+              <a:solidFill>
+                <a:srgbClr val="FFFFFF"/>
+              </a:solidFill>
+              <a:latin typeface="Arial"/>
+            </a:endParaRPr>
+          </a:p>
+        </p:txBody>
+      </p:sp>
+      <p:sp>
+        <p:nvSpPr>
+          <p:cNvPr id="31" name="TextBox 30"/>
+          <p:cNvSpPr txBox="1"/>
+          <p:nvPr/>
+        </p:nvSpPr>
+        <p:spPr>
+          <a:xfrm rot="19042530">
+            <a:off x="4462326" y="2355094"/>
+            <a:ext cx="2413802" cy="400110"/>
+          </a:xfrm>
+          <a:prstGeom prst="rect">
+            <a:avLst/>
+          </a:prstGeom>
+          <a:noFill/>
+        </p:spPr>
+        <p:txBody>
+          <a:bodyPr wrap="none" rtlCol="0">
+            <a:spAutoFit/>
+          </a:bodyPr>
+          <a:lstStyle/>
+          <a:p>
+            <a:r>
+              <a:rPr lang="en-US" sz="2000" dirty="0" smtClean="0">
+                <a:solidFill>
+                  <a:srgbClr val="000000"/>
+                </a:solidFill>
+                <a:latin typeface="Cambria" charset="0"/>
+                <a:ea typeface="Cambria" charset="0"/>
+                <a:cs typeface="Cambria" charset="0"/>
+              </a:rPr>
+              <a:t>2. Request bus route</a:t>
+            </a:r>
+            <a:endParaRPr lang="en-US" sz="2000" dirty="0">
+              <a:solidFill>
+                <a:srgbClr val="000000"/>
+              </a:solidFill>
+              <a:latin typeface="Cambria" charset="0"/>
+              <a:ea typeface="Cambria" charset="0"/>
+              <a:cs typeface="Cambria" charset="0"/>
+            </a:endParaRPr>
+          </a:p>
+        </p:txBody>
+      </p:sp>
+      <p:pic>
+        <p:nvPicPr>
+          <p:cNvPr id="34" name="Picture 33"/>
+          <p:cNvPicPr>
+            <a:picLocks noChangeAspect="1"/>
+          </p:cNvPicPr>
+          <p:nvPr/>
+        </p:nvPicPr>
+        <p:blipFill rotWithShape="1">
+          <a:blip r:embed="rId5">
+            <a:extLst>
+              <a:ext uri="{28A0092B-C50C-407E-A947-70E740481C1C}">
+                <a14:useLocalDpi xmlns:a14="http://schemas.microsoft.com/office/drawing/2010/main" val="0"/>
+              </a:ext>
+            </a:extLst>
+          </a:blip>
+          <a:srcRect l="22301" r="22655" b="23406"/>
+          <a:stretch/>
+        </p:blipFill>
+        <p:spPr>
+          <a:xfrm>
+            <a:off x="7507047" y="754102"/>
+            <a:ext cx="914400" cy="954286"/>
+          </a:xfrm>
+          <a:prstGeom prst="rect">
+            <a:avLst/>
+          </a:prstGeom>
+        </p:spPr>
+      </p:pic>
+      <p:sp>
+        <p:nvSpPr>
+          <p:cNvPr id="36" name="TextBox 35"/>
+          <p:cNvSpPr txBox="1"/>
+          <p:nvPr/>
+        </p:nvSpPr>
+        <p:spPr>
+          <a:xfrm>
+            <a:off x="7282134" y="1903129"/>
+            <a:ext cx="1537857" cy="400110"/>
+          </a:xfrm>
+          <a:prstGeom prst="rect">
+            <a:avLst/>
+          </a:prstGeom>
+          <a:noFill/>
+        </p:spPr>
+        <p:txBody>
+          <a:bodyPr wrap="none" rtlCol="0">
+            <a:spAutoFit/>
+          </a:bodyPr>
+          <a:lstStyle/>
+          <a:p>
+            <a:r>
+              <a:rPr lang="en-US" sz="2000" b="1" dirty="0" smtClean="0">
+                <a:solidFill>
+                  <a:srgbClr val="FF0000"/>
+                </a:solidFill>
+                <a:latin typeface="Cambria" charset="0"/>
+                <a:ea typeface="Cambria" charset="0"/>
+                <a:cs typeface="Cambria" charset="0"/>
+              </a:rPr>
+              <a:t>Bus Service</a:t>
+            </a:r>
+            <a:endParaRPr lang="en-US" sz="2000" b="1" dirty="0">
+              <a:solidFill>
+                <a:srgbClr val="FF0000"/>
+              </a:solidFill>
+              <a:latin typeface="Cambria" charset="0"/>
+              <a:ea typeface="Cambria" charset="0"/>
+              <a:cs typeface="Cambria" charset="0"/>
+            </a:endParaRPr>
+          </a:p>
+        </p:txBody>
+      </p:sp>
+    </p:spTree>
+    <p:extLst>
+      <p:ext uri="{BB962C8B-B14F-4D97-AF65-F5344CB8AC3E}">
+        <p14:creationId xmlns:p14="http://schemas.microsoft.com/office/powerpoint/2010/main" val="580641134"/>
+      </p:ext>
+    </p:extLst>
+  </p:cSld>
+  <p:clrMapOvr>
+    <a:masterClrMapping/>
+  </p:clrMapOvr>
+  <p:timing>
+    <p:tnLst>
+      <p:par>
+        <p:cTn id="1" dur="indefinite" restart="never" nodeType="tmRoot"/>
+      </p:par>
+    </p:tnLst>
+  </p:timing>
+</p:sld>
+</file>
+
+<file path=ppt/slides/slide16.xml><?xml version="1.0" encoding="utf-8"?>
+<p:sld xmlns:a="http://schemas.openxmlformats.org/drawingml/2006/main" xmlns:r="http://schemas.openxmlformats.org/officeDocument/2006/relationships" xmlns:p="http://schemas.openxmlformats.org/presentationml/2006/main">
+  <p:cSld>
+    <p:spTree>
+      <p:nvGrpSpPr>
+        <p:cNvPr id="1" name=""/>
+        <p:cNvGrpSpPr/>
+        <p:nvPr/>
+      </p:nvGrpSpPr>
+      <p:grpSpPr>
+        <a:xfrm>
+          <a:off x="0" y="0"/>
+          <a:ext cx="0" cy="0"/>
+          <a:chOff x="0" y="0"/>
+          <a:chExt cx="0" cy="0"/>
+        </a:xfrm>
+      </p:grpSpPr>
+      <p:sp>
+        <p:nvSpPr>
+          <p:cNvPr id="2" name="Title 1"/>
+          <p:cNvSpPr>
+            <a:spLocks noGrp="1"/>
+          </p:cNvSpPr>
+          <p:nvPr>
+            <p:ph type="title"/>
+          </p:nvPr>
+        </p:nvSpPr>
+        <p:spPr>
+          <a:xfrm>
+            <a:off x="132008" y="0"/>
+            <a:ext cx="7886700" cy="587828"/>
+          </a:xfrm>
+        </p:spPr>
+        <p:txBody>
+          <a:bodyPr>
+            <a:normAutofit/>
+          </a:bodyPr>
+          <a:lstStyle/>
+          <a:p>
+            <a:r>
+              <a:rPr lang="en-US" sz="2700" dirty="0">
+                <a:latin typeface="Cambria" charset="0"/>
+                <a:ea typeface="Cambria" charset="0"/>
+                <a:cs typeface="Cambria" charset="0"/>
+              </a:rPr>
+              <a:t>Architecture: Bus Routing</a:t>
+            </a:r>
+            <a:endParaRPr lang="en-US" sz="2700" b="1" dirty="0">
+              <a:latin typeface="Cambria" charset="0"/>
+              <a:ea typeface="Cambria" charset="0"/>
+              <a:cs typeface="Cambria" charset="0"/>
+            </a:endParaRPr>
+          </a:p>
+        </p:txBody>
+      </p:sp>
+      <p:cxnSp>
+        <p:nvCxnSpPr>
+          <p:cNvPr id="6" name="Straight Connector 5"/>
+          <p:cNvCxnSpPr/>
+          <p:nvPr/>
+        </p:nvCxnSpPr>
+        <p:spPr>
+          <a:xfrm flipV="1">
+            <a:off x="215206" y="589136"/>
+            <a:ext cx="8780690" cy="12247"/>
+          </a:xfrm>
+          <a:prstGeom prst="line">
+            <a:avLst/>
+          </a:prstGeom>
+          <a:ln w="22225"/>
+        </p:spPr>
+        <p:style>
+          <a:lnRef idx="1">
+            <a:schemeClr val="accent1"/>
+          </a:lnRef>
+          <a:fillRef idx="0">
+            <a:schemeClr val="accent1"/>
+          </a:fillRef>
+          <a:effectRef idx="0">
+            <a:schemeClr val="accent1"/>
+          </a:effectRef>
+          <a:fontRef idx="minor">
+            <a:schemeClr val="tx1"/>
+          </a:fontRef>
+        </p:style>
+      </p:cxnSp>
+      <p:pic>
+        <p:nvPicPr>
+          <p:cNvPr id="20" name="Picture 2" descr="C:\Users\ngoan\Desktop\bus.png"/>
+          <p:cNvPicPr>
+            <a:picLocks noChangeAspect="1" noChangeArrowheads="1"/>
+          </p:cNvPicPr>
+          <p:nvPr/>
+        </p:nvPicPr>
+        <p:blipFill rotWithShape="1">
+          <a:blip r:embed="rId2">
+            <a:extLst>
+              <a:ext uri="{28A0092B-C50C-407E-A947-70E740481C1C}">
+                <a14:useLocalDpi xmlns:a14="http://schemas.microsoft.com/office/drawing/2010/main" val="0"/>
+              </a:ext>
+            </a:extLst>
+          </a:blip>
+          <a:srcRect l="41653" t="43647" r="50398" b="42181"/>
+          <a:stretch/>
+        </p:blipFill>
+        <p:spPr bwMode="auto">
+          <a:xfrm>
+            <a:off x="4008508" y="3493094"/>
+            <a:ext cx="597043" cy="925417"/>
+          </a:xfrm>
+          <a:prstGeom prst="rect">
+            <a:avLst/>
+          </a:prstGeom>
+          <a:noFill/>
+          <a:extLst>
+            <a:ext uri="{909E8E84-426E-40DD-AFC4-6F175D3DCCD1}">
+              <a14:hiddenFill xmlns:a14="http://schemas.microsoft.com/office/drawing/2010/main">
+                <a:solidFill>
+                  <a:srgbClr val="FFFFFF"/>
+                </a:solidFill>
+              </a14:hiddenFill>
+            </a:ext>
+          </a:extLst>
+        </p:spPr>
+      </p:pic>
+      <p:pic>
+        <p:nvPicPr>
+          <p:cNvPr id="21" name="Picture 20"/>
+          <p:cNvPicPr>
+            <a:picLocks noChangeAspect="1"/>
+          </p:cNvPicPr>
+          <p:nvPr/>
+        </p:nvPicPr>
+        <p:blipFill>
+          <a:blip r:embed="rId3">
+            <a:extLst>
+              <a:ext uri="{28A0092B-C50C-407E-A947-70E740481C1C}">
+                <a14:useLocalDpi xmlns:a14="http://schemas.microsoft.com/office/drawing/2010/main" val="0"/>
+              </a:ext>
+            </a:extLst>
+          </a:blip>
+          <a:stretch>
+            <a:fillRect/>
+          </a:stretch>
+        </p:blipFill>
+        <p:spPr>
+          <a:xfrm>
+            <a:off x="468010" y="3475470"/>
+            <a:ext cx="789246" cy="789246"/>
+          </a:xfrm>
+          <a:prstGeom prst="rect">
+            <a:avLst/>
+          </a:prstGeom>
+        </p:spPr>
+      </p:pic>
+      <p:sp>
+        <p:nvSpPr>
+          <p:cNvPr id="22" name="Right Arrow 21"/>
+          <p:cNvSpPr/>
+          <p:nvPr/>
+        </p:nvSpPr>
+        <p:spPr>
+          <a:xfrm>
+            <a:off x="1570322" y="4089312"/>
+            <a:ext cx="2315002" cy="199706"/>
+          </a:xfrm>
+          <a:prstGeom prst="rightArrow">
+            <a:avLst/>
+          </a:prstGeom>
+          <a:solidFill>
+            <a:srgbClr val="2388DB"/>
+          </a:solidFill>
+          <a:ln w="25400" cap="flat" cmpd="sng" algn="ctr">
+            <a:solidFill>
+              <a:srgbClr val="2388DB"/>
+            </a:solidFill>
+            <a:prstDash val="solid"/>
+          </a:ln>
+          <a:effectLst/>
+        </p:spPr>
+        <p:txBody>
+          <a:bodyPr rtlCol="0" anchor="ctr"/>
+          <a:lstStyle/>
+          <a:p>
+            <a:pPr algn="ctr">
+              <a:defRPr/>
+            </a:pPr>
+            <a:endParaRPr lang="en-US" kern="0" smtClean="0">
+              <a:solidFill>
+                <a:srgbClr val="FFFFFF"/>
+              </a:solidFill>
+              <a:latin typeface="Arial"/>
+            </a:endParaRPr>
+          </a:p>
+        </p:txBody>
+      </p:sp>
+      <p:sp>
+        <p:nvSpPr>
+          <p:cNvPr id="23" name="TextBox 22"/>
+          <p:cNvSpPr txBox="1"/>
+          <p:nvPr/>
+        </p:nvSpPr>
+        <p:spPr>
+          <a:xfrm>
+            <a:off x="1899628" y="3755748"/>
+            <a:ext cx="1954333" cy="400110"/>
+          </a:xfrm>
+          <a:prstGeom prst="rect">
+            <a:avLst/>
+          </a:prstGeom>
+          <a:noFill/>
+        </p:spPr>
+        <p:txBody>
+          <a:bodyPr wrap="square" rtlCol="0">
+            <a:spAutoFit/>
+          </a:bodyPr>
+          <a:lstStyle/>
+          <a:p>
+            <a:r>
+              <a:rPr lang="en-US" sz="2000" dirty="0" smtClean="0">
+                <a:solidFill>
+                  <a:srgbClr val="000000"/>
+                </a:solidFill>
+                <a:latin typeface="Cambria" charset="0"/>
+                <a:ea typeface="Cambria" charset="0"/>
+                <a:cs typeface="Cambria" charset="0"/>
+              </a:rPr>
+              <a:t>1a. Text Search</a:t>
+            </a:r>
+            <a:endParaRPr lang="en-US" sz="2000" dirty="0">
+              <a:solidFill>
+                <a:srgbClr val="000000"/>
+              </a:solidFill>
+              <a:latin typeface="Cambria" charset="0"/>
+              <a:ea typeface="Cambria" charset="0"/>
+              <a:cs typeface="Cambria" charset="0"/>
+            </a:endParaRPr>
+          </a:p>
+        </p:txBody>
+      </p:sp>
+      <p:pic>
+        <p:nvPicPr>
+          <p:cNvPr id="24" name="Picture 23"/>
+          <p:cNvPicPr>
+            <a:picLocks noChangeAspect="1"/>
+          </p:cNvPicPr>
+          <p:nvPr/>
+        </p:nvPicPr>
+        <p:blipFill>
+          <a:blip r:embed="rId4">
+            <a:extLst>
+              <a:ext uri="{28A0092B-C50C-407E-A947-70E740481C1C}">
+                <a14:useLocalDpi xmlns:a14="http://schemas.microsoft.com/office/drawing/2010/main" val="0"/>
+              </a:ext>
+            </a:extLst>
+          </a:blip>
+          <a:stretch>
+            <a:fillRect/>
+          </a:stretch>
+        </p:blipFill>
+        <p:spPr>
+          <a:xfrm>
+            <a:off x="3905987" y="926929"/>
+            <a:ext cx="850290" cy="839004"/>
+          </a:xfrm>
+          <a:prstGeom prst="rect">
+            <a:avLst/>
+          </a:prstGeom>
+        </p:spPr>
+      </p:pic>
+      <p:sp>
+        <p:nvSpPr>
+          <p:cNvPr id="25" name="Up Arrow 24"/>
+          <p:cNvSpPr/>
+          <p:nvPr/>
+        </p:nvSpPr>
+        <p:spPr>
+          <a:xfrm rot="3098377">
+            <a:off x="2654530" y="1166486"/>
+            <a:ext cx="217957" cy="3046974"/>
+          </a:xfrm>
+          <a:prstGeom prst="upArrow">
+            <a:avLst/>
+          </a:prstGeom>
+          <a:solidFill>
+            <a:schemeClr val="accent1"/>
+          </a:solidFill>
+          <a:ln w="25400" cap="flat" cmpd="sng" algn="ctr">
+            <a:solidFill>
+              <a:schemeClr val="accent1"/>
+            </a:solidFill>
+            <a:prstDash val="solid"/>
+          </a:ln>
+          <a:effectLst/>
+        </p:spPr>
+        <p:txBody>
+          <a:bodyPr rtlCol="0" anchor="ctr"/>
+          <a:lstStyle/>
+          <a:p>
+            <a:pPr algn="ctr">
+              <a:defRPr/>
+            </a:pPr>
+            <a:endParaRPr lang="en-US" kern="0" smtClean="0">
+              <a:solidFill>
+                <a:srgbClr val="FFFFFF"/>
+              </a:solidFill>
+              <a:latin typeface="Arial"/>
+            </a:endParaRPr>
+          </a:p>
+        </p:txBody>
+      </p:sp>
+      <p:sp>
+        <p:nvSpPr>
+          <p:cNvPr id="26" name="Down Arrow 25"/>
+          <p:cNvSpPr/>
+          <p:nvPr/>
+        </p:nvSpPr>
+        <p:spPr>
+          <a:xfrm>
+            <a:off x="4218170" y="1865915"/>
+            <a:ext cx="213100" cy="1501766"/>
+          </a:xfrm>
+          <a:prstGeom prst="downArrow">
+            <a:avLst/>
+          </a:prstGeom>
+          <a:solidFill>
+            <a:schemeClr val="accent1"/>
+          </a:solidFill>
+          <a:ln w="25400" cap="flat" cmpd="sng" algn="ctr">
+            <a:solidFill>
+              <a:schemeClr val="accent1"/>
+            </a:solidFill>
+            <a:prstDash val="solid"/>
+          </a:ln>
+          <a:effectLst/>
+        </p:spPr>
+        <p:txBody>
+          <a:bodyPr rtlCol="0" anchor="ctr"/>
+          <a:lstStyle/>
+          <a:p>
+            <a:pPr algn="ctr">
+              <a:defRPr/>
+            </a:pPr>
+            <a:endParaRPr lang="en-US" kern="0" smtClean="0">
+              <a:solidFill>
+                <a:srgbClr val="FFFFFF"/>
+              </a:solidFill>
+              <a:latin typeface="Arial"/>
+            </a:endParaRPr>
+          </a:p>
+        </p:txBody>
+      </p:sp>
+      <p:sp>
+        <p:nvSpPr>
+          <p:cNvPr id="27" name="TextBox 26"/>
+          <p:cNvSpPr txBox="1"/>
+          <p:nvPr/>
+        </p:nvSpPr>
+        <p:spPr>
+          <a:xfrm rot="19217945">
+            <a:off x="1687897" y="2167635"/>
+            <a:ext cx="1950983" cy="400110"/>
+          </a:xfrm>
+          <a:prstGeom prst="rect">
+            <a:avLst/>
+          </a:prstGeom>
+          <a:noFill/>
+        </p:spPr>
+        <p:txBody>
+          <a:bodyPr wrap="none" rtlCol="0">
+            <a:spAutoFit/>
+          </a:bodyPr>
+          <a:lstStyle/>
+          <a:p>
+            <a:r>
+              <a:rPr lang="en-US" sz="2000" dirty="0" smtClean="0">
+                <a:solidFill>
+                  <a:srgbClr val="000000"/>
+                </a:solidFill>
+                <a:latin typeface="Cambria" charset="0"/>
+                <a:ea typeface="Cambria" charset="0"/>
+                <a:cs typeface="Cambria" charset="0"/>
+              </a:rPr>
+              <a:t>1b. Voice Search</a:t>
+            </a:r>
+            <a:endParaRPr lang="en-US" sz="2000" dirty="0">
+              <a:solidFill>
+                <a:srgbClr val="000000"/>
+              </a:solidFill>
+              <a:latin typeface="Cambria" charset="0"/>
+              <a:ea typeface="Cambria" charset="0"/>
+              <a:cs typeface="Cambria" charset="0"/>
+            </a:endParaRPr>
+          </a:p>
+        </p:txBody>
+      </p:sp>
+      <p:sp>
+        <p:nvSpPr>
+          <p:cNvPr id="28" name="TextBox 27"/>
+          <p:cNvSpPr txBox="1"/>
+          <p:nvPr/>
+        </p:nvSpPr>
+        <p:spPr>
+          <a:xfrm>
+            <a:off x="3494104" y="2486659"/>
+            <a:ext cx="648383" cy="707886"/>
+          </a:xfrm>
+          <a:prstGeom prst="rect">
+            <a:avLst/>
+          </a:prstGeom>
+          <a:noFill/>
+        </p:spPr>
+        <p:txBody>
+          <a:bodyPr wrap="none" rtlCol="0">
+            <a:spAutoFit/>
+          </a:bodyPr>
+          <a:lstStyle/>
+          <a:p>
+            <a:r>
+              <a:rPr lang="en-US" sz="2000" dirty="0" smtClean="0">
+                <a:solidFill>
+                  <a:srgbClr val="000000"/>
+                </a:solidFill>
+                <a:latin typeface="Cambria" charset="0"/>
+                <a:ea typeface="Cambria" charset="0"/>
+                <a:cs typeface="Cambria" charset="0"/>
+              </a:rPr>
+              <a:t>1c.</a:t>
+            </a:r>
+            <a:br>
+              <a:rPr lang="en-US" sz="2000" dirty="0" smtClean="0">
+                <a:solidFill>
+                  <a:srgbClr val="000000"/>
+                </a:solidFill>
+                <a:latin typeface="Cambria" charset="0"/>
+                <a:ea typeface="Cambria" charset="0"/>
+                <a:cs typeface="Cambria" charset="0"/>
+              </a:rPr>
+            </a:br>
+            <a:r>
+              <a:rPr lang="en-US" sz="2000" dirty="0" smtClean="0">
+                <a:solidFill>
+                  <a:srgbClr val="000000"/>
+                </a:solidFill>
+                <a:latin typeface="Cambria" charset="0"/>
+                <a:ea typeface="Cambria" charset="0"/>
+                <a:cs typeface="Cambria" charset="0"/>
+              </a:rPr>
+              <a:t>Text</a:t>
+            </a:r>
+            <a:endParaRPr lang="en-US" sz="2000" dirty="0">
+              <a:solidFill>
+                <a:srgbClr val="000000"/>
+              </a:solidFill>
+              <a:latin typeface="Cambria" charset="0"/>
+              <a:ea typeface="Cambria" charset="0"/>
+              <a:cs typeface="Cambria" charset="0"/>
+            </a:endParaRPr>
+          </a:p>
+        </p:txBody>
+      </p:sp>
+      <p:sp>
+        <p:nvSpPr>
+          <p:cNvPr id="29" name="Up Arrow 28"/>
+          <p:cNvSpPr/>
+          <p:nvPr/>
+        </p:nvSpPr>
+        <p:spPr>
+          <a:xfrm rot="2900683">
+            <a:off x="5766506" y="1382582"/>
+            <a:ext cx="222582" cy="2782163"/>
+          </a:xfrm>
+          <a:prstGeom prst="upArrow">
+            <a:avLst/>
+          </a:prstGeom>
+          <a:solidFill>
+            <a:schemeClr val="accent1"/>
+          </a:solidFill>
+          <a:ln w="25400" cap="flat" cmpd="sng" algn="ctr">
+            <a:solidFill>
+              <a:schemeClr val="accent1"/>
+            </a:solidFill>
+            <a:prstDash val="solid"/>
+          </a:ln>
+          <a:effectLst/>
+        </p:spPr>
+        <p:txBody>
+          <a:bodyPr rtlCol="0" anchor="ctr"/>
+          <a:lstStyle/>
+          <a:p>
+            <a:pPr algn="ctr">
+              <a:defRPr/>
+            </a:pPr>
+            <a:endParaRPr lang="en-US" kern="0" smtClean="0">
+              <a:solidFill>
+                <a:srgbClr val="FFFFFF"/>
+              </a:solidFill>
+              <a:latin typeface="Arial"/>
+            </a:endParaRPr>
+          </a:p>
+        </p:txBody>
+      </p:sp>
+      <p:sp>
+        <p:nvSpPr>
+          <p:cNvPr id="30" name="Down Arrow 29"/>
+          <p:cNvSpPr/>
+          <p:nvPr/>
+        </p:nvSpPr>
+        <p:spPr>
+          <a:xfrm rot="2821443">
+            <a:off x="5939791" y="1640652"/>
+            <a:ext cx="232700" cy="2725205"/>
+          </a:xfrm>
+          <a:prstGeom prst="downArrow">
+            <a:avLst/>
+          </a:prstGeom>
+          <a:solidFill>
+            <a:schemeClr val="accent1"/>
+          </a:solidFill>
+          <a:ln w="25400" cap="flat" cmpd="sng" algn="ctr">
+            <a:solidFill>
+              <a:schemeClr val="accent1"/>
+            </a:solidFill>
+            <a:prstDash val="solid"/>
+          </a:ln>
+          <a:effectLst/>
+        </p:spPr>
+        <p:txBody>
+          <a:bodyPr rtlCol="0" anchor="ctr"/>
+          <a:lstStyle/>
+          <a:p>
+            <a:pPr algn="ctr">
+              <a:defRPr/>
+            </a:pPr>
+            <a:endParaRPr lang="en-US" kern="0" smtClean="0">
+              <a:solidFill>
+                <a:srgbClr val="FFFFFF"/>
+              </a:solidFill>
+              <a:latin typeface="Arial"/>
+            </a:endParaRPr>
+          </a:p>
+        </p:txBody>
+      </p:sp>
+      <p:sp>
+        <p:nvSpPr>
+          <p:cNvPr id="31" name="TextBox 30"/>
+          <p:cNvSpPr txBox="1"/>
+          <p:nvPr/>
+        </p:nvSpPr>
+        <p:spPr>
+          <a:xfrm rot="19042530">
+            <a:off x="4462326" y="2355094"/>
+            <a:ext cx="2413802" cy="400110"/>
+          </a:xfrm>
+          <a:prstGeom prst="rect">
+            <a:avLst/>
+          </a:prstGeom>
+          <a:noFill/>
+        </p:spPr>
+        <p:txBody>
+          <a:bodyPr wrap="none" rtlCol="0">
+            <a:spAutoFit/>
+          </a:bodyPr>
+          <a:lstStyle/>
+          <a:p>
+            <a:r>
+              <a:rPr lang="en-US" sz="2000" dirty="0" smtClean="0">
+                <a:solidFill>
+                  <a:srgbClr val="000000"/>
+                </a:solidFill>
+                <a:latin typeface="Cambria" charset="0"/>
+                <a:ea typeface="Cambria" charset="0"/>
+                <a:cs typeface="Cambria" charset="0"/>
+              </a:rPr>
+              <a:t>2. Request bus route</a:t>
+            </a:r>
+            <a:endParaRPr lang="en-US" sz="2000" dirty="0">
+              <a:solidFill>
+                <a:srgbClr val="000000"/>
+              </a:solidFill>
+              <a:latin typeface="Cambria" charset="0"/>
+              <a:ea typeface="Cambria" charset="0"/>
+              <a:cs typeface="Cambria" charset="0"/>
+            </a:endParaRPr>
+          </a:p>
+        </p:txBody>
+      </p:sp>
+      <p:sp>
+        <p:nvSpPr>
+          <p:cNvPr id="32" name="TextBox 31"/>
+          <p:cNvSpPr txBox="1"/>
+          <p:nvPr/>
+        </p:nvSpPr>
+        <p:spPr>
+          <a:xfrm rot="19042530">
+            <a:off x="5533071" y="2877821"/>
+            <a:ext cx="1643014" cy="400110"/>
+          </a:xfrm>
+          <a:prstGeom prst="rect">
+            <a:avLst/>
+          </a:prstGeom>
+          <a:noFill/>
+        </p:spPr>
+        <p:txBody>
+          <a:bodyPr wrap="none" rtlCol="0">
+            <a:spAutoFit/>
+          </a:bodyPr>
+          <a:lstStyle/>
+          <a:p>
+            <a:r>
+              <a:rPr lang="en-US" sz="2000" dirty="0" smtClean="0">
+                <a:solidFill>
+                  <a:srgbClr val="000000"/>
+                </a:solidFill>
+                <a:latin typeface="Cambria" charset="0"/>
+                <a:ea typeface="Cambria" charset="0"/>
+                <a:cs typeface="Cambria" charset="0"/>
+              </a:rPr>
+              <a:t>3. List results</a:t>
+            </a:r>
+            <a:endParaRPr lang="en-US" sz="2000" dirty="0">
+              <a:solidFill>
+                <a:srgbClr val="000000"/>
+              </a:solidFill>
+              <a:latin typeface="Cambria" charset="0"/>
+              <a:ea typeface="Cambria" charset="0"/>
+              <a:cs typeface="Cambria" charset="0"/>
+            </a:endParaRPr>
+          </a:p>
+        </p:txBody>
+      </p:sp>
+      <p:pic>
+        <p:nvPicPr>
+          <p:cNvPr id="34" name="Picture 33"/>
+          <p:cNvPicPr>
+            <a:picLocks noChangeAspect="1"/>
+          </p:cNvPicPr>
+          <p:nvPr/>
+        </p:nvPicPr>
+        <p:blipFill rotWithShape="1">
+          <a:blip r:embed="rId5">
+            <a:extLst>
+              <a:ext uri="{28A0092B-C50C-407E-A947-70E740481C1C}">
+                <a14:useLocalDpi xmlns:a14="http://schemas.microsoft.com/office/drawing/2010/main" val="0"/>
+              </a:ext>
+            </a:extLst>
+          </a:blip>
+          <a:srcRect l="22301" r="22655" b="23406"/>
+          <a:stretch/>
+        </p:blipFill>
+        <p:spPr>
+          <a:xfrm>
+            <a:off x="7507047" y="754102"/>
+            <a:ext cx="914400" cy="954286"/>
+          </a:xfrm>
+          <a:prstGeom prst="rect">
+            <a:avLst/>
+          </a:prstGeom>
+        </p:spPr>
+      </p:pic>
+      <p:sp>
+        <p:nvSpPr>
+          <p:cNvPr id="36" name="TextBox 35"/>
+          <p:cNvSpPr txBox="1"/>
+          <p:nvPr/>
+        </p:nvSpPr>
+        <p:spPr>
+          <a:xfrm>
+            <a:off x="7282134" y="1903129"/>
+            <a:ext cx="1537857" cy="400110"/>
+          </a:xfrm>
+          <a:prstGeom prst="rect">
+            <a:avLst/>
+          </a:prstGeom>
+          <a:noFill/>
+        </p:spPr>
+        <p:txBody>
+          <a:bodyPr wrap="none" rtlCol="0">
+            <a:spAutoFit/>
+          </a:bodyPr>
+          <a:lstStyle/>
+          <a:p>
+            <a:r>
+              <a:rPr lang="en-US" sz="2000" b="1" dirty="0" smtClean="0">
+                <a:solidFill>
+                  <a:srgbClr val="FF0000"/>
+                </a:solidFill>
+                <a:latin typeface="Cambria" charset="0"/>
+                <a:ea typeface="Cambria" charset="0"/>
+                <a:cs typeface="Cambria" charset="0"/>
+              </a:rPr>
+              <a:t>Bus Service</a:t>
+            </a:r>
+            <a:endParaRPr lang="en-US" sz="2000" b="1" dirty="0">
+              <a:solidFill>
+                <a:srgbClr val="FF0000"/>
+              </a:solidFill>
+              <a:latin typeface="Cambria" charset="0"/>
+              <a:ea typeface="Cambria" charset="0"/>
+              <a:cs typeface="Cambria" charset="0"/>
+            </a:endParaRPr>
+          </a:p>
+        </p:txBody>
+      </p:sp>
+    </p:spTree>
+    <p:extLst>
+      <p:ext uri="{BB962C8B-B14F-4D97-AF65-F5344CB8AC3E}">
+        <p14:creationId xmlns:p14="http://schemas.microsoft.com/office/powerpoint/2010/main" val="669847170"/>
+      </p:ext>
+    </p:extLst>
+  </p:cSld>
+  <p:clrMapOvr>
+    <a:masterClrMapping/>
+  </p:clrMapOvr>
+  <p:timing>
+    <p:tnLst>
+      <p:par>
+        <p:cTn id="1" dur="indefinite" restart="never" nodeType="tmRoot"/>
+      </p:par>
+    </p:tnLst>
+  </p:timing>
+</p:sld>
+</file>
+
+<file path=ppt/slides/slide17.xml><?xml version="1.0" encoding="utf-8"?>
+<p:sld xmlns:a="http://schemas.openxmlformats.org/drawingml/2006/main" xmlns:r="http://schemas.openxmlformats.org/officeDocument/2006/relationships" xmlns:p="http://schemas.openxmlformats.org/presentationml/2006/main">
+  <p:cSld>
+    <p:spTree>
+      <p:nvGrpSpPr>
+        <p:cNvPr id="1" name=""/>
+        <p:cNvGrpSpPr/>
+        <p:nvPr/>
+      </p:nvGrpSpPr>
+      <p:grpSpPr>
+        <a:xfrm>
+          <a:off x="0" y="0"/>
+          <a:ext cx="0" cy="0"/>
+          <a:chOff x="0" y="0"/>
+          <a:chExt cx="0" cy="0"/>
+        </a:xfrm>
+      </p:grpSpPr>
+      <p:sp>
+        <p:nvSpPr>
+          <p:cNvPr id="2" name="Title 1"/>
+          <p:cNvSpPr>
+            <a:spLocks noGrp="1"/>
+          </p:cNvSpPr>
+          <p:nvPr>
+            <p:ph type="title"/>
+          </p:nvPr>
+        </p:nvSpPr>
         <p:spPr/>
         <p:txBody>
           <a:bodyPr/>
@@ -6534,7 +12633,7 @@
             <a:fld id="{00000000-1234-1234-1234-123412341234}" type="slidenum">
               <a:rPr lang="en" smtClean="0"/>
               <a:pPr/>
-              <a:t>11</a:t>
+              <a:t>17</a:t>
             </a:fld>
             <a:endParaRPr lang="en"/>
           </a:p>
@@ -9782,16 +15881,7 @@
                 </a:solidFill>
                 <a:latin typeface="Cambria" pitchFamily="18" charset="0"/>
               </a:rPr>
-              <a:t>Street </a:t>
-            </a:r>
-            <a:r>
-              <a:rPr lang="en-US" sz="2000" b="1" dirty="0" smtClean="0">
-                <a:solidFill>
-                  <a:srgbClr val="FF0000"/>
-                </a:solidFill>
-                <a:latin typeface="Cambria" pitchFamily="18" charset="0"/>
-              </a:rPr>
-              <a:t>Route</a:t>
+              <a:t>Street Route</a:t>
             </a:r>
             <a:r>
               <a:rPr lang="vi-VN" sz="2000" b="1" dirty="0" smtClean="0">
@@ -10073,16 +16163,7 @@
                 </a:solidFill>
                 <a:latin typeface="Cambria" pitchFamily="18" charset="0"/>
               </a:rPr>
-              <a:t>Street </a:t>
-            </a:r>
-            <a:r>
-              <a:rPr lang="en-US" sz="2000" b="1" dirty="0" smtClean="0">
-                <a:solidFill>
-                  <a:srgbClr val="FF0000"/>
-                </a:solidFill>
-                <a:latin typeface="Cambria" pitchFamily="18" charset="0"/>
-              </a:rPr>
-              <a:t>Route</a:t>
+              <a:t>Street Route</a:t>
             </a:r>
             <a:r>
               <a:rPr lang="vi-VN" sz="2000" b="1" dirty="0" smtClean="0">
@@ -10473,16 +16554,7 @@
                 </a:solidFill>
                 <a:latin typeface="Cambria" pitchFamily="18" charset="0"/>
               </a:rPr>
-              <a:t>Street </a:t>
-            </a:r>
-            <a:r>
-              <a:rPr lang="en-US" sz="2000" b="1" dirty="0" smtClean="0">
-                <a:solidFill>
-                  <a:srgbClr val="FF0000"/>
-                </a:solidFill>
-                <a:latin typeface="Cambria" pitchFamily="18" charset="0"/>
-              </a:rPr>
-              <a:t>Route</a:t>
+              <a:t>Street Route</a:t>
             </a:r>
             <a:r>
               <a:rPr lang="vi-VN" sz="2000" b="1" dirty="0" smtClean="0">
@@ -11402,6 +17474,267 @@
     </a:clrScheme>
     <a:fontScheme name="Office">
       <a:majorFont>
+        <a:latin typeface="Calibri Light" panose="020F0302020204030204"/>
+        <a:ea typeface=""/>
+        <a:cs typeface=""/>
+        <a:font script="Jpan" typeface="ＭＳ Ｐゴシック"/>
+        <a:font script="Hang" typeface="맑은 고딕"/>
+        <a:font script="Hans" typeface="宋体"/>
+        <a:font script="Hant" typeface="新細明體"/>
+        <a:font script="Arab" typeface="Times New Roman"/>
+        <a:font script="Hebr" typeface="Times New Roman"/>
+        <a:font script="Thai" typeface="Angsana New"/>
+        <a:font script="Ethi" typeface="Nyala"/>
+        <a:font script="Beng" typeface="Vrinda"/>
+        <a:font script="Gujr" typeface="Shruti"/>
+        <a:font script="Khmr" typeface="MoolBoran"/>
+        <a:font script="Knda" typeface="Tunga"/>
+        <a:font script="Guru" typeface="Raavi"/>
+        <a:font script="Cans" typeface="Euphemia"/>
+        <a:font script="Cher" typeface="Plantagenet Cherokee"/>
+        <a:font script="Yiii" typeface="Microsoft Yi Baiti"/>
+        <a:font script="Tibt" typeface="Microsoft Himalaya"/>
+        <a:font script="Thaa" typeface="MV Boli"/>
+        <a:font script="Deva" typeface="Mangal"/>
+        <a:font script="Telu" typeface="Gautami"/>
+        <a:font script="Taml" typeface="Latha"/>
+        <a:font script="Syrc" typeface="Estrangelo Edessa"/>
+        <a:font script="Orya" typeface="Kalinga"/>
+        <a:font script="Mlym" typeface="Kartika"/>
+        <a:font script="Laoo" typeface="DokChampa"/>
+        <a:font script="Sinh" typeface="Iskoola Pota"/>
+        <a:font script="Mong" typeface="Mongolian Baiti"/>
+        <a:font script="Viet" typeface="Times New Roman"/>
+        <a:font script="Uigh" typeface="Microsoft Uighur"/>
+        <a:font script="Geor" typeface="Sylfaen"/>
+      </a:majorFont>
+      <a:minorFont>
+        <a:latin typeface="Calibri" panose="020F0502020204030204"/>
+        <a:ea typeface=""/>
+        <a:cs typeface=""/>
+        <a:font script="Jpan" typeface="ＭＳ Ｐゴシック"/>
+        <a:font script="Hang" typeface="맑은 고딕"/>
+        <a:font script="Hans" typeface="宋体"/>
+        <a:font script="Hant" typeface="新細明體"/>
+        <a:font script="Arab" typeface="Arial"/>
+        <a:font script="Hebr" typeface="Arial"/>
+        <a:font script="Thai" typeface="Cordia New"/>
+        <a:font script="Ethi" typeface="Nyala"/>
+        <a:font script="Beng" typeface="Vrinda"/>
+        <a:font script="Gujr" typeface="Shruti"/>
+        <a:font script="Khmr" typeface="DaunPenh"/>
+        <a:font script="Knda" typeface="Tunga"/>
+        <a:font script="Guru" typeface="Raavi"/>
+        <a:font script="Cans" typeface="Euphemia"/>
+        <a:font script="Cher" typeface="Plantagenet Cherokee"/>
+        <a:font script="Yiii" typeface="Microsoft Yi Baiti"/>
+        <a:font script="Tibt" typeface="Microsoft Himalaya"/>
+        <a:font script="Thaa" typeface="MV Boli"/>
+        <a:font script="Deva" typeface="Mangal"/>
+        <a:font script="Telu" typeface="Gautami"/>
+        <a:font script="Taml" typeface="Latha"/>
+        <a:font script="Syrc" typeface="Estrangelo Edessa"/>
+        <a:font script="Orya" typeface="Kalinga"/>
+        <a:font script="Mlym" typeface="Kartika"/>
+        <a:font script="Laoo" typeface="DokChampa"/>
+        <a:font script="Sinh" typeface="Iskoola Pota"/>
+        <a:font script="Mong" typeface="Mongolian Baiti"/>
+        <a:font script="Viet" typeface="Arial"/>
+        <a:font script="Uigh" typeface="Microsoft Uighur"/>
+        <a:font script="Geor" typeface="Sylfaen"/>
+      </a:minorFont>
+    </a:fontScheme>
+    <a:fmtScheme name="Office">
+      <a:fillStyleLst>
+        <a:solidFill>
+          <a:schemeClr val="phClr"/>
+        </a:solidFill>
+        <a:gradFill rotWithShape="1">
+          <a:gsLst>
+            <a:gs pos="0">
+              <a:schemeClr val="phClr">
+                <a:lumMod val="110000"/>
+                <a:satMod val="105000"/>
+                <a:tint val="67000"/>
+              </a:schemeClr>
+            </a:gs>
+            <a:gs pos="50000">
+              <a:schemeClr val="phClr">
+                <a:lumMod val="105000"/>
+                <a:satMod val="103000"/>
+                <a:tint val="73000"/>
+              </a:schemeClr>
+            </a:gs>
+            <a:gs pos="100000">
+              <a:schemeClr val="phClr">
+                <a:lumMod val="105000"/>
+                <a:satMod val="109000"/>
+                <a:tint val="81000"/>
+              </a:schemeClr>
+            </a:gs>
+          </a:gsLst>
+          <a:lin ang="5400000" scaled="0"/>
+        </a:gradFill>
+        <a:gradFill rotWithShape="1">
+          <a:gsLst>
+            <a:gs pos="0">
+              <a:schemeClr val="phClr">
+                <a:satMod val="103000"/>
+                <a:lumMod val="102000"/>
+                <a:tint val="94000"/>
+              </a:schemeClr>
+            </a:gs>
+            <a:gs pos="50000">
+              <a:schemeClr val="phClr">
+                <a:satMod val="110000"/>
+                <a:lumMod val="100000"/>
+                <a:shade val="100000"/>
+              </a:schemeClr>
+            </a:gs>
+            <a:gs pos="100000">
+              <a:schemeClr val="phClr">
+                <a:lumMod val="99000"/>
+                <a:satMod val="120000"/>
+                <a:shade val="78000"/>
+              </a:schemeClr>
+            </a:gs>
+          </a:gsLst>
+          <a:lin ang="5400000" scaled="0"/>
+        </a:gradFill>
+      </a:fillStyleLst>
+      <a:lnStyleLst>
+        <a:ln w="6350" cap="flat" cmpd="sng" algn="ctr">
+          <a:solidFill>
+            <a:schemeClr val="phClr"/>
+          </a:solidFill>
+          <a:prstDash val="solid"/>
+          <a:miter lim="800000"/>
+        </a:ln>
+        <a:ln w="12700" cap="flat" cmpd="sng" algn="ctr">
+          <a:solidFill>
+            <a:schemeClr val="phClr"/>
+          </a:solidFill>
+          <a:prstDash val="solid"/>
+          <a:miter lim="800000"/>
+        </a:ln>
+        <a:ln w="19050" cap="flat" cmpd="sng" algn="ctr">
+          <a:solidFill>
+            <a:schemeClr val="phClr"/>
+          </a:solidFill>
+          <a:prstDash val="solid"/>
+          <a:miter lim="800000"/>
+        </a:ln>
+      </a:lnStyleLst>
+      <a:effectStyleLst>
+        <a:effectStyle>
+          <a:effectLst/>
+        </a:effectStyle>
+        <a:effectStyle>
+          <a:effectLst/>
+        </a:effectStyle>
+        <a:effectStyle>
+          <a:effectLst>
+            <a:outerShdw blurRad="57150" dist="19050" dir="5400000" algn="ctr" rotWithShape="0">
+              <a:srgbClr val="000000">
+                <a:alpha val="63000"/>
+              </a:srgbClr>
+            </a:outerShdw>
+          </a:effectLst>
+        </a:effectStyle>
+      </a:effectStyleLst>
+      <a:bgFillStyleLst>
+        <a:solidFill>
+          <a:schemeClr val="phClr"/>
+        </a:solidFill>
+        <a:solidFill>
+          <a:schemeClr val="phClr">
+            <a:tint val="95000"/>
+            <a:satMod val="170000"/>
+          </a:schemeClr>
+        </a:solidFill>
+        <a:gradFill rotWithShape="1">
+          <a:gsLst>
+            <a:gs pos="0">
+              <a:schemeClr val="phClr">
+                <a:tint val="93000"/>
+                <a:satMod val="150000"/>
+                <a:shade val="98000"/>
+                <a:lumMod val="102000"/>
+              </a:schemeClr>
+            </a:gs>
+            <a:gs pos="50000">
+              <a:schemeClr val="phClr">
+                <a:tint val="98000"/>
+                <a:satMod val="130000"/>
+                <a:shade val="90000"/>
+                <a:lumMod val="103000"/>
+              </a:schemeClr>
+            </a:gs>
+            <a:gs pos="100000">
+              <a:schemeClr val="phClr">
+                <a:shade val="63000"/>
+                <a:satMod val="120000"/>
+              </a:schemeClr>
+            </a:gs>
+          </a:gsLst>
+          <a:lin ang="5400000" scaled="0"/>
+        </a:gradFill>
+      </a:bgFillStyleLst>
+    </a:fmtScheme>
+  </a:themeElements>
+  <a:objectDefaults/>
+  <a:extraClrSchemeLst/>
+  <a:extLst>
+    <a:ext uri="{05A4C25C-085E-4340-85A3-A5531E510DB2}">
+      <thm15:themeFamily xmlns:thm15="http://schemas.microsoft.com/office/thememl/2012/main" name="Office Theme" id="{62F939B6-93AF-4DB8-9C6B-D6C7DFDC589F}" vid="{4A3C46E8-61CC-4603-A589-7422A47A8E4A}"/>
+    </a:ext>
+  </a:extLst>
+</a:theme>
+</file>
+
+<file path=ppt/theme/theme4.xml><?xml version="1.0" encoding="utf-8"?>
+<a:theme xmlns:a="http://schemas.openxmlformats.org/drawingml/2006/main" name="Office Theme">
+  <a:themeElements>
+    <a:clrScheme name="Office">
+      <a:dk1>
+        <a:sysClr val="windowText" lastClr="000000"/>
+      </a:dk1>
+      <a:lt1>
+        <a:sysClr val="window" lastClr="FFFFFF"/>
+      </a:lt1>
+      <a:dk2>
+        <a:srgbClr val="44546A"/>
+      </a:dk2>
+      <a:lt2>
+        <a:srgbClr val="E7E6E6"/>
+      </a:lt2>
+      <a:accent1>
+        <a:srgbClr val="5B9BD5"/>
+      </a:accent1>
+      <a:accent2>
+        <a:srgbClr val="ED7D31"/>
+      </a:accent2>
+      <a:accent3>
+        <a:srgbClr val="A5A5A5"/>
+      </a:accent3>
+      <a:accent4>
+        <a:srgbClr val="FFC000"/>
+      </a:accent4>
+      <a:accent5>
+        <a:srgbClr val="4472C4"/>
+      </a:accent5>
+      <a:accent6>
+        <a:srgbClr val="70AD47"/>
+      </a:accent6>
+      <a:hlink>
+        <a:srgbClr val="0563C1"/>
+      </a:hlink>
+      <a:folHlink>
+        <a:srgbClr val="954F72"/>
+      </a:folHlink>
+    </a:clrScheme>
+    <a:fontScheme name="Office">
+      <a:majorFont>
         <a:latin typeface="Calibri Light"/>
         <a:ea typeface=""/>
         <a:cs typeface=""/>
